--- a/current-practices/wot-getting-started.pptx
+++ b/current-practices/wot-getting-started.pptx
@@ -245,7 +245,7 @@
             <a:fld id="{1C96C9F5-32D2-42B5-96C6-A2155698F10A}" type="datetimeFigureOut">
               <a:rPr lang="de-DE" smtClean="0"/>
               <a:pPr/>
-              <a:t>19.04.2016</a:t>
+              <a:t>20.04.2016</a:t>
             </a:fld>
             <a:endParaRPr lang="de-DE"/>
           </a:p>
@@ -1780,7 +1780,7 @@
             <a:fld id="{1BA50D42-C9CD-4801-B293-61D1F53EC57E}" type="datetimeFigureOut">
               <a:rPr lang="de-DE" smtClean="0"/>
               <a:pPr/>
-              <a:t>19.04.2016</a:t>
+              <a:t>20.04.2016</a:t>
             </a:fld>
             <a:endParaRPr lang="de-DE"/>
           </a:p>
@@ -1947,7 +1947,7 @@
             <a:fld id="{1BA50D42-C9CD-4801-B293-61D1F53EC57E}" type="datetimeFigureOut">
               <a:rPr lang="de-DE" smtClean="0"/>
               <a:pPr/>
-              <a:t>19.04.2016</a:t>
+              <a:t>20.04.2016</a:t>
             </a:fld>
             <a:endParaRPr lang="de-DE"/>
           </a:p>
@@ -2124,7 +2124,7 @@
             <a:fld id="{1BA50D42-C9CD-4801-B293-61D1F53EC57E}" type="datetimeFigureOut">
               <a:rPr lang="de-DE" smtClean="0"/>
               <a:pPr/>
-              <a:t>19.04.2016</a:t>
+              <a:t>20.04.2016</a:t>
             </a:fld>
             <a:endParaRPr lang="de-DE"/>
           </a:p>
@@ -2291,7 +2291,7 @@
             <a:fld id="{1BA50D42-C9CD-4801-B293-61D1F53EC57E}" type="datetimeFigureOut">
               <a:rPr lang="de-DE" smtClean="0"/>
               <a:pPr/>
-              <a:t>19.04.2016</a:t>
+              <a:t>20.04.2016</a:t>
             </a:fld>
             <a:endParaRPr lang="de-DE"/>
           </a:p>
@@ -2534,7 +2534,7 @@
             <a:fld id="{1BA50D42-C9CD-4801-B293-61D1F53EC57E}" type="datetimeFigureOut">
               <a:rPr lang="de-DE" smtClean="0"/>
               <a:pPr/>
-              <a:t>19.04.2016</a:t>
+              <a:t>20.04.2016</a:t>
             </a:fld>
             <a:endParaRPr lang="de-DE"/>
           </a:p>
@@ -2819,7 +2819,7 @@
             <a:fld id="{1BA50D42-C9CD-4801-B293-61D1F53EC57E}" type="datetimeFigureOut">
               <a:rPr lang="de-DE" smtClean="0"/>
               <a:pPr/>
-              <a:t>19.04.2016</a:t>
+              <a:t>20.04.2016</a:t>
             </a:fld>
             <a:endParaRPr lang="de-DE"/>
           </a:p>
@@ -3238,7 +3238,7 @@
             <a:fld id="{1BA50D42-C9CD-4801-B293-61D1F53EC57E}" type="datetimeFigureOut">
               <a:rPr lang="de-DE" smtClean="0"/>
               <a:pPr/>
-              <a:t>19.04.2016</a:t>
+              <a:t>20.04.2016</a:t>
             </a:fld>
             <a:endParaRPr lang="de-DE"/>
           </a:p>
@@ -3353,7 +3353,7 @@
             <a:fld id="{1BA50D42-C9CD-4801-B293-61D1F53EC57E}" type="datetimeFigureOut">
               <a:rPr lang="de-DE" smtClean="0"/>
               <a:pPr/>
-              <a:t>19.04.2016</a:t>
+              <a:t>20.04.2016</a:t>
             </a:fld>
             <a:endParaRPr lang="de-DE"/>
           </a:p>
@@ -3445,7 +3445,7 @@
             <a:fld id="{1BA50D42-C9CD-4801-B293-61D1F53EC57E}" type="datetimeFigureOut">
               <a:rPr lang="de-DE" smtClean="0"/>
               <a:pPr/>
-              <a:t>19.04.2016</a:t>
+              <a:t>20.04.2016</a:t>
             </a:fld>
             <a:endParaRPr lang="de-DE"/>
           </a:p>
@@ -3719,7 +3719,7 @@
             <a:fld id="{1BA50D42-C9CD-4801-B293-61D1F53EC57E}" type="datetimeFigureOut">
               <a:rPr lang="de-DE" smtClean="0"/>
               <a:pPr/>
-              <a:t>19.04.2016</a:t>
+              <a:t>20.04.2016</a:t>
             </a:fld>
             <a:endParaRPr lang="de-DE"/>
           </a:p>
@@ -3969,7 +3969,7 @@
             <a:fld id="{1BA50D42-C9CD-4801-B293-61D1F53EC57E}" type="datetimeFigureOut">
               <a:rPr lang="de-DE" smtClean="0"/>
               <a:pPr/>
-              <a:t>19.04.2016</a:t>
+              <a:t>20.04.2016</a:t>
             </a:fld>
             <a:endParaRPr lang="de-DE"/>
           </a:p>
@@ -4179,7 +4179,7 @@
             <a:fld id="{1BA50D42-C9CD-4801-B293-61D1F53EC57E}" type="datetimeFigureOut">
               <a:rPr lang="de-DE" smtClean="0"/>
               <a:pPr/>
-              <a:t>19.04.2016</a:t>
+              <a:t>20.04.2016</a:t>
             </a:fld>
             <a:endParaRPr lang="de-DE"/>
           </a:p>
@@ -5411,21 +5411,44 @@
           </a:bodyPr>
           <a:lstStyle/>
           <a:p>
-            <a:pPr algn="ctr" fontAlgn="ctr">
-              <a:lnSpc>
-                <a:spcPct val="80000"/>
-              </a:lnSpc>
-            </a:pPr>
-            <a:r>
-              <a:rPr lang="en-US" altLang="ja-JP" sz="1050" dirty="0" smtClean="0">
+            <a:pPr algn="ctr" fontAlgn="ctr"/>
+            <a:r>
+              <a:rPr lang="en-US" altLang="ja-JP" sz="900" dirty="0" smtClean="0">
                 <a:solidFill>
                   <a:schemeClr val="bg1"/>
                 </a:solidFill>
                 <a:latin typeface="Gill Sans MT"/>
                 <a:ea typeface="HG明朝E" panose="02020909000000000000" pitchFamily="17" charset="-128"/>
               </a:rPr>
-              <a:t>Client API</a:t>
-            </a:r>
+              <a:t>Runtime </a:t>
+            </a:r>
+            <a:r>
+              <a:rPr lang="en-US" altLang="ja-JP" sz="900" dirty="0" err="1" smtClean="0">
+                <a:solidFill>
+                  <a:schemeClr val="bg1"/>
+                </a:solidFill>
+                <a:latin typeface="Gill Sans MT"/>
+                <a:ea typeface="HG明朝E" panose="02020909000000000000" pitchFamily="17" charset="-128"/>
+              </a:rPr>
+              <a:t>Envi</a:t>
+            </a:r>
+            <a:r>
+              <a:rPr lang="en-US" altLang="ja-JP" sz="900" dirty="0" smtClean="0">
+                <a:solidFill>
+                  <a:schemeClr val="bg1"/>
+                </a:solidFill>
+                <a:latin typeface="Gill Sans MT"/>
+                <a:ea typeface="HG明朝E" panose="02020909000000000000" pitchFamily="17" charset="-128"/>
+              </a:rPr>
+              <a:t>.</a:t>
+            </a:r>
+            <a:endParaRPr lang="ja-JP" altLang="en-US" sz="900" dirty="0" smtClean="0">
+              <a:solidFill>
+                <a:schemeClr val="bg1"/>
+              </a:solidFill>
+              <a:latin typeface="Gill Sans MT"/>
+              <a:ea typeface="HG明朝E" panose="02020909000000000000" pitchFamily="17" charset="-128"/>
+            </a:endParaRPr>
           </a:p>
         </p:txBody>
       </p:sp>
@@ -5491,7 +5514,7 @@
           <a:effectLst/>
           <a:extLst>
             <a:ext uri="{AF507438-7753-43E0-B8FC-AC1667EBCBE1}">
-              <a14:hiddenEffects xmlns:a14="http://schemas.microsoft.com/office/drawing/2010/main" xmlns="">
+              <a14:hiddenEffects xmlns="" xmlns:a14="http://schemas.microsoft.com/office/drawing/2010/main">
                 <a:effectLst>
                   <a:outerShdw dist="53882" dir="2700000" algn="ctr" rotWithShape="0">
                     <a:schemeClr val="bg2">
@@ -6916,8 +6939,8 @@
         </p:nvSpPr>
         <p:spPr bwMode="auto">
           <a:xfrm>
-            <a:off x="6233424" y="4195808"/>
-            <a:ext cx="2346338" cy="261304"/>
+            <a:off x="6156176" y="4195808"/>
+            <a:ext cx="2423586" cy="261304"/>
           </a:xfrm>
           <a:prstGeom prst="verticalScroll">
             <a:avLst/>
@@ -7003,7 +7026,7 @@
         <p:spPr bwMode="auto">
           <a:xfrm>
             <a:off x="6187057" y="4902591"/>
-            <a:ext cx="622567" cy="962720"/>
+            <a:ext cx="571552" cy="962720"/>
           </a:xfrm>
           <a:prstGeom prst="roundRect">
             <a:avLst>
@@ -7073,9 +7096,9 @@
           <p:nvPr/>
         </p:nvCxnSpPr>
         <p:spPr bwMode="auto">
-          <a:xfrm flipH="1">
-            <a:off x="6498307" y="5865311"/>
-            <a:ext cx="34" cy="471949"/>
+          <a:xfrm>
+            <a:off x="6472833" y="5865311"/>
+            <a:ext cx="12449" cy="471949"/>
           </a:xfrm>
           <a:prstGeom prst="straightConnector1">
             <a:avLst/>
@@ -7126,7 +7149,7 @@
         </p:nvSpPr>
         <p:spPr bwMode="gray">
           <a:xfrm>
-            <a:off x="6128908" y="6337260"/>
+            <a:off x="6115883" y="6337260"/>
             <a:ext cx="738797" cy="352994"/>
           </a:xfrm>
           <a:prstGeom prst="roundRect">
@@ -7486,39 +7509,6 @@
           </a:p>
         </p:txBody>
       </p:sp>
-      <p:cxnSp>
-        <p:nvCxnSpPr>
-          <p:cNvPr id="67" name="直線矢印コネクタ 66"/>
-          <p:cNvCxnSpPr/>
-          <p:nvPr/>
-        </p:nvCxnSpPr>
-        <p:spPr bwMode="auto">
-          <a:xfrm>
-            <a:off x="8147714" y="4296861"/>
-            <a:ext cx="0" cy="330995"/>
-          </a:xfrm>
-          <a:prstGeom prst="straightConnector1">
-            <a:avLst/>
-          </a:prstGeom>
-          <a:noFill/>
-          <a:ln w="19050" cap="flat" cmpd="sng" algn="ctr">
-            <a:solidFill>
-              <a:sysClr val="windowText" lastClr="000000"/>
-            </a:solidFill>
-            <a:prstDash val="solid"/>
-            <a:headEnd type="arrow"/>
-            <a:tailEnd type="arrow"/>
-          </a:ln>
-          <a:effectLst>
-            <a:outerShdw blurRad="38100" dist="25400" dir="5400000" rotWithShape="0">
-              <a:srgbClr val="000000">
-                <a:alpha val="40000"/>
-              </a:srgbClr>
-            </a:outerShdw>
-          </a:effectLst>
-          <a:extLst/>
-        </p:spPr>
-      </p:cxnSp>
       <p:sp>
         <p:nvSpPr>
           <p:cNvPr id="68" name="角丸四角形 21"/>
@@ -7528,7 +7518,7 @@
         <p:spPr bwMode="auto">
           <a:xfrm>
             <a:off x="6163210" y="4600135"/>
-            <a:ext cx="671703" cy="245764"/>
+            <a:ext cx="2369230" cy="245764"/>
           </a:xfrm>
           <a:prstGeom prst="roundRect">
             <a:avLst/>
@@ -7556,139 +7546,18 @@
           </a:bodyPr>
           <a:lstStyle/>
           <a:p>
-            <a:pPr algn="ctr" fontAlgn="ctr">
-              <a:lnSpc>
-                <a:spcPct val="80000"/>
-              </a:lnSpc>
-            </a:pPr>
-            <a:r>
-              <a:rPr lang="en-US" altLang="ja-JP" sz="800" dirty="0" smtClean="0">
+            <a:pPr algn="ctr" fontAlgn="ctr"/>
+            <a:r>
+              <a:rPr lang="en-US" altLang="ja-JP" sz="1000" dirty="0" smtClean="0">
                 <a:solidFill>
                   <a:schemeClr val="bg1"/>
                 </a:solidFill>
                 <a:latin typeface="Gill Sans MT"/>
                 <a:ea typeface="HG明朝E" panose="02020909000000000000" pitchFamily="17" charset="-128"/>
               </a:rPr>
-              <a:t>Physical API</a:t>
-            </a:r>
-          </a:p>
-        </p:txBody>
-      </p:sp>
-      <p:sp>
-        <p:nvSpPr>
-          <p:cNvPr id="69" name="角丸四角形 21"/>
-          <p:cNvSpPr/>
-          <p:nvPr/>
-        </p:nvSpPr>
-        <p:spPr bwMode="auto">
-          <a:xfrm>
-            <a:off x="6851570" y="4590334"/>
-            <a:ext cx="825243" cy="253545"/>
-          </a:xfrm>
-          <a:prstGeom prst="roundRect">
-            <a:avLst/>
-          </a:prstGeom>
-          <a:solidFill>
-            <a:srgbClr val="7030A0"/>
-          </a:solidFill>
-          <a:ln w="25400" cap="flat" cmpd="sng" algn="ctr">
-            <a:solidFill>
-              <a:schemeClr val="tx1"/>
-            </a:solidFill>
-            <a:prstDash val="solid"/>
-            <a:round/>
-            <a:headEnd type="none" w="med" len="med"/>
-            <a:tailEnd type="none" w="med" len="med"/>
-          </a:ln>
-          <a:effectLst/>
-          <a:extLst/>
-        </p:spPr>
-        <p:txBody>
-          <a:bodyPr vert="horz" wrap="square" lIns="91440" tIns="45720" rIns="91440" bIns="45720" numCol="1" rtlCol="0" anchor="ctr" anchorCtr="0" compatLnSpc="1">
-            <a:prstTxWarp prst="textNoShape">
-              <a:avLst/>
-            </a:prstTxWarp>
-          </a:bodyPr>
-          <a:lstStyle/>
-          <a:p>
-            <a:pPr algn="ctr" fontAlgn="ctr">
-              <a:lnSpc>
-                <a:spcPct val="80000"/>
-              </a:lnSpc>
-            </a:pPr>
-            <a:r>
-              <a:rPr lang="en-US" altLang="ja-JP" sz="1050" dirty="0" smtClean="0">
-                <a:solidFill>
-                  <a:schemeClr val="bg1"/>
-                </a:solidFill>
-                <a:latin typeface="Gill Sans MT"/>
-                <a:ea typeface="HG明朝E" panose="02020909000000000000" pitchFamily="17" charset="-128"/>
-              </a:rPr>
-              <a:t>Server API</a:t>
-            </a:r>
-            <a:endParaRPr lang="ja-JP" altLang="en-US" sz="1050" dirty="0" smtClean="0">
-              <a:solidFill>
-                <a:schemeClr val="bg1"/>
-              </a:solidFill>
-              <a:latin typeface="Gill Sans MT"/>
-              <a:ea typeface="HG明朝E" panose="02020909000000000000" pitchFamily="17" charset="-128"/>
-            </a:endParaRPr>
-          </a:p>
-        </p:txBody>
-      </p:sp>
-      <p:sp>
-        <p:nvSpPr>
-          <p:cNvPr id="70" name="角丸四角形 21"/>
-          <p:cNvSpPr/>
-          <p:nvPr/>
-        </p:nvSpPr>
-        <p:spPr bwMode="auto">
-          <a:xfrm>
-            <a:off x="7695061" y="4590333"/>
-            <a:ext cx="842572" cy="253545"/>
-          </a:xfrm>
-          <a:prstGeom prst="roundRect">
-            <a:avLst/>
-          </a:prstGeom>
-          <a:solidFill>
-            <a:srgbClr val="7030A0"/>
-          </a:solidFill>
-          <a:ln w="25400" cap="flat" cmpd="sng" algn="ctr">
-            <a:solidFill>
-              <a:schemeClr val="tx1"/>
-            </a:solidFill>
-            <a:prstDash val="solid"/>
-            <a:round/>
-            <a:headEnd type="none" w="med" len="med"/>
-            <a:tailEnd type="none" w="med" len="med"/>
-          </a:ln>
-          <a:effectLst/>
-          <a:extLst/>
-        </p:spPr>
-        <p:txBody>
-          <a:bodyPr vert="horz" wrap="square" lIns="91440" tIns="45720" rIns="91440" bIns="45720" numCol="1" rtlCol="0" anchor="ctr" anchorCtr="0" compatLnSpc="1">
-            <a:prstTxWarp prst="textNoShape">
-              <a:avLst/>
-            </a:prstTxWarp>
-          </a:bodyPr>
-          <a:lstStyle/>
-          <a:p>
-            <a:pPr algn="ctr" fontAlgn="ctr">
-              <a:lnSpc>
-                <a:spcPct val="80000"/>
-              </a:lnSpc>
-            </a:pPr>
-            <a:r>
-              <a:rPr lang="en-US" altLang="ja-JP" sz="1050" dirty="0" smtClean="0">
-                <a:solidFill>
-                  <a:schemeClr val="bg1"/>
-                </a:solidFill>
-                <a:latin typeface="Gill Sans MT"/>
-                <a:ea typeface="HG明朝E" panose="02020909000000000000" pitchFamily="17" charset="-128"/>
-              </a:rPr>
-              <a:t>Client API</a:t>
-            </a:r>
-            <a:endParaRPr lang="ja-JP" altLang="en-US" sz="1050" dirty="0" smtClean="0">
+              <a:t>Runtime Environment</a:t>
+            </a:r>
+            <a:endParaRPr lang="ja-JP" altLang="en-US" sz="1000" dirty="0" smtClean="0">
               <a:solidFill>
                 <a:schemeClr val="bg1"/>
               </a:solidFill>
@@ -7706,8 +7575,8 @@
         </p:nvCxnSpPr>
         <p:spPr bwMode="auto">
           <a:xfrm>
-            <a:off x="7283618" y="4339824"/>
-            <a:ext cx="0" cy="330995"/>
+            <a:off x="7283618" y="4365104"/>
+            <a:ext cx="0" cy="305715"/>
           </a:xfrm>
           <a:prstGeom prst="straightConnector1">
             <a:avLst/>
@@ -7739,40 +7608,7 @@
         </p:nvCxnSpPr>
         <p:spPr bwMode="auto">
           <a:xfrm>
-            <a:off x="6516216" y="4322141"/>
-            <a:ext cx="0" cy="330995"/>
-          </a:xfrm>
-          <a:prstGeom prst="straightConnector1">
-            <a:avLst/>
-          </a:prstGeom>
-          <a:noFill/>
-          <a:ln w="19050" cap="flat" cmpd="sng" algn="ctr">
-            <a:solidFill>
-              <a:sysClr val="windowText" lastClr="000000"/>
-            </a:solidFill>
-            <a:prstDash val="solid"/>
-            <a:headEnd type="arrow"/>
-            <a:tailEnd type="arrow"/>
-          </a:ln>
-          <a:effectLst>
-            <a:outerShdw blurRad="38100" dist="25400" dir="5400000" rotWithShape="0">
-              <a:srgbClr val="000000">
-                <a:alpha val="40000"/>
-              </a:srgbClr>
-            </a:outerShdw>
-          </a:effectLst>
-          <a:extLst/>
-        </p:spPr>
-      </p:cxnSp>
-      <p:cxnSp>
-        <p:nvCxnSpPr>
-          <p:cNvPr id="73" name="直線矢印コネクタ 72"/>
-          <p:cNvCxnSpPr/>
-          <p:nvPr/>
-        </p:nvCxnSpPr>
-        <p:spPr bwMode="auto">
-          <a:xfrm>
-            <a:off x="4182163" y="4138063"/>
+            <a:off x="6476012" y="4322141"/>
             <a:ext cx="0" cy="330995"/>
           </a:xfrm>
           <a:prstGeom prst="straightConnector1">
@@ -7806,7 +7642,7 @@
         <p:spPr bwMode="auto">
           <a:xfrm>
             <a:off x="2886019" y="4431536"/>
-            <a:ext cx="825243" cy="253545"/>
+            <a:ext cx="1685981" cy="253545"/>
           </a:xfrm>
           <a:prstGeom prst="roundRect">
             <a:avLst/>
@@ -7834,11 +7670,7 @@
           </a:bodyPr>
           <a:lstStyle/>
           <a:p>
-            <a:pPr algn="ctr" fontAlgn="ctr">
-              <a:lnSpc>
-                <a:spcPct val="80000"/>
-              </a:lnSpc>
-            </a:pPr>
+            <a:pPr algn="ctr" fontAlgn="ctr"/>
             <a:r>
               <a:rPr lang="en-US" altLang="ja-JP" sz="1050" dirty="0" smtClean="0">
                 <a:solidFill>
@@ -7847,99 +7679,18 @@
                 <a:latin typeface="Gill Sans MT"/>
                 <a:ea typeface="HG明朝E" panose="02020909000000000000" pitchFamily="17" charset="-128"/>
               </a:rPr>
-              <a:t>Server API</a:t>
-            </a:r>
+              <a:t>Runtime Environment</a:t>
+            </a:r>
+            <a:endParaRPr lang="ja-JP" altLang="en-US" sz="1050" dirty="0" smtClean="0">
+              <a:solidFill>
+                <a:schemeClr val="bg1"/>
+              </a:solidFill>
+              <a:latin typeface="Gill Sans MT"/>
+              <a:ea typeface="HG明朝E" panose="02020909000000000000" pitchFamily="17" charset="-128"/>
+            </a:endParaRPr>
           </a:p>
         </p:txBody>
       </p:sp>
-      <p:sp>
-        <p:nvSpPr>
-          <p:cNvPr id="75" name="角丸四角形 21"/>
-          <p:cNvSpPr/>
-          <p:nvPr/>
-        </p:nvSpPr>
-        <p:spPr bwMode="auto">
-          <a:xfrm>
-            <a:off x="3729510" y="4431535"/>
-            <a:ext cx="842572" cy="253545"/>
-          </a:xfrm>
-          <a:prstGeom prst="roundRect">
-            <a:avLst/>
-          </a:prstGeom>
-          <a:solidFill>
-            <a:srgbClr val="7030A0"/>
-          </a:solidFill>
-          <a:ln w="25400" cap="flat" cmpd="sng" algn="ctr">
-            <a:solidFill>
-              <a:schemeClr val="tx1"/>
-            </a:solidFill>
-            <a:prstDash val="solid"/>
-            <a:round/>
-            <a:headEnd type="none" w="med" len="med"/>
-            <a:tailEnd type="none" w="med" len="med"/>
-          </a:ln>
-          <a:effectLst/>
-          <a:extLst/>
-        </p:spPr>
-        <p:txBody>
-          <a:bodyPr vert="horz" wrap="square" lIns="91440" tIns="45720" rIns="91440" bIns="45720" numCol="1" rtlCol="0" anchor="ctr" anchorCtr="0" compatLnSpc="1">
-            <a:prstTxWarp prst="textNoShape">
-              <a:avLst/>
-            </a:prstTxWarp>
-          </a:bodyPr>
-          <a:lstStyle/>
-          <a:p>
-            <a:pPr algn="ctr" fontAlgn="ctr">
-              <a:lnSpc>
-                <a:spcPct val="80000"/>
-              </a:lnSpc>
-            </a:pPr>
-            <a:r>
-              <a:rPr lang="en-US" altLang="ja-JP" sz="1050" dirty="0" smtClean="0">
-                <a:solidFill>
-                  <a:schemeClr val="bg1"/>
-                </a:solidFill>
-                <a:latin typeface="Gill Sans MT"/>
-                <a:ea typeface="HG明朝E" panose="02020909000000000000" pitchFamily="17" charset="-128"/>
-              </a:rPr>
-              <a:t>Client API</a:t>
-            </a:r>
-          </a:p>
-        </p:txBody>
-      </p:sp>
-      <p:cxnSp>
-        <p:nvCxnSpPr>
-          <p:cNvPr id="76" name="直線矢印コネクタ 75"/>
-          <p:cNvCxnSpPr/>
-          <p:nvPr/>
-        </p:nvCxnSpPr>
-        <p:spPr bwMode="auto">
-          <a:xfrm>
-            <a:off x="3318067" y="4181026"/>
-            <a:ext cx="0" cy="330995"/>
-          </a:xfrm>
-          <a:prstGeom prst="straightConnector1">
-            <a:avLst/>
-          </a:prstGeom>
-          <a:noFill/>
-          <a:ln w="19050" cap="flat" cmpd="sng" algn="ctr">
-            <a:solidFill>
-              <a:sysClr val="windowText" lastClr="000000"/>
-            </a:solidFill>
-            <a:prstDash val="solid"/>
-            <a:headEnd type="arrow"/>
-            <a:tailEnd type="arrow"/>
-          </a:ln>
-          <a:effectLst>
-            <a:outerShdw blurRad="38100" dist="25400" dir="5400000" rotWithShape="0">
-              <a:srgbClr val="000000">
-                <a:alpha val="40000"/>
-              </a:srgbClr>
-            </a:outerShdw>
-          </a:effectLst>
-          <a:extLst/>
-        </p:spPr>
-      </p:cxnSp>
       <p:pic>
         <p:nvPicPr>
           <p:cNvPr id="77" name="図 76"/>
@@ -7952,7 +7703,7 @@
           <a:blip r:embed="rId2" cstate="print">
             <a:extLst>
               <a:ext uri="{28A0092B-C50C-407E-A947-70E740481C1C}">
-                <a14:useLocalDpi xmlns:a14="http://schemas.microsoft.com/office/drawing/2010/main" xmlns="" val="0"/>
+                <a14:useLocalDpi xmlns="" xmlns:a14="http://schemas.microsoft.com/office/drawing/2010/main" val="0"/>
               </a:ext>
             </a:extLst>
           </a:blip>
@@ -7982,7 +7733,7 @@
           <a:blip r:embed="rId3" cstate="print">
             <a:extLst>
               <a:ext uri="{28A0092B-C50C-407E-A947-70E740481C1C}">
-                <a14:useLocalDpi xmlns:a14="http://schemas.microsoft.com/office/drawing/2010/main" xmlns="" val="0"/>
+                <a14:useLocalDpi xmlns="" xmlns:a14="http://schemas.microsoft.com/office/drawing/2010/main" val="0"/>
               </a:ext>
             </a:extLst>
           </a:blip>
@@ -8012,7 +7763,7 @@
           <a:blip r:embed="rId4" cstate="print">
             <a:extLst>
               <a:ext uri="{28A0092B-C50C-407E-A947-70E740481C1C}">
-                <a14:useLocalDpi xmlns:a14="http://schemas.microsoft.com/office/drawing/2010/main" xmlns="" val="0"/>
+                <a14:useLocalDpi xmlns="" xmlns:a14="http://schemas.microsoft.com/office/drawing/2010/main" val="0"/>
               </a:ext>
             </a:extLst>
           </a:blip>
@@ -8507,7 +8258,7 @@
         </p:blipFill>
         <p:spPr>
           <a:xfrm>
-            <a:off x="6739824" y="6048782"/>
+            <a:off x="6726799" y="6048782"/>
             <a:ext cx="437489" cy="836602"/>
           </a:xfrm>
           <a:prstGeom prst="rect">
@@ -8515,10 +8266,76 @@
           </a:prstGeom>
         </p:spPr>
       </p:pic>
+      <p:cxnSp>
+        <p:nvCxnSpPr>
+          <p:cNvPr id="73" name="直線矢印コネクタ 72"/>
+          <p:cNvCxnSpPr/>
+          <p:nvPr/>
+        </p:nvCxnSpPr>
+        <p:spPr bwMode="auto">
+          <a:xfrm>
+            <a:off x="4182163" y="4221088"/>
+            <a:ext cx="0" cy="258987"/>
+          </a:xfrm>
+          <a:prstGeom prst="straightConnector1">
+            <a:avLst/>
+          </a:prstGeom>
+          <a:noFill/>
+          <a:ln w="19050" cap="flat" cmpd="sng" algn="ctr">
+            <a:solidFill>
+              <a:sysClr val="windowText" lastClr="000000"/>
+            </a:solidFill>
+            <a:prstDash val="solid"/>
+            <a:headEnd type="arrow"/>
+            <a:tailEnd type="arrow"/>
+          </a:ln>
+          <a:effectLst>
+            <a:outerShdw blurRad="38100" dist="25400" dir="5400000" rotWithShape="0">
+              <a:srgbClr val="000000">
+                <a:alpha val="40000"/>
+              </a:srgbClr>
+            </a:outerShdw>
+          </a:effectLst>
+          <a:extLst/>
+        </p:spPr>
+      </p:cxnSp>
+      <p:cxnSp>
+        <p:nvCxnSpPr>
+          <p:cNvPr id="76" name="直線矢印コネクタ 75"/>
+          <p:cNvCxnSpPr/>
+          <p:nvPr/>
+        </p:nvCxnSpPr>
+        <p:spPr bwMode="auto">
+          <a:xfrm>
+            <a:off x="3318067" y="4221088"/>
+            <a:ext cx="0" cy="258987"/>
+          </a:xfrm>
+          <a:prstGeom prst="straightConnector1">
+            <a:avLst/>
+          </a:prstGeom>
+          <a:noFill/>
+          <a:ln w="19050" cap="flat" cmpd="sng" algn="ctr">
+            <a:solidFill>
+              <a:sysClr val="windowText" lastClr="000000"/>
+            </a:solidFill>
+            <a:prstDash val="solid"/>
+            <a:headEnd type="arrow"/>
+            <a:tailEnd type="arrow"/>
+          </a:ln>
+          <a:effectLst>
+            <a:outerShdw blurRad="38100" dist="25400" dir="5400000" rotWithShape="0">
+              <a:srgbClr val="000000">
+                <a:alpha val="40000"/>
+              </a:srgbClr>
+            </a:outerShdw>
+          </a:effectLst>
+          <a:extLst/>
+        </p:spPr>
+      </p:cxnSp>
     </p:spTree>
     <p:extLst>
       <p:ext uri="{BB962C8B-B14F-4D97-AF65-F5344CB8AC3E}">
-        <p14:creationId xmlns:p14="http://schemas.microsoft.com/office/powerpoint/2010/main" xmlns="" val="3302316687"/>
+        <p14:creationId xmlns="" xmlns:p14="http://schemas.microsoft.com/office/powerpoint/2010/main" val="3302316687"/>
       </p:ext>
     </p:extLst>
   </p:cSld>
@@ -16544,14 +16361,14 @@
           </a:ln>
           <a:extLst>
             <a:ext uri="{909E8E84-426E-40DD-AFC4-6F175D3DCCD1}">
-              <a14:hiddenFill xmlns="" xmlns:a14="http://schemas.microsoft.com/office/drawing/2010/main">
+              <a14:hiddenFill xmlns:a14="http://schemas.microsoft.com/office/drawing/2010/main" xmlns="">
                 <a:solidFill>
                   <a:srgbClr val="FFFFFF"/>
                 </a:solidFill>
               </a14:hiddenFill>
             </a:ext>
             <a:ext uri="{91240B29-F687-4F45-9708-019B960494DF}">
-              <a14:hiddenLine xmlns="" xmlns:a14="http://schemas.microsoft.com/office/drawing/2010/main" w="12700" algn="ctr">
+              <a14:hiddenLine xmlns:a14="http://schemas.microsoft.com/office/drawing/2010/main" xmlns="" w="12700" algn="ctr">
                 <a:solidFill>
                   <a:srgbClr val="000000"/>
                 </a:solidFill>
@@ -16608,14 +16425,14 @@
           </a:ln>
           <a:extLst>
             <a:ext uri="{909E8E84-426E-40DD-AFC4-6F175D3DCCD1}">
-              <a14:hiddenFill xmlns="" xmlns:a14="http://schemas.microsoft.com/office/drawing/2010/main">
+              <a14:hiddenFill xmlns:a14="http://schemas.microsoft.com/office/drawing/2010/main" xmlns="">
                 <a:solidFill>
                   <a:srgbClr val="FFFFFF"/>
                 </a:solidFill>
               </a14:hiddenFill>
             </a:ext>
             <a:ext uri="{91240B29-F687-4F45-9708-019B960494DF}">
-              <a14:hiddenLine xmlns="" xmlns:a14="http://schemas.microsoft.com/office/drawing/2010/main" w="12700" algn="ctr">
+              <a14:hiddenLine xmlns:a14="http://schemas.microsoft.com/office/drawing/2010/main" xmlns="" w="12700" algn="ctr">
                 <a:solidFill>
                   <a:srgbClr val="000000"/>
                 </a:solidFill>
@@ -16672,14 +16489,14 @@
           </a:ln>
           <a:extLst>
             <a:ext uri="{909E8E84-426E-40DD-AFC4-6F175D3DCCD1}">
-              <a14:hiddenFill xmlns="" xmlns:a14="http://schemas.microsoft.com/office/drawing/2010/main">
+              <a14:hiddenFill xmlns:a14="http://schemas.microsoft.com/office/drawing/2010/main" xmlns="">
                 <a:solidFill>
                   <a:srgbClr val="FFFFFF"/>
                 </a:solidFill>
               </a14:hiddenFill>
             </a:ext>
             <a:ext uri="{91240B29-F687-4F45-9708-019B960494DF}">
-              <a14:hiddenLine xmlns="" xmlns:a14="http://schemas.microsoft.com/office/drawing/2010/main" w="12700" algn="ctr">
+              <a14:hiddenLine xmlns:a14="http://schemas.microsoft.com/office/drawing/2010/main" xmlns="" w="12700" algn="ctr">
                 <a:solidFill>
                   <a:srgbClr val="000000"/>
                 </a:solidFill>
@@ -16751,14 +16568,14 @@
           </a:ln>
           <a:extLst>
             <a:ext uri="{909E8E84-426E-40DD-AFC4-6F175D3DCCD1}">
-              <a14:hiddenFill xmlns="" xmlns:a14="http://schemas.microsoft.com/office/drawing/2010/main">
+              <a14:hiddenFill xmlns:a14="http://schemas.microsoft.com/office/drawing/2010/main" xmlns="">
                 <a:solidFill>
                   <a:srgbClr val="FFFFFF"/>
                 </a:solidFill>
               </a14:hiddenFill>
             </a:ext>
             <a:ext uri="{91240B29-F687-4F45-9708-019B960494DF}">
-              <a14:hiddenLine xmlns="" xmlns:a14="http://schemas.microsoft.com/office/drawing/2010/main" w="12700" algn="ctr">
+              <a14:hiddenLine xmlns:a14="http://schemas.microsoft.com/office/drawing/2010/main" xmlns="" w="12700" algn="ctr">
                 <a:solidFill>
                   <a:srgbClr val="000000"/>
                 </a:solidFill>
@@ -16830,14 +16647,14 @@
           </a:ln>
           <a:extLst>
             <a:ext uri="{909E8E84-426E-40DD-AFC4-6F175D3DCCD1}">
-              <a14:hiddenFill xmlns="" xmlns:a14="http://schemas.microsoft.com/office/drawing/2010/main">
+              <a14:hiddenFill xmlns:a14="http://schemas.microsoft.com/office/drawing/2010/main" xmlns="">
                 <a:solidFill>
                   <a:srgbClr val="FFFFFF"/>
                 </a:solidFill>
               </a14:hiddenFill>
             </a:ext>
             <a:ext uri="{91240B29-F687-4F45-9708-019B960494DF}">
-              <a14:hiddenLine xmlns="" xmlns:a14="http://schemas.microsoft.com/office/drawing/2010/main" w="12700" algn="ctr">
+              <a14:hiddenLine xmlns:a14="http://schemas.microsoft.com/office/drawing/2010/main" xmlns="" w="12700" algn="ctr">
                 <a:solidFill>
                   <a:srgbClr val="000000"/>
                 </a:solidFill>
@@ -16894,14 +16711,14 @@
           </a:ln>
           <a:extLst>
             <a:ext uri="{909E8E84-426E-40DD-AFC4-6F175D3DCCD1}">
-              <a14:hiddenFill xmlns="" xmlns:a14="http://schemas.microsoft.com/office/drawing/2010/main">
+              <a14:hiddenFill xmlns:a14="http://schemas.microsoft.com/office/drawing/2010/main" xmlns="">
                 <a:solidFill>
                   <a:srgbClr val="FFFFFF"/>
                 </a:solidFill>
               </a14:hiddenFill>
             </a:ext>
             <a:ext uri="{91240B29-F687-4F45-9708-019B960494DF}">
-              <a14:hiddenLine xmlns="" xmlns:a14="http://schemas.microsoft.com/office/drawing/2010/main" w="12700" algn="ctr">
+              <a14:hiddenLine xmlns:a14="http://schemas.microsoft.com/office/drawing/2010/main" xmlns="" w="12700" algn="ctr">
                 <a:solidFill>
                   <a:srgbClr val="000000"/>
                 </a:solidFill>
@@ -24605,8 +24422,8 @@
           </p:nvSpPr>
           <p:spPr bwMode="auto">
             <a:xfrm>
-              <a:off x="5094786" y="4356050"/>
-              <a:ext cx="1103600" cy="576064"/>
+              <a:off x="4448086" y="4356050"/>
+              <a:ext cx="906306" cy="576064"/>
             </a:xfrm>
             <a:prstGeom prst="roundRect">
               <a:avLst>
@@ -24706,8 +24523,8 @@
           </p:nvSpPr>
           <p:spPr bwMode="auto">
             <a:xfrm>
-              <a:off x="3563888" y="4356051"/>
-              <a:ext cx="1098850" cy="576064"/>
+              <a:off x="5420194" y="4365104"/>
+              <a:ext cx="864096" cy="576064"/>
             </a:xfrm>
             <a:prstGeom prst="roundRect">
               <a:avLst>
@@ -24794,6 +24611,107 @@
             </a:p>
           </p:txBody>
         </p:sp>
+        <p:sp>
+          <p:nvSpPr>
+            <p:cNvPr id="15" name="角丸四角形 21"/>
+            <p:cNvSpPr/>
+            <p:nvPr/>
+          </p:nvSpPr>
+          <p:spPr bwMode="auto">
+            <a:xfrm>
+              <a:off x="3475978" y="4365104"/>
+              <a:ext cx="906306" cy="576064"/>
+            </a:xfrm>
+            <a:prstGeom prst="roundRect">
+              <a:avLst>
+                <a:gd name="adj" fmla="val 0"/>
+              </a:avLst>
+            </a:prstGeom>
+            <a:solidFill>
+              <a:srgbClr val="7030A0"/>
+            </a:solidFill>
+            <a:ln w="25400" cap="flat" cmpd="sng" algn="ctr">
+              <a:solidFill>
+                <a:schemeClr val="tx1"/>
+              </a:solidFill>
+              <a:prstDash val="solid"/>
+              <a:round/>
+              <a:headEnd type="none" w="med" len="med"/>
+              <a:tailEnd type="none" w="med" len="med"/>
+            </a:ln>
+            <a:effectLst/>
+            <a:extLst/>
+          </p:spPr>
+          <p:txBody>
+            <a:bodyPr vert="horz" wrap="square" lIns="91440" tIns="45720" rIns="91440" bIns="45720" numCol="1" rtlCol="0" anchor="ctr" anchorCtr="0" compatLnSpc="1">
+              <a:prstTxWarp prst="textNoShape">
+                <a:avLst/>
+              </a:prstTxWarp>
+            </a:bodyPr>
+            <a:lstStyle/>
+            <a:p>
+              <a:pPr marL="0" marR="0" indent="0" algn="ctr" defTabSz="914400" rtl="0" eaLnBrk="1" fontAlgn="ctr" latinLnBrk="0" hangingPunct="1">
+                <a:lnSpc>
+                  <a:spcPct val="100000"/>
+                </a:lnSpc>
+                <a:spcBef>
+                  <a:spcPct val="0"/>
+                </a:spcBef>
+                <a:spcAft>
+                  <a:spcPct val="0"/>
+                </a:spcAft>
+                <a:buClrTx/>
+                <a:buSzTx/>
+                <a:buFontTx/>
+                <a:buNone/>
+                <a:tabLst/>
+              </a:pPr>
+              <a:r>
+                <a:rPr kumimoji="1" lang="en-US" altLang="ja-JP" sz="2000" i="0" u="none" strike="noStrike" cap="none" normalizeH="0" baseline="0" dirty="0" smtClean="0">
+                  <a:ln>
+                    <a:noFill/>
+                  </a:ln>
+                  <a:solidFill>
+                    <a:schemeClr val="bg1"/>
+                  </a:solidFill>
+                  <a:effectLst/>
+                  <a:ea typeface="+mj-ea"/>
+                </a:rPr>
+                <a:t>Disc.</a:t>
+              </a:r>
+              <a:r>
+                <a:rPr kumimoji="1" lang="en-US" altLang="ja-JP" sz="2000" dirty="0" smtClean="0">
+                  <a:solidFill>
+                    <a:schemeClr val="bg1"/>
+                  </a:solidFill>
+                  <a:ea typeface="+mj-ea"/>
+                </a:rPr>
+                <a:t/>
+              </a:r>
+              <a:br>
+                <a:rPr kumimoji="1" lang="en-US" altLang="ja-JP" sz="2000" dirty="0" smtClean="0">
+                  <a:solidFill>
+                    <a:schemeClr val="bg1"/>
+                  </a:solidFill>
+                  <a:ea typeface="+mj-ea"/>
+                </a:rPr>
+              </a:br>
+              <a:r>
+                <a:rPr kumimoji="1" lang="en-US" altLang="ja-JP" sz="2000" i="0" u="none" strike="noStrike" cap="none" normalizeH="0" baseline="0" dirty="0" smtClean="0">
+                  <a:ln>
+                    <a:noFill/>
+                  </a:ln>
+                  <a:solidFill>
+                    <a:schemeClr val="bg1"/>
+                  </a:solidFill>
+                  <a:effectLst/>
+                  <a:ea typeface="+mj-ea"/>
+                </a:rPr>
+                <a:t>API</a:t>
+              </a:r>
+            </a:p>
+          </p:txBody>
+        </p:sp>
       </p:grpSp>
     </p:spTree>
   </p:cSld>
@@ -25638,203 +25556,6 @@
       </p:sp>
       <p:sp>
         <p:nvSpPr>
-          <p:cNvPr id="13" name="角丸四角形 21"/>
-          <p:cNvSpPr/>
-          <p:nvPr/>
-        </p:nvSpPr>
-        <p:spPr bwMode="auto">
-          <a:xfrm>
-            <a:off x="2718522" y="4356050"/>
-            <a:ext cx="1103600" cy="576064"/>
-          </a:xfrm>
-          <a:prstGeom prst="roundRect">
-            <a:avLst>
-              <a:gd name="adj" fmla="val 0"/>
-            </a:avLst>
-          </a:prstGeom>
-          <a:solidFill>
-            <a:srgbClr val="7030A0"/>
-          </a:solidFill>
-          <a:ln w="25400" cap="flat" cmpd="sng" algn="ctr">
-            <a:solidFill>
-              <a:schemeClr val="tx1"/>
-            </a:solidFill>
-            <a:prstDash val="solid"/>
-            <a:round/>
-            <a:headEnd type="none" w="med" len="med"/>
-            <a:tailEnd type="none" w="med" len="med"/>
-          </a:ln>
-          <a:effectLst/>
-          <a:extLst/>
-        </p:spPr>
-        <p:txBody>
-          <a:bodyPr vert="horz" wrap="square" lIns="91440" tIns="45720" rIns="91440" bIns="45720" numCol="1" rtlCol="0" anchor="ctr" anchorCtr="0" compatLnSpc="1">
-            <a:prstTxWarp prst="textNoShape">
-              <a:avLst/>
-            </a:prstTxWarp>
-          </a:bodyPr>
-          <a:lstStyle/>
-          <a:p>
-            <a:pPr marL="0" marR="0" indent="0" algn="ctr" defTabSz="914400" rtl="0" eaLnBrk="1" fontAlgn="ctr" latinLnBrk="0" hangingPunct="1">
-              <a:lnSpc>
-                <a:spcPct val="100000"/>
-              </a:lnSpc>
-              <a:spcBef>
-                <a:spcPct val="0"/>
-              </a:spcBef>
-              <a:spcAft>
-                <a:spcPct val="0"/>
-              </a:spcAft>
-              <a:buClrTx/>
-              <a:buSzTx/>
-              <a:buFontTx/>
-              <a:buNone/>
-              <a:tabLst/>
-            </a:pPr>
-            <a:r>
-              <a:rPr kumimoji="1" lang="en-US" altLang="ja-JP" sz="2000" i="0" u="none" strike="noStrike" cap="none" normalizeH="0" baseline="0" smtClean="0">
-                <a:ln>
-                  <a:noFill/>
-                </a:ln>
-                <a:solidFill>
-                  <a:schemeClr val="bg1"/>
-                </a:solidFill>
-                <a:effectLst/>
-                <a:ea typeface="+mj-ea"/>
-              </a:rPr>
-              <a:t>Server</a:t>
-            </a:r>
-            <a:r>
-              <a:rPr kumimoji="1" lang="en-US" altLang="ja-JP" sz="2000" smtClean="0">
-                <a:solidFill>
-                  <a:schemeClr val="bg1"/>
-                </a:solidFill>
-                <a:ea typeface="+mj-ea"/>
-              </a:rPr>
-              <a:t/>
-            </a:r>
-            <a:br>
-              <a:rPr kumimoji="1" lang="en-US" altLang="ja-JP" sz="2000" smtClean="0">
-                <a:solidFill>
-                  <a:schemeClr val="bg1"/>
-                </a:solidFill>
-                <a:ea typeface="+mj-ea"/>
-              </a:rPr>
-            </a:br>
-            <a:r>
-              <a:rPr kumimoji="1" lang="en-US" altLang="ja-JP" sz="2000" i="0" u="none" strike="noStrike" cap="none" normalizeH="0" baseline="0" smtClean="0">
-                <a:ln>
-                  <a:noFill/>
-                </a:ln>
-                <a:solidFill>
-                  <a:schemeClr val="bg1"/>
-                </a:solidFill>
-                <a:effectLst/>
-                <a:ea typeface="+mj-ea"/>
-              </a:rPr>
-              <a:t>API</a:t>
-            </a:r>
-          </a:p>
-        </p:txBody>
-      </p:sp>
-      <p:sp>
-        <p:nvSpPr>
-          <p:cNvPr id="12" name="角丸四角形 21"/>
-          <p:cNvSpPr/>
-          <p:nvPr/>
-        </p:nvSpPr>
-        <p:spPr bwMode="auto">
-          <a:xfrm>
-            <a:off x="1187624" y="4356051"/>
-            <a:ext cx="1098850" cy="576064"/>
-          </a:xfrm>
-          <a:prstGeom prst="roundRect">
-            <a:avLst>
-              <a:gd name="adj" fmla="val 0"/>
-            </a:avLst>
-          </a:prstGeom>
-          <a:solidFill>
-            <a:srgbClr val="7030A0"/>
-          </a:solidFill>
-          <a:ln w="25400" cap="flat" cmpd="sng" algn="ctr">
-            <a:solidFill>
-              <a:schemeClr val="tx1"/>
-            </a:solidFill>
-            <a:prstDash val="solid"/>
-            <a:round/>
-            <a:headEnd type="none" w="med" len="med"/>
-            <a:tailEnd type="none" w="med" len="med"/>
-          </a:ln>
-          <a:effectLst/>
-          <a:extLst/>
-        </p:spPr>
-        <p:txBody>
-          <a:bodyPr vert="horz" wrap="square" lIns="91440" tIns="45720" rIns="91440" bIns="45720" numCol="1" rtlCol="0" anchor="ctr" anchorCtr="0" compatLnSpc="1">
-            <a:prstTxWarp prst="textNoShape">
-              <a:avLst/>
-            </a:prstTxWarp>
-          </a:bodyPr>
-          <a:lstStyle/>
-          <a:p>
-            <a:pPr marL="0" marR="0" indent="0" algn="ctr" defTabSz="914400" rtl="0" eaLnBrk="1" fontAlgn="ctr" latinLnBrk="0" hangingPunct="1">
-              <a:lnSpc>
-                <a:spcPct val="100000"/>
-              </a:lnSpc>
-              <a:spcBef>
-                <a:spcPct val="0"/>
-              </a:spcBef>
-              <a:spcAft>
-                <a:spcPct val="0"/>
-              </a:spcAft>
-              <a:buClrTx/>
-              <a:buSzTx/>
-              <a:buFontTx/>
-              <a:buNone/>
-              <a:tabLst/>
-            </a:pPr>
-            <a:r>
-              <a:rPr kumimoji="1" lang="en-US" altLang="ja-JP" sz="2000" i="0" u="none" strike="noStrike" cap="none" normalizeH="0" baseline="0" smtClean="0">
-                <a:ln>
-                  <a:noFill/>
-                </a:ln>
-                <a:solidFill>
-                  <a:schemeClr val="bg1"/>
-                </a:solidFill>
-                <a:effectLst/>
-                <a:ea typeface="+mj-ea"/>
-              </a:rPr>
-              <a:t>Client</a:t>
-            </a:r>
-            <a:br>
-              <a:rPr kumimoji="1" lang="en-US" altLang="ja-JP" sz="2000" i="0" u="none" strike="noStrike" cap="none" normalizeH="0" baseline="0" smtClean="0">
-                <a:ln>
-                  <a:noFill/>
-                </a:ln>
-                <a:solidFill>
-                  <a:schemeClr val="bg1"/>
-                </a:solidFill>
-                <a:effectLst/>
-                <a:ea typeface="+mj-ea"/>
-              </a:rPr>
-            </a:br>
-            <a:r>
-              <a:rPr kumimoji="1" lang="en-US" altLang="ja-JP" sz="2000" i="0" u="none" strike="noStrike" cap="none" normalizeH="0" baseline="0" smtClean="0">
-                <a:ln>
-                  <a:noFill/>
-                </a:ln>
-                <a:solidFill>
-                  <a:schemeClr val="bg1"/>
-                </a:solidFill>
-                <a:effectLst/>
-                <a:ea typeface="+mj-ea"/>
-              </a:rPr>
-              <a:t>API</a:t>
-            </a:r>
-          </a:p>
-        </p:txBody>
-      </p:sp>
-      <p:sp>
-        <p:nvSpPr>
           <p:cNvPr id="18" name="角丸四角形 22"/>
           <p:cNvSpPr/>
           <p:nvPr/>
@@ -26181,203 +25902,6 @@
       </p:sp>
       <p:sp>
         <p:nvSpPr>
-          <p:cNvPr id="26" name="角丸四角形 21"/>
-          <p:cNvSpPr/>
-          <p:nvPr/>
-        </p:nvSpPr>
-        <p:spPr bwMode="auto">
-          <a:xfrm>
-            <a:off x="6894986" y="4356051"/>
-            <a:ext cx="1103600" cy="576064"/>
-          </a:xfrm>
-          <a:prstGeom prst="roundRect">
-            <a:avLst>
-              <a:gd name="adj" fmla="val 0"/>
-            </a:avLst>
-          </a:prstGeom>
-          <a:solidFill>
-            <a:srgbClr val="7030A0"/>
-          </a:solidFill>
-          <a:ln w="25400" cap="flat" cmpd="sng" algn="ctr">
-            <a:solidFill>
-              <a:schemeClr val="tx1"/>
-            </a:solidFill>
-            <a:prstDash val="solid"/>
-            <a:round/>
-            <a:headEnd type="none" w="med" len="med"/>
-            <a:tailEnd type="none" w="med" len="med"/>
-          </a:ln>
-          <a:effectLst/>
-          <a:extLst/>
-        </p:spPr>
-        <p:txBody>
-          <a:bodyPr vert="horz" wrap="square" lIns="91440" tIns="45720" rIns="91440" bIns="45720" numCol="1" rtlCol="0" anchor="ctr" anchorCtr="0" compatLnSpc="1">
-            <a:prstTxWarp prst="textNoShape">
-              <a:avLst/>
-            </a:prstTxWarp>
-          </a:bodyPr>
-          <a:lstStyle/>
-          <a:p>
-            <a:pPr marL="0" marR="0" indent="0" algn="ctr" defTabSz="914400" rtl="0" eaLnBrk="1" fontAlgn="ctr" latinLnBrk="0" hangingPunct="1">
-              <a:lnSpc>
-                <a:spcPct val="100000"/>
-              </a:lnSpc>
-              <a:spcBef>
-                <a:spcPct val="0"/>
-              </a:spcBef>
-              <a:spcAft>
-                <a:spcPct val="0"/>
-              </a:spcAft>
-              <a:buClrTx/>
-              <a:buSzTx/>
-              <a:buFontTx/>
-              <a:buNone/>
-              <a:tabLst/>
-            </a:pPr>
-            <a:r>
-              <a:rPr kumimoji="1" lang="en-US" altLang="ja-JP" sz="2000" i="0" u="none" strike="noStrike" cap="none" normalizeH="0" baseline="0" smtClean="0">
-                <a:ln>
-                  <a:noFill/>
-                </a:ln>
-                <a:solidFill>
-                  <a:schemeClr val="bg1"/>
-                </a:solidFill>
-                <a:effectLst/>
-                <a:ea typeface="+mj-ea"/>
-              </a:rPr>
-              <a:t>Server</a:t>
-            </a:r>
-            <a:r>
-              <a:rPr kumimoji="1" lang="en-US" altLang="ja-JP" sz="2000" smtClean="0">
-                <a:solidFill>
-                  <a:schemeClr val="bg1"/>
-                </a:solidFill>
-                <a:ea typeface="+mj-ea"/>
-              </a:rPr>
-              <a:t/>
-            </a:r>
-            <a:br>
-              <a:rPr kumimoji="1" lang="en-US" altLang="ja-JP" sz="2000" smtClean="0">
-                <a:solidFill>
-                  <a:schemeClr val="bg1"/>
-                </a:solidFill>
-                <a:ea typeface="+mj-ea"/>
-              </a:rPr>
-            </a:br>
-            <a:r>
-              <a:rPr kumimoji="1" lang="en-US" altLang="ja-JP" sz="2000" i="0" u="none" strike="noStrike" cap="none" normalizeH="0" baseline="0" smtClean="0">
-                <a:ln>
-                  <a:noFill/>
-                </a:ln>
-                <a:solidFill>
-                  <a:schemeClr val="bg1"/>
-                </a:solidFill>
-                <a:effectLst/>
-                <a:ea typeface="+mj-ea"/>
-              </a:rPr>
-              <a:t>API</a:t>
-            </a:r>
-          </a:p>
-        </p:txBody>
-      </p:sp>
-      <p:sp>
-        <p:nvSpPr>
-          <p:cNvPr id="27" name="角丸四角形 21"/>
-          <p:cNvSpPr/>
-          <p:nvPr/>
-        </p:nvSpPr>
-        <p:spPr bwMode="auto">
-          <a:xfrm>
-            <a:off x="5364088" y="4356052"/>
-            <a:ext cx="1098850" cy="576064"/>
-          </a:xfrm>
-          <a:prstGeom prst="roundRect">
-            <a:avLst>
-              <a:gd name="adj" fmla="val 0"/>
-            </a:avLst>
-          </a:prstGeom>
-          <a:solidFill>
-            <a:srgbClr val="7030A0"/>
-          </a:solidFill>
-          <a:ln w="25400" cap="flat" cmpd="sng" algn="ctr">
-            <a:solidFill>
-              <a:schemeClr val="tx1"/>
-            </a:solidFill>
-            <a:prstDash val="solid"/>
-            <a:round/>
-            <a:headEnd type="none" w="med" len="med"/>
-            <a:tailEnd type="none" w="med" len="med"/>
-          </a:ln>
-          <a:effectLst/>
-          <a:extLst/>
-        </p:spPr>
-        <p:txBody>
-          <a:bodyPr vert="horz" wrap="square" lIns="91440" tIns="45720" rIns="91440" bIns="45720" numCol="1" rtlCol="0" anchor="ctr" anchorCtr="0" compatLnSpc="1">
-            <a:prstTxWarp prst="textNoShape">
-              <a:avLst/>
-            </a:prstTxWarp>
-          </a:bodyPr>
-          <a:lstStyle/>
-          <a:p>
-            <a:pPr marL="0" marR="0" indent="0" algn="ctr" defTabSz="914400" rtl="0" eaLnBrk="1" fontAlgn="ctr" latinLnBrk="0" hangingPunct="1">
-              <a:lnSpc>
-                <a:spcPct val="100000"/>
-              </a:lnSpc>
-              <a:spcBef>
-                <a:spcPct val="0"/>
-              </a:spcBef>
-              <a:spcAft>
-                <a:spcPct val="0"/>
-              </a:spcAft>
-              <a:buClrTx/>
-              <a:buSzTx/>
-              <a:buFontTx/>
-              <a:buNone/>
-              <a:tabLst/>
-            </a:pPr>
-            <a:r>
-              <a:rPr kumimoji="1" lang="en-US" altLang="ja-JP" sz="2000" i="0" u="none" strike="noStrike" cap="none" normalizeH="0" baseline="0" smtClean="0">
-                <a:ln>
-                  <a:noFill/>
-                </a:ln>
-                <a:solidFill>
-                  <a:schemeClr val="bg1"/>
-                </a:solidFill>
-                <a:effectLst/>
-                <a:ea typeface="+mj-ea"/>
-              </a:rPr>
-              <a:t>Client</a:t>
-            </a:r>
-            <a:br>
-              <a:rPr kumimoji="1" lang="en-US" altLang="ja-JP" sz="2000" i="0" u="none" strike="noStrike" cap="none" normalizeH="0" baseline="0" smtClean="0">
-                <a:ln>
-                  <a:noFill/>
-                </a:ln>
-                <a:solidFill>
-                  <a:schemeClr val="bg1"/>
-                </a:solidFill>
-                <a:effectLst/>
-                <a:ea typeface="+mj-ea"/>
-              </a:rPr>
-            </a:br>
-            <a:r>
-              <a:rPr kumimoji="1" lang="en-US" altLang="ja-JP" sz="2000" i="0" u="none" strike="noStrike" cap="none" normalizeH="0" baseline="0" smtClean="0">
-                <a:ln>
-                  <a:noFill/>
-                </a:ln>
-                <a:solidFill>
-                  <a:schemeClr val="bg1"/>
-                </a:solidFill>
-                <a:effectLst/>
-                <a:ea typeface="+mj-ea"/>
-              </a:rPr>
-              <a:t>API</a:t>
-            </a:r>
-          </a:p>
-        </p:txBody>
-      </p:sp>
-      <p:sp>
-        <p:nvSpPr>
           <p:cNvPr id="10" name="縦巻き 49"/>
           <p:cNvSpPr/>
           <p:nvPr/>
@@ -26441,6 +25965,602 @@
                 <a:ea typeface="+mj-ea"/>
               </a:rPr>
               <a:t>App Script</a:t>
+            </a:r>
+          </a:p>
+        </p:txBody>
+      </p:sp>
+      <p:sp>
+        <p:nvSpPr>
+          <p:cNvPr id="30" name="角丸四角形 21"/>
+          <p:cNvSpPr/>
+          <p:nvPr/>
+        </p:nvSpPr>
+        <p:spPr bwMode="auto">
+          <a:xfrm>
+            <a:off x="2087724" y="4356050"/>
+            <a:ext cx="906306" cy="576064"/>
+          </a:xfrm>
+          <a:prstGeom prst="roundRect">
+            <a:avLst>
+              <a:gd name="adj" fmla="val 0"/>
+            </a:avLst>
+          </a:prstGeom>
+          <a:solidFill>
+            <a:srgbClr val="7030A0"/>
+          </a:solidFill>
+          <a:ln w="25400" cap="flat" cmpd="sng" algn="ctr">
+            <a:solidFill>
+              <a:schemeClr val="tx1"/>
+            </a:solidFill>
+            <a:prstDash val="solid"/>
+            <a:round/>
+            <a:headEnd type="none" w="med" len="med"/>
+            <a:tailEnd type="none" w="med" len="med"/>
+          </a:ln>
+          <a:effectLst/>
+          <a:extLst/>
+        </p:spPr>
+        <p:txBody>
+          <a:bodyPr vert="horz" wrap="square" lIns="91440" tIns="45720" rIns="91440" bIns="45720" numCol="1" rtlCol="0" anchor="ctr" anchorCtr="0" compatLnSpc="1">
+            <a:prstTxWarp prst="textNoShape">
+              <a:avLst/>
+            </a:prstTxWarp>
+          </a:bodyPr>
+          <a:lstStyle/>
+          <a:p>
+            <a:pPr marL="0" marR="0" indent="0" algn="ctr" defTabSz="914400" rtl="0" eaLnBrk="1" fontAlgn="ctr" latinLnBrk="0" hangingPunct="1">
+              <a:lnSpc>
+                <a:spcPct val="100000"/>
+              </a:lnSpc>
+              <a:spcBef>
+                <a:spcPct val="0"/>
+              </a:spcBef>
+              <a:spcAft>
+                <a:spcPct val="0"/>
+              </a:spcAft>
+              <a:buClrTx/>
+              <a:buSzTx/>
+              <a:buFontTx/>
+              <a:buNone/>
+              <a:tabLst/>
+            </a:pPr>
+            <a:r>
+              <a:rPr kumimoji="1" lang="en-US" altLang="ja-JP" sz="2000" i="0" u="none" strike="noStrike" cap="none" normalizeH="0" baseline="0" smtClean="0">
+                <a:ln>
+                  <a:noFill/>
+                </a:ln>
+                <a:solidFill>
+                  <a:schemeClr val="bg1"/>
+                </a:solidFill>
+                <a:effectLst/>
+                <a:ea typeface="+mj-ea"/>
+              </a:rPr>
+              <a:t>Server</a:t>
+            </a:r>
+            <a:r>
+              <a:rPr kumimoji="1" lang="en-US" altLang="ja-JP" sz="2000" smtClean="0">
+                <a:solidFill>
+                  <a:schemeClr val="bg1"/>
+                </a:solidFill>
+                <a:ea typeface="+mj-ea"/>
+              </a:rPr>
+              <a:t/>
+            </a:r>
+            <a:br>
+              <a:rPr kumimoji="1" lang="en-US" altLang="ja-JP" sz="2000" smtClean="0">
+                <a:solidFill>
+                  <a:schemeClr val="bg1"/>
+                </a:solidFill>
+                <a:ea typeface="+mj-ea"/>
+              </a:rPr>
+            </a:br>
+            <a:r>
+              <a:rPr kumimoji="1" lang="en-US" altLang="ja-JP" sz="2000" i="0" u="none" strike="noStrike" cap="none" normalizeH="0" baseline="0" smtClean="0">
+                <a:ln>
+                  <a:noFill/>
+                </a:ln>
+                <a:solidFill>
+                  <a:schemeClr val="bg1"/>
+                </a:solidFill>
+                <a:effectLst/>
+                <a:ea typeface="+mj-ea"/>
+              </a:rPr>
+              <a:t>API</a:t>
+            </a:r>
+          </a:p>
+        </p:txBody>
+      </p:sp>
+      <p:sp>
+        <p:nvSpPr>
+          <p:cNvPr id="31" name="角丸四角形 21"/>
+          <p:cNvSpPr/>
+          <p:nvPr/>
+        </p:nvSpPr>
+        <p:spPr bwMode="auto">
+          <a:xfrm>
+            <a:off x="3059832" y="4365104"/>
+            <a:ext cx="864096" cy="576064"/>
+          </a:xfrm>
+          <a:prstGeom prst="roundRect">
+            <a:avLst>
+              <a:gd name="adj" fmla="val 0"/>
+            </a:avLst>
+          </a:prstGeom>
+          <a:solidFill>
+            <a:srgbClr val="7030A0"/>
+          </a:solidFill>
+          <a:ln w="25400" cap="flat" cmpd="sng" algn="ctr">
+            <a:solidFill>
+              <a:schemeClr val="tx1"/>
+            </a:solidFill>
+            <a:prstDash val="solid"/>
+            <a:round/>
+            <a:headEnd type="none" w="med" len="med"/>
+            <a:tailEnd type="none" w="med" len="med"/>
+          </a:ln>
+          <a:effectLst/>
+          <a:extLst/>
+        </p:spPr>
+        <p:txBody>
+          <a:bodyPr vert="horz" wrap="square" lIns="91440" tIns="45720" rIns="91440" bIns="45720" numCol="1" rtlCol="0" anchor="ctr" anchorCtr="0" compatLnSpc="1">
+            <a:prstTxWarp prst="textNoShape">
+              <a:avLst/>
+            </a:prstTxWarp>
+          </a:bodyPr>
+          <a:lstStyle/>
+          <a:p>
+            <a:pPr marL="0" marR="0" indent="0" algn="ctr" defTabSz="914400" rtl="0" eaLnBrk="1" fontAlgn="ctr" latinLnBrk="0" hangingPunct="1">
+              <a:lnSpc>
+                <a:spcPct val="100000"/>
+              </a:lnSpc>
+              <a:spcBef>
+                <a:spcPct val="0"/>
+              </a:spcBef>
+              <a:spcAft>
+                <a:spcPct val="0"/>
+              </a:spcAft>
+              <a:buClrTx/>
+              <a:buSzTx/>
+              <a:buFontTx/>
+              <a:buNone/>
+              <a:tabLst/>
+            </a:pPr>
+            <a:r>
+              <a:rPr kumimoji="1" lang="en-US" altLang="ja-JP" sz="2000" i="0" u="none" strike="noStrike" cap="none" normalizeH="0" baseline="0" smtClean="0">
+                <a:ln>
+                  <a:noFill/>
+                </a:ln>
+                <a:solidFill>
+                  <a:schemeClr val="bg1"/>
+                </a:solidFill>
+                <a:effectLst/>
+                <a:ea typeface="+mj-ea"/>
+              </a:rPr>
+              <a:t>Client</a:t>
+            </a:r>
+            <a:br>
+              <a:rPr kumimoji="1" lang="en-US" altLang="ja-JP" sz="2000" i="0" u="none" strike="noStrike" cap="none" normalizeH="0" baseline="0" smtClean="0">
+                <a:ln>
+                  <a:noFill/>
+                </a:ln>
+                <a:solidFill>
+                  <a:schemeClr val="bg1"/>
+                </a:solidFill>
+                <a:effectLst/>
+                <a:ea typeface="+mj-ea"/>
+              </a:rPr>
+            </a:br>
+            <a:r>
+              <a:rPr kumimoji="1" lang="en-US" altLang="ja-JP" sz="2000" i="0" u="none" strike="noStrike" cap="none" normalizeH="0" baseline="0" smtClean="0">
+                <a:ln>
+                  <a:noFill/>
+                </a:ln>
+                <a:solidFill>
+                  <a:schemeClr val="bg1"/>
+                </a:solidFill>
+                <a:effectLst/>
+                <a:ea typeface="+mj-ea"/>
+              </a:rPr>
+              <a:t>API</a:t>
+            </a:r>
+          </a:p>
+        </p:txBody>
+      </p:sp>
+      <p:sp>
+        <p:nvSpPr>
+          <p:cNvPr id="32" name="角丸四角形 21"/>
+          <p:cNvSpPr/>
+          <p:nvPr/>
+        </p:nvSpPr>
+        <p:spPr bwMode="auto">
+          <a:xfrm>
+            <a:off x="1115616" y="4365104"/>
+            <a:ext cx="906306" cy="576064"/>
+          </a:xfrm>
+          <a:prstGeom prst="roundRect">
+            <a:avLst>
+              <a:gd name="adj" fmla="val 0"/>
+            </a:avLst>
+          </a:prstGeom>
+          <a:solidFill>
+            <a:srgbClr val="7030A0"/>
+          </a:solidFill>
+          <a:ln w="25400" cap="flat" cmpd="sng" algn="ctr">
+            <a:solidFill>
+              <a:schemeClr val="tx1"/>
+            </a:solidFill>
+            <a:prstDash val="solid"/>
+            <a:round/>
+            <a:headEnd type="none" w="med" len="med"/>
+            <a:tailEnd type="none" w="med" len="med"/>
+          </a:ln>
+          <a:effectLst/>
+          <a:extLst/>
+        </p:spPr>
+        <p:txBody>
+          <a:bodyPr vert="horz" wrap="square" lIns="91440" tIns="45720" rIns="91440" bIns="45720" numCol="1" rtlCol="0" anchor="ctr" anchorCtr="0" compatLnSpc="1">
+            <a:prstTxWarp prst="textNoShape">
+              <a:avLst/>
+            </a:prstTxWarp>
+          </a:bodyPr>
+          <a:lstStyle/>
+          <a:p>
+            <a:pPr marL="0" marR="0" indent="0" algn="ctr" defTabSz="914400" rtl="0" eaLnBrk="1" fontAlgn="ctr" latinLnBrk="0" hangingPunct="1">
+              <a:lnSpc>
+                <a:spcPct val="100000"/>
+              </a:lnSpc>
+              <a:spcBef>
+                <a:spcPct val="0"/>
+              </a:spcBef>
+              <a:spcAft>
+                <a:spcPct val="0"/>
+              </a:spcAft>
+              <a:buClrTx/>
+              <a:buSzTx/>
+              <a:buFontTx/>
+              <a:buNone/>
+              <a:tabLst/>
+            </a:pPr>
+            <a:r>
+              <a:rPr kumimoji="1" lang="en-US" altLang="ja-JP" sz="2000" i="0" u="none" strike="noStrike" cap="none" normalizeH="0" baseline="0" dirty="0" smtClean="0">
+                <a:ln>
+                  <a:noFill/>
+                </a:ln>
+                <a:solidFill>
+                  <a:schemeClr val="bg1"/>
+                </a:solidFill>
+                <a:effectLst/>
+                <a:ea typeface="+mj-ea"/>
+              </a:rPr>
+              <a:t>Disc.</a:t>
+            </a:r>
+            <a:r>
+              <a:rPr kumimoji="1" lang="en-US" altLang="ja-JP" sz="2000" dirty="0" smtClean="0">
+                <a:solidFill>
+                  <a:schemeClr val="bg1"/>
+                </a:solidFill>
+                <a:ea typeface="+mj-ea"/>
+              </a:rPr>
+              <a:t/>
+            </a:r>
+            <a:br>
+              <a:rPr kumimoji="1" lang="en-US" altLang="ja-JP" sz="2000" dirty="0" smtClean="0">
+                <a:solidFill>
+                  <a:schemeClr val="bg1"/>
+                </a:solidFill>
+                <a:ea typeface="+mj-ea"/>
+              </a:rPr>
+            </a:br>
+            <a:r>
+              <a:rPr kumimoji="1" lang="en-US" altLang="ja-JP" sz="2000" i="0" u="none" strike="noStrike" cap="none" normalizeH="0" baseline="0" dirty="0" smtClean="0">
+                <a:ln>
+                  <a:noFill/>
+                </a:ln>
+                <a:solidFill>
+                  <a:schemeClr val="bg1"/>
+                </a:solidFill>
+                <a:effectLst/>
+                <a:ea typeface="+mj-ea"/>
+              </a:rPr>
+              <a:t>API</a:t>
+            </a:r>
+          </a:p>
+        </p:txBody>
+      </p:sp>
+      <p:sp>
+        <p:nvSpPr>
+          <p:cNvPr id="33" name="角丸四角形 21"/>
+          <p:cNvSpPr/>
+          <p:nvPr/>
+        </p:nvSpPr>
+        <p:spPr bwMode="auto">
+          <a:xfrm>
+            <a:off x="6228184" y="4356050"/>
+            <a:ext cx="906306" cy="576064"/>
+          </a:xfrm>
+          <a:prstGeom prst="roundRect">
+            <a:avLst>
+              <a:gd name="adj" fmla="val 0"/>
+            </a:avLst>
+          </a:prstGeom>
+          <a:solidFill>
+            <a:srgbClr val="7030A0"/>
+          </a:solidFill>
+          <a:ln w="25400" cap="flat" cmpd="sng" algn="ctr">
+            <a:solidFill>
+              <a:schemeClr val="tx1"/>
+            </a:solidFill>
+            <a:prstDash val="solid"/>
+            <a:round/>
+            <a:headEnd type="none" w="med" len="med"/>
+            <a:tailEnd type="none" w="med" len="med"/>
+          </a:ln>
+          <a:effectLst/>
+          <a:extLst/>
+        </p:spPr>
+        <p:txBody>
+          <a:bodyPr vert="horz" wrap="square" lIns="91440" tIns="45720" rIns="91440" bIns="45720" numCol="1" rtlCol="0" anchor="ctr" anchorCtr="0" compatLnSpc="1">
+            <a:prstTxWarp prst="textNoShape">
+              <a:avLst/>
+            </a:prstTxWarp>
+          </a:bodyPr>
+          <a:lstStyle/>
+          <a:p>
+            <a:pPr marL="0" marR="0" indent="0" algn="ctr" defTabSz="914400" rtl="0" eaLnBrk="1" fontAlgn="ctr" latinLnBrk="0" hangingPunct="1">
+              <a:lnSpc>
+                <a:spcPct val="100000"/>
+              </a:lnSpc>
+              <a:spcBef>
+                <a:spcPct val="0"/>
+              </a:spcBef>
+              <a:spcAft>
+                <a:spcPct val="0"/>
+              </a:spcAft>
+              <a:buClrTx/>
+              <a:buSzTx/>
+              <a:buFontTx/>
+              <a:buNone/>
+              <a:tabLst/>
+            </a:pPr>
+            <a:r>
+              <a:rPr kumimoji="1" lang="en-US" altLang="ja-JP" sz="2000" i="0" u="none" strike="noStrike" cap="none" normalizeH="0" baseline="0" smtClean="0">
+                <a:ln>
+                  <a:noFill/>
+                </a:ln>
+                <a:solidFill>
+                  <a:schemeClr val="bg1"/>
+                </a:solidFill>
+                <a:effectLst/>
+                <a:ea typeface="+mj-ea"/>
+              </a:rPr>
+              <a:t>Server</a:t>
+            </a:r>
+            <a:r>
+              <a:rPr kumimoji="1" lang="en-US" altLang="ja-JP" sz="2000" smtClean="0">
+                <a:solidFill>
+                  <a:schemeClr val="bg1"/>
+                </a:solidFill>
+                <a:ea typeface="+mj-ea"/>
+              </a:rPr>
+              <a:t/>
+            </a:r>
+            <a:br>
+              <a:rPr kumimoji="1" lang="en-US" altLang="ja-JP" sz="2000" smtClean="0">
+                <a:solidFill>
+                  <a:schemeClr val="bg1"/>
+                </a:solidFill>
+                <a:ea typeface="+mj-ea"/>
+              </a:rPr>
+            </a:br>
+            <a:r>
+              <a:rPr kumimoji="1" lang="en-US" altLang="ja-JP" sz="2000" i="0" u="none" strike="noStrike" cap="none" normalizeH="0" baseline="0" smtClean="0">
+                <a:ln>
+                  <a:noFill/>
+                </a:ln>
+                <a:solidFill>
+                  <a:schemeClr val="bg1"/>
+                </a:solidFill>
+                <a:effectLst/>
+                <a:ea typeface="+mj-ea"/>
+              </a:rPr>
+              <a:t>API</a:t>
+            </a:r>
+          </a:p>
+        </p:txBody>
+      </p:sp>
+      <p:sp>
+        <p:nvSpPr>
+          <p:cNvPr id="34" name="角丸四角形 21"/>
+          <p:cNvSpPr/>
+          <p:nvPr/>
+        </p:nvSpPr>
+        <p:spPr bwMode="auto">
+          <a:xfrm>
+            <a:off x="7200292" y="4365104"/>
+            <a:ext cx="864096" cy="576064"/>
+          </a:xfrm>
+          <a:prstGeom prst="roundRect">
+            <a:avLst>
+              <a:gd name="adj" fmla="val 0"/>
+            </a:avLst>
+          </a:prstGeom>
+          <a:solidFill>
+            <a:srgbClr val="7030A0"/>
+          </a:solidFill>
+          <a:ln w="25400" cap="flat" cmpd="sng" algn="ctr">
+            <a:solidFill>
+              <a:schemeClr val="tx1"/>
+            </a:solidFill>
+            <a:prstDash val="solid"/>
+            <a:round/>
+            <a:headEnd type="none" w="med" len="med"/>
+            <a:tailEnd type="none" w="med" len="med"/>
+          </a:ln>
+          <a:effectLst/>
+          <a:extLst/>
+        </p:spPr>
+        <p:txBody>
+          <a:bodyPr vert="horz" wrap="square" lIns="91440" tIns="45720" rIns="91440" bIns="45720" numCol="1" rtlCol="0" anchor="ctr" anchorCtr="0" compatLnSpc="1">
+            <a:prstTxWarp prst="textNoShape">
+              <a:avLst/>
+            </a:prstTxWarp>
+          </a:bodyPr>
+          <a:lstStyle/>
+          <a:p>
+            <a:pPr marL="0" marR="0" indent="0" algn="ctr" defTabSz="914400" rtl="0" eaLnBrk="1" fontAlgn="ctr" latinLnBrk="0" hangingPunct="1">
+              <a:lnSpc>
+                <a:spcPct val="100000"/>
+              </a:lnSpc>
+              <a:spcBef>
+                <a:spcPct val="0"/>
+              </a:spcBef>
+              <a:spcAft>
+                <a:spcPct val="0"/>
+              </a:spcAft>
+              <a:buClrTx/>
+              <a:buSzTx/>
+              <a:buFontTx/>
+              <a:buNone/>
+              <a:tabLst/>
+            </a:pPr>
+            <a:r>
+              <a:rPr kumimoji="1" lang="en-US" altLang="ja-JP" sz="2000" i="0" u="none" strike="noStrike" cap="none" normalizeH="0" baseline="0" smtClean="0">
+                <a:ln>
+                  <a:noFill/>
+                </a:ln>
+                <a:solidFill>
+                  <a:schemeClr val="bg1"/>
+                </a:solidFill>
+                <a:effectLst/>
+                <a:ea typeface="+mj-ea"/>
+              </a:rPr>
+              <a:t>Client</a:t>
+            </a:r>
+            <a:br>
+              <a:rPr kumimoji="1" lang="en-US" altLang="ja-JP" sz="2000" i="0" u="none" strike="noStrike" cap="none" normalizeH="0" baseline="0" smtClean="0">
+                <a:ln>
+                  <a:noFill/>
+                </a:ln>
+                <a:solidFill>
+                  <a:schemeClr val="bg1"/>
+                </a:solidFill>
+                <a:effectLst/>
+                <a:ea typeface="+mj-ea"/>
+              </a:rPr>
+            </a:br>
+            <a:r>
+              <a:rPr kumimoji="1" lang="en-US" altLang="ja-JP" sz="2000" i="0" u="none" strike="noStrike" cap="none" normalizeH="0" baseline="0" smtClean="0">
+                <a:ln>
+                  <a:noFill/>
+                </a:ln>
+                <a:solidFill>
+                  <a:schemeClr val="bg1"/>
+                </a:solidFill>
+                <a:effectLst/>
+                <a:ea typeface="+mj-ea"/>
+              </a:rPr>
+              <a:t>API</a:t>
+            </a:r>
+          </a:p>
+        </p:txBody>
+      </p:sp>
+      <p:sp>
+        <p:nvSpPr>
+          <p:cNvPr id="35" name="角丸四角形 21"/>
+          <p:cNvSpPr/>
+          <p:nvPr/>
+        </p:nvSpPr>
+        <p:spPr bwMode="auto">
+          <a:xfrm>
+            <a:off x="5256076" y="4365104"/>
+            <a:ext cx="906306" cy="576064"/>
+          </a:xfrm>
+          <a:prstGeom prst="roundRect">
+            <a:avLst>
+              <a:gd name="adj" fmla="val 0"/>
+            </a:avLst>
+          </a:prstGeom>
+          <a:solidFill>
+            <a:srgbClr val="7030A0"/>
+          </a:solidFill>
+          <a:ln w="25400" cap="flat" cmpd="sng" algn="ctr">
+            <a:solidFill>
+              <a:schemeClr val="tx1"/>
+            </a:solidFill>
+            <a:prstDash val="solid"/>
+            <a:round/>
+            <a:headEnd type="none" w="med" len="med"/>
+            <a:tailEnd type="none" w="med" len="med"/>
+          </a:ln>
+          <a:effectLst/>
+          <a:extLst/>
+        </p:spPr>
+        <p:txBody>
+          <a:bodyPr vert="horz" wrap="square" lIns="91440" tIns="45720" rIns="91440" bIns="45720" numCol="1" rtlCol="0" anchor="ctr" anchorCtr="0" compatLnSpc="1">
+            <a:prstTxWarp prst="textNoShape">
+              <a:avLst/>
+            </a:prstTxWarp>
+          </a:bodyPr>
+          <a:lstStyle/>
+          <a:p>
+            <a:pPr marL="0" marR="0" indent="0" algn="ctr" defTabSz="914400" rtl="0" eaLnBrk="1" fontAlgn="ctr" latinLnBrk="0" hangingPunct="1">
+              <a:lnSpc>
+                <a:spcPct val="100000"/>
+              </a:lnSpc>
+              <a:spcBef>
+                <a:spcPct val="0"/>
+              </a:spcBef>
+              <a:spcAft>
+                <a:spcPct val="0"/>
+              </a:spcAft>
+              <a:buClrTx/>
+              <a:buSzTx/>
+              <a:buFontTx/>
+              <a:buNone/>
+              <a:tabLst/>
+            </a:pPr>
+            <a:r>
+              <a:rPr kumimoji="1" lang="en-US" altLang="ja-JP" sz="2000" i="0" u="none" strike="noStrike" cap="none" normalizeH="0" baseline="0" dirty="0" smtClean="0">
+                <a:ln>
+                  <a:noFill/>
+                </a:ln>
+                <a:solidFill>
+                  <a:schemeClr val="bg1"/>
+                </a:solidFill>
+                <a:effectLst/>
+                <a:ea typeface="+mj-ea"/>
+              </a:rPr>
+              <a:t>Disc.</a:t>
+            </a:r>
+            <a:r>
+              <a:rPr kumimoji="1" lang="en-US" altLang="ja-JP" sz="2000" dirty="0" smtClean="0">
+                <a:solidFill>
+                  <a:schemeClr val="bg1"/>
+                </a:solidFill>
+                <a:ea typeface="+mj-ea"/>
+              </a:rPr>
+              <a:t/>
+            </a:r>
+            <a:br>
+              <a:rPr kumimoji="1" lang="en-US" altLang="ja-JP" sz="2000" dirty="0" smtClean="0">
+                <a:solidFill>
+                  <a:schemeClr val="bg1"/>
+                </a:solidFill>
+                <a:ea typeface="+mj-ea"/>
+              </a:rPr>
+            </a:br>
+            <a:r>
+              <a:rPr kumimoji="1" lang="en-US" altLang="ja-JP" sz="2000" i="0" u="none" strike="noStrike" cap="none" normalizeH="0" baseline="0" dirty="0" smtClean="0">
+                <a:ln>
+                  <a:noFill/>
+                </a:ln>
+                <a:solidFill>
+                  <a:schemeClr val="bg1"/>
+                </a:solidFill>
+                <a:effectLst/>
+                <a:ea typeface="+mj-ea"/>
+              </a:rPr>
+              <a:t>API</a:t>
             </a:r>
           </a:p>
         </p:txBody>
@@ -27299,203 +27419,6 @@
       </p:sp>
       <p:sp>
         <p:nvSpPr>
-          <p:cNvPr id="13" name="角丸四角形 21"/>
-          <p:cNvSpPr/>
-          <p:nvPr/>
-        </p:nvSpPr>
-        <p:spPr bwMode="auto">
-          <a:xfrm>
-            <a:off x="2718522" y="4356050"/>
-            <a:ext cx="1103600" cy="576064"/>
-          </a:xfrm>
-          <a:prstGeom prst="roundRect">
-            <a:avLst>
-              <a:gd name="adj" fmla="val 0"/>
-            </a:avLst>
-          </a:prstGeom>
-          <a:solidFill>
-            <a:srgbClr val="7030A0"/>
-          </a:solidFill>
-          <a:ln w="25400" cap="flat" cmpd="sng" algn="ctr">
-            <a:solidFill>
-              <a:schemeClr val="tx1"/>
-            </a:solidFill>
-            <a:prstDash val="solid"/>
-            <a:round/>
-            <a:headEnd type="none" w="med" len="med"/>
-            <a:tailEnd type="none" w="med" len="med"/>
-          </a:ln>
-          <a:effectLst/>
-          <a:extLst/>
-        </p:spPr>
-        <p:txBody>
-          <a:bodyPr vert="horz" wrap="square" lIns="91440" tIns="45720" rIns="91440" bIns="45720" numCol="1" rtlCol="0" anchor="ctr" anchorCtr="0" compatLnSpc="1">
-            <a:prstTxWarp prst="textNoShape">
-              <a:avLst/>
-            </a:prstTxWarp>
-          </a:bodyPr>
-          <a:lstStyle/>
-          <a:p>
-            <a:pPr marL="0" marR="0" indent="0" algn="ctr" defTabSz="914400" rtl="0" eaLnBrk="1" fontAlgn="ctr" latinLnBrk="0" hangingPunct="1">
-              <a:lnSpc>
-                <a:spcPct val="100000"/>
-              </a:lnSpc>
-              <a:spcBef>
-                <a:spcPct val="0"/>
-              </a:spcBef>
-              <a:spcAft>
-                <a:spcPct val="0"/>
-              </a:spcAft>
-              <a:buClrTx/>
-              <a:buSzTx/>
-              <a:buFontTx/>
-              <a:buNone/>
-              <a:tabLst/>
-            </a:pPr>
-            <a:r>
-              <a:rPr kumimoji="1" lang="en-US" altLang="ja-JP" sz="2000" i="0" u="none" strike="noStrike" cap="none" normalizeH="0" baseline="0" smtClean="0">
-                <a:ln>
-                  <a:noFill/>
-                </a:ln>
-                <a:solidFill>
-                  <a:schemeClr val="bg1"/>
-                </a:solidFill>
-                <a:effectLst/>
-                <a:ea typeface="+mj-ea"/>
-              </a:rPr>
-              <a:t>Server</a:t>
-            </a:r>
-            <a:r>
-              <a:rPr kumimoji="1" lang="en-US" altLang="ja-JP" sz="2000" smtClean="0">
-                <a:solidFill>
-                  <a:schemeClr val="bg1"/>
-                </a:solidFill>
-                <a:ea typeface="+mj-ea"/>
-              </a:rPr>
-              <a:t/>
-            </a:r>
-            <a:br>
-              <a:rPr kumimoji="1" lang="en-US" altLang="ja-JP" sz="2000" smtClean="0">
-                <a:solidFill>
-                  <a:schemeClr val="bg1"/>
-                </a:solidFill>
-                <a:ea typeface="+mj-ea"/>
-              </a:rPr>
-            </a:br>
-            <a:r>
-              <a:rPr kumimoji="1" lang="en-US" altLang="ja-JP" sz="2000" i="0" u="none" strike="noStrike" cap="none" normalizeH="0" baseline="0" smtClean="0">
-                <a:ln>
-                  <a:noFill/>
-                </a:ln>
-                <a:solidFill>
-                  <a:schemeClr val="bg1"/>
-                </a:solidFill>
-                <a:effectLst/>
-                <a:ea typeface="+mj-ea"/>
-              </a:rPr>
-              <a:t>API</a:t>
-            </a:r>
-          </a:p>
-        </p:txBody>
-      </p:sp>
-      <p:sp>
-        <p:nvSpPr>
-          <p:cNvPr id="12" name="角丸四角形 21"/>
-          <p:cNvSpPr/>
-          <p:nvPr/>
-        </p:nvSpPr>
-        <p:spPr bwMode="auto">
-          <a:xfrm>
-            <a:off x="1187624" y="4356051"/>
-            <a:ext cx="1098850" cy="576064"/>
-          </a:xfrm>
-          <a:prstGeom prst="roundRect">
-            <a:avLst>
-              <a:gd name="adj" fmla="val 0"/>
-            </a:avLst>
-          </a:prstGeom>
-          <a:solidFill>
-            <a:srgbClr val="7030A0"/>
-          </a:solidFill>
-          <a:ln w="25400" cap="flat" cmpd="sng" algn="ctr">
-            <a:solidFill>
-              <a:schemeClr val="tx1"/>
-            </a:solidFill>
-            <a:prstDash val="solid"/>
-            <a:round/>
-            <a:headEnd type="none" w="med" len="med"/>
-            <a:tailEnd type="none" w="med" len="med"/>
-          </a:ln>
-          <a:effectLst/>
-          <a:extLst/>
-        </p:spPr>
-        <p:txBody>
-          <a:bodyPr vert="horz" wrap="square" lIns="91440" tIns="45720" rIns="91440" bIns="45720" numCol="1" rtlCol="0" anchor="ctr" anchorCtr="0" compatLnSpc="1">
-            <a:prstTxWarp prst="textNoShape">
-              <a:avLst/>
-            </a:prstTxWarp>
-          </a:bodyPr>
-          <a:lstStyle/>
-          <a:p>
-            <a:pPr marL="0" marR="0" indent="0" algn="ctr" defTabSz="914400" rtl="0" eaLnBrk="1" fontAlgn="ctr" latinLnBrk="0" hangingPunct="1">
-              <a:lnSpc>
-                <a:spcPct val="100000"/>
-              </a:lnSpc>
-              <a:spcBef>
-                <a:spcPct val="0"/>
-              </a:spcBef>
-              <a:spcAft>
-                <a:spcPct val="0"/>
-              </a:spcAft>
-              <a:buClrTx/>
-              <a:buSzTx/>
-              <a:buFontTx/>
-              <a:buNone/>
-              <a:tabLst/>
-            </a:pPr>
-            <a:r>
-              <a:rPr kumimoji="1" lang="en-US" altLang="ja-JP" sz="2000" i="0" u="none" strike="noStrike" cap="none" normalizeH="0" baseline="0" smtClean="0">
-                <a:ln>
-                  <a:noFill/>
-                </a:ln>
-                <a:solidFill>
-                  <a:schemeClr val="bg1"/>
-                </a:solidFill>
-                <a:effectLst/>
-                <a:ea typeface="+mj-ea"/>
-              </a:rPr>
-              <a:t>Client</a:t>
-            </a:r>
-            <a:br>
-              <a:rPr kumimoji="1" lang="en-US" altLang="ja-JP" sz="2000" i="0" u="none" strike="noStrike" cap="none" normalizeH="0" baseline="0" smtClean="0">
-                <a:ln>
-                  <a:noFill/>
-                </a:ln>
-                <a:solidFill>
-                  <a:schemeClr val="bg1"/>
-                </a:solidFill>
-                <a:effectLst/>
-                <a:ea typeface="+mj-ea"/>
-              </a:rPr>
-            </a:br>
-            <a:r>
-              <a:rPr kumimoji="1" lang="en-US" altLang="ja-JP" sz="2000" i="0" u="none" strike="noStrike" cap="none" normalizeH="0" baseline="0" smtClean="0">
-                <a:ln>
-                  <a:noFill/>
-                </a:ln>
-                <a:solidFill>
-                  <a:schemeClr val="bg1"/>
-                </a:solidFill>
-                <a:effectLst/>
-                <a:ea typeface="+mj-ea"/>
-              </a:rPr>
-              <a:t>API</a:t>
-            </a:r>
-          </a:p>
-        </p:txBody>
-      </p:sp>
-      <p:sp>
-        <p:nvSpPr>
           <p:cNvPr id="18" name="角丸四角形 22"/>
           <p:cNvSpPr/>
           <p:nvPr/>
@@ -27842,203 +27765,6 @@
       </p:sp>
       <p:sp>
         <p:nvSpPr>
-          <p:cNvPr id="26" name="角丸四角形 21"/>
-          <p:cNvSpPr/>
-          <p:nvPr/>
-        </p:nvSpPr>
-        <p:spPr bwMode="auto">
-          <a:xfrm>
-            <a:off x="6894986" y="4356051"/>
-            <a:ext cx="1103600" cy="576064"/>
-          </a:xfrm>
-          <a:prstGeom prst="roundRect">
-            <a:avLst>
-              <a:gd name="adj" fmla="val 0"/>
-            </a:avLst>
-          </a:prstGeom>
-          <a:solidFill>
-            <a:srgbClr val="7030A0"/>
-          </a:solidFill>
-          <a:ln w="25400" cap="flat" cmpd="sng" algn="ctr">
-            <a:solidFill>
-              <a:schemeClr val="tx1"/>
-            </a:solidFill>
-            <a:prstDash val="solid"/>
-            <a:round/>
-            <a:headEnd type="none" w="med" len="med"/>
-            <a:tailEnd type="none" w="med" len="med"/>
-          </a:ln>
-          <a:effectLst/>
-          <a:extLst/>
-        </p:spPr>
-        <p:txBody>
-          <a:bodyPr vert="horz" wrap="square" lIns="91440" tIns="45720" rIns="91440" bIns="45720" numCol="1" rtlCol="0" anchor="ctr" anchorCtr="0" compatLnSpc="1">
-            <a:prstTxWarp prst="textNoShape">
-              <a:avLst/>
-            </a:prstTxWarp>
-          </a:bodyPr>
-          <a:lstStyle/>
-          <a:p>
-            <a:pPr marL="0" marR="0" indent="0" algn="ctr" defTabSz="914400" rtl="0" eaLnBrk="1" fontAlgn="ctr" latinLnBrk="0" hangingPunct="1">
-              <a:lnSpc>
-                <a:spcPct val="100000"/>
-              </a:lnSpc>
-              <a:spcBef>
-                <a:spcPct val="0"/>
-              </a:spcBef>
-              <a:spcAft>
-                <a:spcPct val="0"/>
-              </a:spcAft>
-              <a:buClrTx/>
-              <a:buSzTx/>
-              <a:buFontTx/>
-              <a:buNone/>
-              <a:tabLst/>
-            </a:pPr>
-            <a:r>
-              <a:rPr kumimoji="1" lang="en-US" altLang="ja-JP" sz="2000" i="0" u="none" strike="noStrike" cap="none" normalizeH="0" baseline="0" smtClean="0">
-                <a:ln>
-                  <a:noFill/>
-                </a:ln>
-                <a:solidFill>
-                  <a:schemeClr val="bg1"/>
-                </a:solidFill>
-                <a:effectLst/>
-                <a:ea typeface="+mj-ea"/>
-              </a:rPr>
-              <a:t>Server</a:t>
-            </a:r>
-            <a:r>
-              <a:rPr kumimoji="1" lang="en-US" altLang="ja-JP" sz="2000" smtClean="0">
-                <a:solidFill>
-                  <a:schemeClr val="bg1"/>
-                </a:solidFill>
-                <a:ea typeface="+mj-ea"/>
-              </a:rPr>
-              <a:t/>
-            </a:r>
-            <a:br>
-              <a:rPr kumimoji="1" lang="en-US" altLang="ja-JP" sz="2000" smtClean="0">
-                <a:solidFill>
-                  <a:schemeClr val="bg1"/>
-                </a:solidFill>
-                <a:ea typeface="+mj-ea"/>
-              </a:rPr>
-            </a:br>
-            <a:r>
-              <a:rPr kumimoji="1" lang="en-US" altLang="ja-JP" sz="2000" i="0" u="none" strike="noStrike" cap="none" normalizeH="0" baseline="0" smtClean="0">
-                <a:ln>
-                  <a:noFill/>
-                </a:ln>
-                <a:solidFill>
-                  <a:schemeClr val="bg1"/>
-                </a:solidFill>
-                <a:effectLst/>
-                <a:ea typeface="+mj-ea"/>
-              </a:rPr>
-              <a:t>API</a:t>
-            </a:r>
-          </a:p>
-        </p:txBody>
-      </p:sp>
-      <p:sp>
-        <p:nvSpPr>
-          <p:cNvPr id="27" name="角丸四角形 21"/>
-          <p:cNvSpPr/>
-          <p:nvPr/>
-        </p:nvSpPr>
-        <p:spPr bwMode="auto">
-          <a:xfrm>
-            <a:off x="5364088" y="4356052"/>
-            <a:ext cx="1098850" cy="576064"/>
-          </a:xfrm>
-          <a:prstGeom prst="roundRect">
-            <a:avLst>
-              <a:gd name="adj" fmla="val 0"/>
-            </a:avLst>
-          </a:prstGeom>
-          <a:solidFill>
-            <a:srgbClr val="7030A0"/>
-          </a:solidFill>
-          <a:ln w="25400" cap="flat" cmpd="sng" algn="ctr">
-            <a:solidFill>
-              <a:schemeClr val="tx1"/>
-            </a:solidFill>
-            <a:prstDash val="solid"/>
-            <a:round/>
-            <a:headEnd type="none" w="med" len="med"/>
-            <a:tailEnd type="none" w="med" len="med"/>
-          </a:ln>
-          <a:effectLst/>
-          <a:extLst/>
-        </p:spPr>
-        <p:txBody>
-          <a:bodyPr vert="horz" wrap="square" lIns="91440" tIns="45720" rIns="91440" bIns="45720" numCol="1" rtlCol="0" anchor="ctr" anchorCtr="0" compatLnSpc="1">
-            <a:prstTxWarp prst="textNoShape">
-              <a:avLst/>
-            </a:prstTxWarp>
-          </a:bodyPr>
-          <a:lstStyle/>
-          <a:p>
-            <a:pPr marL="0" marR="0" indent="0" algn="ctr" defTabSz="914400" rtl="0" eaLnBrk="1" fontAlgn="ctr" latinLnBrk="0" hangingPunct="1">
-              <a:lnSpc>
-                <a:spcPct val="100000"/>
-              </a:lnSpc>
-              <a:spcBef>
-                <a:spcPct val="0"/>
-              </a:spcBef>
-              <a:spcAft>
-                <a:spcPct val="0"/>
-              </a:spcAft>
-              <a:buClrTx/>
-              <a:buSzTx/>
-              <a:buFontTx/>
-              <a:buNone/>
-              <a:tabLst/>
-            </a:pPr>
-            <a:r>
-              <a:rPr kumimoji="1" lang="en-US" altLang="ja-JP" sz="2000" i="0" u="none" strike="noStrike" cap="none" normalizeH="0" baseline="0" smtClean="0">
-                <a:ln>
-                  <a:noFill/>
-                </a:ln>
-                <a:solidFill>
-                  <a:schemeClr val="bg1"/>
-                </a:solidFill>
-                <a:effectLst/>
-                <a:ea typeface="+mj-ea"/>
-              </a:rPr>
-              <a:t>Client</a:t>
-            </a:r>
-            <a:br>
-              <a:rPr kumimoji="1" lang="en-US" altLang="ja-JP" sz="2000" i="0" u="none" strike="noStrike" cap="none" normalizeH="0" baseline="0" smtClean="0">
-                <a:ln>
-                  <a:noFill/>
-                </a:ln>
-                <a:solidFill>
-                  <a:schemeClr val="bg1"/>
-                </a:solidFill>
-                <a:effectLst/>
-                <a:ea typeface="+mj-ea"/>
-              </a:rPr>
-            </a:br>
-            <a:r>
-              <a:rPr kumimoji="1" lang="en-US" altLang="ja-JP" sz="2000" i="0" u="none" strike="noStrike" cap="none" normalizeH="0" baseline="0" smtClean="0">
-                <a:ln>
-                  <a:noFill/>
-                </a:ln>
-                <a:solidFill>
-                  <a:schemeClr val="bg1"/>
-                </a:solidFill>
-                <a:effectLst/>
-                <a:ea typeface="+mj-ea"/>
-              </a:rPr>
-              <a:t>API</a:t>
-            </a:r>
-          </a:p>
-        </p:txBody>
-      </p:sp>
-      <p:sp>
-        <p:nvSpPr>
           <p:cNvPr id="10" name="縦巻き 49"/>
           <p:cNvSpPr/>
           <p:nvPr/>
@@ -28102,6 +27828,602 @@
                 <a:ea typeface="+mj-ea"/>
               </a:rPr>
               <a:t>App Script</a:t>
+            </a:r>
+          </a:p>
+        </p:txBody>
+      </p:sp>
+      <p:sp>
+        <p:nvSpPr>
+          <p:cNvPr id="33" name="角丸四角形 21"/>
+          <p:cNvSpPr/>
+          <p:nvPr/>
+        </p:nvSpPr>
+        <p:spPr bwMode="auto">
+          <a:xfrm>
+            <a:off x="2087724" y="4356050"/>
+            <a:ext cx="906306" cy="576064"/>
+          </a:xfrm>
+          <a:prstGeom prst="roundRect">
+            <a:avLst>
+              <a:gd name="adj" fmla="val 0"/>
+            </a:avLst>
+          </a:prstGeom>
+          <a:solidFill>
+            <a:srgbClr val="7030A0"/>
+          </a:solidFill>
+          <a:ln w="25400" cap="flat" cmpd="sng" algn="ctr">
+            <a:solidFill>
+              <a:schemeClr val="tx1"/>
+            </a:solidFill>
+            <a:prstDash val="solid"/>
+            <a:round/>
+            <a:headEnd type="none" w="med" len="med"/>
+            <a:tailEnd type="none" w="med" len="med"/>
+          </a:ln>
+          <a:effectLst/>
+          <a:extLst/>
+        </p:spPr>
+        <p:txBody>
+          <a:bodyPr vert="horz" wrap="square" lIns="91440" tIns="45720" rIns="91440" bIns="45720" numCol="1" rtlCol="0" anchor="ctr" anchorCtr="0" compatLnSpc="1">
+            <a:prstTxWarp prst="textNoShape">
+              <a:avLst/>
+            </a:prstTxWarp>
+          </a:bodyPr>
+          <a:lstStyle/>
+          <a:p>
+            <a:pPr marL="0" marR="0" indent="0" algn="ctr" defTabSz="914400" rtl="0" eaLnBrk="1" fontAlgn="ctr" latinLnBrk="0" hangingPunct="1">
+              <a:lnSpc>
+                <a:spcPct val="100000"/>
+              </a:lnSpc>
+              <a:spcBef>
+                <a:spcPct val="0"/>
+              </a:spcBef>
+              <a:spcAft>
+                <a:spcPct val="0"/>
+              </a:spcAft>
+              <a:buClrTx/>
+              <a:buSzTx/>
+              <a:buFontTx/>
+              <a:buNone/>
+              <a:tabLst/>
+            </a:pPr>
+            <a:r>
+              <a:rPr kumimoji="1" lang="en-US" altLang="ja-JP" sz="2000" i="0" u="none" strike="noStrike" cap="none" normalizeH="0" baseline="0" smtClean="0">
+                <a:ln>
+                  <a:noFill/>
+                </a:ln>
+                <a:solidFill>
+                  <a:schemeClr val="bg1"/>
+                </a:solidFill>
+                <a:effectLst/>
+                <a:ea typeface="+mj-ea"/>
+              </a:rPr>
+              <a:t>Server</a:t>
+            </a:r>
+            <a:r>
+              <a:rPr kumimoji="1" lang="en-US" altLang="ja-JP" sz="2000" smtClean="0">
+                <a:solidFill>
+                  <a:schemeClr val="bg1"/>
+                </a:solidFill>
+                <a:ea typeface="+mj-ea"/>
+              </a:rPr>
+              <a:t/>
+            </a:r>
+            <a:br>
+              <a:rPr kumimoji="1" lang="en-US" altLang="ja-JP" sz="2000" smtClean="0">
+                <a:solidFill>
+                  <a:schemeClr val="bg1"/>
+                </a:solidFill>
+                <a:ea typeface="+mj-ea"/>
+              </a:rPr>
+            </a:br>
+            <a:r>
+              <a:rPr kumimoji="1" lang="en-US" altLang="ja-JP" sz="2000" i="0" u="none" strike="noStrike" cap="none" normalizeH="0" baseline="0" smtClean="0">
+                <a:ln>
+                  <a:noFill/>
+                </a:ln>
+                <a:solidFill>
+                  <a:schemeClr val="bg1"/>
+                </a:solidFill>
+                <a:effectLst/>
+                <a:ea typeface="+mj-ea"/>
+              </a:rPr>
+              <a:t>API</a:t>
+            </a:r>
+          </a:p>
+        </p:txBody>
+      </p:sp>
+      <p:sp>
+        <p:nvSpPr>
+          <p:cNvPr id="34" name="角丸四角形 21"/>
+          <p:cNvSpPr/>
+          <p:nvPr/>
+        </p:nvSpPr>
+        <p:spPr bwMode="auto">
+          <a:xfrm>
+            <a:off x="3059832" y="4365104"/>
+            <a:ext cx="864096" cy="576064"/>
+          </a:xfrm>
+          <a:prstGeom prst="roundRect">
+            <a:avLst>
+              <a:gd name="adj" fmla="val 0"/>
+            </a:avLst>
+          </a:prstGeom>
+          <a:solidFill>
+            <a:srgbClr val="7030A0"/>
+          </a:solidFill>
+          <a:ln w="25400" cap="flat" cmpd="sng" algn="ctr">
+            <a:solidFill>
+              <a:schemeClr val="tx1"/>
+            </a:solidFill>
+            <a:prstDash val="solid"/>
+            <a:round/>
+            <a:headEnd type="none" w="med" len="med"/>
+            <a:tailEnd type="none" w="med" len="med"/>
+          </a:ln>
+          <a:effectLst/>
+          <a:extLst/>
+        </p:spPr>
+        <p:txBody>
+          <a:bodyPr vert="horz" wrap="square" lIns="91440" tIns="45720" rIns="91440" bIns="45720" numCol="1" rtlCol="0" anchor="ctr" anchorCtr="0" compatLnSpc="1">
+            <a:prstTxWarp prst="textNoShape">
+              <a:avLst/>
+            </a:prstTxWarp>
+          </a:bodyPr>
+          <a:lstStyle/>
+          <a:p>
+            <a:pPr marL="0" marR="0" indent="0" algn="ctr" defTabSz="914400" rtl="0" eaLnBrk="1" fontAlgn="ctr" latinLnBrk="0" hangingPunct="1">
+              <a:lnSpc>
+                <a:spcPct val="100000"/>
+              </a:lnSpc>
+              <a:spcBef>
+                <a:spcPct val="0"/>
+              </a:spcBef>
+              <a:spcAft>
+                <a:spcPct val="0"/>
+              </a:spcAft>
+              <a:buClrTx/>
+              <a:buSzTx/>
+              <a:buFontTx/>
+              <a:buNone/>
+              <a:tabLst/>
+            </a:pPr>
+            <a:r>
+              <a:rPr kumimoji="1" lang="en-US" altLang="ja-JP" sz="2000" i="0" u="none" strike="noStrike" cap="none" normalizeH="0" baseline="0" smtClean="0">
+                <a:ln>
+                  <a:noFill/>
+                </a:ln>
+                <a:solidFill>
+                  <a:schemeClr val="bg1"/>
+                </a:solidFill>
+                <a:effectLst/>
+                <a:ea typeface="+mj-ea"/>
+              </a:rPr>
+              <a:t>Client</a:t>
+            </a:r>
+            <a:br>
+              <a:rPr kumimoji="1" lang="en-US" altLang="ja-JP" sz="2000" i="0" u="none" strike="noStrike" cap="none" normalizeH="0" baseline="0" smtClean="0">
+                <a:ln>
+                  <a:noFill/>
+                </a:ln>
+                <a:solidFill>
+                  <a:schemeClr val="bg1"/>
+                </a:solidFill>
+                <a:effectLst/>
+                <a:ea typeface="+mj-ea"/>
+              </a:rPr>
+            </a:br>
+            <a:r>
+              <a:rPr kumimoji="1" lang="en-US" altLang="ja-JP" sz="2000" i="0" u="none" strike="noStrike" cap="none" normalizeH="0" baseline="0" smtClean="0">
+                <a:ln>
+                  <a:noFill/>
+                </a:ln>
+                <a:solidFill>
+                  <a:schemeClr val="bg1"/>
+                </a:solidFill>
+                <a:effectLst/>
+                <a:ea typeface="+mj-ea"/>
+              </a:rPr>
+              <a:t>API</a:t>
+            </a:r>
+          </a:p>
+        </p:txBody>
+      </p:sp>
+      <p:sp>
+        <p:nvSpPr>
+          <p:cNvPr id="35" name="角丸四角形 21"/>
+          <p:cNvSpPr/>
+          <p:nvPr/>
+        </p:nvSpPr>
+        <p:spPr bwMode="auto">
+          <a:xfrm>
+            <a:off x="1115616" y="4365104"/>
+            <a:ext cx="906306" cy="576064"/>
+          </a:xfrm>
+          <a:prstGeom prst="roundRect">
+            <a:avLst>
+              <a:gd name="adj" fmla="val 0"/>
+            </a:avLst>
+          </a:prstGeom>
+          <a:solidFill>
+            <a:srgbClr val="7030A0"/>
+          </a:solidFill>
+          <a:ln w="25400" cap="flat" cmpd="sng" algn="ctr">
+            <a:solidFill>
+              <a:schemeClr val="tx1"/>
+            </a:solidFill>
+            <a:prstDash val="solid"/>
+            <a:round/>
+            <a:headEnd type="none" w="med" len="med"/>
+            <a:tailEnd type="none" w="med" len="med"/>
+          </a:ln>
+          <a:effectLst/>
+          <a:extLst/>
+        </p:spPr>
+        <p:txBody>
+          <a:bodyPr vert="horz" wrap="square" lIns="91440" tIns="45720" rIns="91440" bIns="45720" numCol="1" rtlCol="0" anchor="ctr" anchorCtr="0" compatLnSpc="1">
+            <a:prstTxWarp prst="textNoShape">
+              <a:avLst/>
+            </a:prstTxWarp>
+          </a:bodyPr>
+          <a:lstStyle/>
+          <a:p>
+            <a:pPr marL="0" marR="0" indent="0" algn="ctr" defTabSz="914400" rtl="0" eaLnBrk="1" fontAlgn="ctr" latinLnBrk="0" hangingPunct="1">
+              <a:lnSpc>
+                <a:spcPct val="100000"/>
+              </a:lnSpc>
+              <a:spcBef>
+                <a:spcPct val="0"/>
+              </a:spcBef>
+              <a:spcAft>
+                <a:spcPct val="0"/>
+              </a:spcAft>
+              <a:buClrTx/>
+              <a:buSzTx/>
+              <a:buFontTx/>
+              <a:buNone/>
+              <a:tabLst/>
+            </a:pPr>
+            <a:r>
+              <a:rPr kumimoji="1" lang="en-US" altLang="ja-JP" sz="2000" i="0" u="none" strike="noStrike" cap="none" normalizeH="0" baseline="0" dirty="0" smtClean="0">
+                <a:ln>
+                  <a:noFill/>
+                </a:ln>
+                <a:solidFill>
+                  <a:schemeClr val="bg1"/>
+                </a:solidFill>
+                <a:effectLst/>
+                <a:ea typeface="+mj-ea"/>
+              </a:rPr>
+              <a:t>Disc.</a:t>
+            </a:r>
+            <a:r>
+              <a:rPr kumimoji="1" lang="en-US" altLang="ja-JP" sz="2000" dirty="0" smtClean="0">
+                <a:solidFill>
+                  <a:schemeClr val="bg1"/>
+                </a:solidFill>
+                <a:ea typeface="+mj-ea"/>
+              </a:rPr>
+              <a:t/>
+            </a:r>
+            <a:br>
+              <a:rPr kumimoji="1" lang="en-US" altLang="ja-JP" sz="2000" dirty="0" smtClean="0">
+                <a:solidFill>
+                  <a:schemeClr val="bg1"/>
+                </a:solidFill>
+                <a:ea typeface="+mj-ea"/>
+              </a:rPr>
+            </a:br>
+            <a:r>
+              <a:rPr kumimoji="1" lang="en-US" altLang="ja-JP" sz="2000" i="0" u="none" strike="noStrike" cap="none" normalizeH="0" baseline="0" dirty="0" smtClean="0">
+                <a:ln>
+                  <a:noFill/>
+                </a:ln>
+                <a:solidFill>
+                  <a:schemeClr val="bg1"/>
+                </a:solidFill>
+                <a:effectLst/>
+                <a:ea typeface="+mj-ea"/>
+              </a:rPr>
+              <a:t>API</a:t>
+            </a:r>
+          </a:p>
+        </p:txBody>
+      </p:sp>
+      <p:sp>
+        <p:nvSpPr>
+          <p:cNvPr id="36" name="角丸四角形 21"/>
+          <p:cNvSpPr/>
+          <p:nvPr/>
+        </p:nvSpPr>
+        <p:spPr bwMode="auto">
+          <a:xfrm>
+            <a:off x="6228184" y="4356050"/>
+            <a:ext cx="906306" cy="576064"/>
+          </a:xfrm>
+          <a:prstGeom prst="roundRect">
+            <a:avLst>
+              <a:gd name="adj" fmla="val 0"/>
+            </a:avLst>
+          </a:prstGeom>
+          <a:solidFill>
+            <a:srgbClr val="7030A0"/>
+          </a:solidFill>
+          <a:ln w="25400" cap="flat" cmpd="sng" algn="ctr">
+            <a:solidFill>
+              <a:schemeClr val="tx1"/>
+            </a:solidFill>
+            <a:prstDash val="solid"/>
+            <a:round/>
+            <a:headEnd type="none" w="med" len="med"/>
+            <a:tailEnd type="none" w="med" len="med"/>
+          </a:ln>
+          <a:effectLst/>
+          <a:extLst/>
+        </p:spPr>
+        <p:txBody>
+          <a:bodyPr vert="horz" wrap="square" lIns="91440" tIns="45720" rIns="91440" bIns="45720" numCol="1" rtlCol="0" anchor="ctr" anchorCtr="0" compatLnSpc="1">
+            <a:prstTxWarp prst="textNoShape">
+              <a:avLst/>
+            </a:prstTxWarp>
+          </a:bodyPr>
+          <a:lstStyle/>
+          <a:p>
+            <a:pPr marL="0" marR="0" indent="0" algn="ctr" defTabSz="914400" rtl="0" eaLnBrk="1" fontAlgn="ctr" latinLnBrk="0" hangingPunct="1">
+              <a:lnSpc>
+                <a:spcPct val="100000"/>
+              </a:lnSpc>
+              <a:spcBef>
+                <a:spcPct val="0"/>
+              </a:spcBef>
+              <a:spcAft>
+                <a:spcPct val="0"/>
+              </a:spcAft>
+              <a:buClrTx/>
+              <a:buSzTx/>
+              <a:buFontTx/>
+              <a:buNone/>
+              <a:tabLst/>
+            </a:pPr>
+            <a:r>
+              <a:rPr kumimoji="1" lang="en-US" altLang="ja-JP" sz="2000" i="0" u="none" strike="noStrike" cap="none" normalizeH="0" baseline="0" smtClean="0">
+                <a:ln>
+                  <a:noFill/>
+                </a:ln>
+                <a:solidFill>
+                  <a:schemeClr val="bg1"/>
+                </a:solidFill>
+                <a:effectLst/>
+                <a:ea typeface="+mj-ea"/>
+              </a:rPr>
+              <a:t>Server</a:t>
+            </a:r>
+            <a:r>
+              <a:rPr kumimoji="1" lang="en-US" altLang="ja-JP" sz="2000" smtClean="0">
+                <a:solidFill>
+                  <a:schemeClr val="bg1"/>
+                </a:solidFill>
+                <a:ea typeface="+mj-ea"/>
+              </a:rPr>
+              <a:t/>
+            </a:r>
+            <a:br>
+              <a:rPr kumimoji="1" lang="en-US" altLang="ja-JP" sz="2000" smtClean="0">
+                <a:solidFill>
+                  <a:schemeClr val="bg1"/>
+                </a:solidFill>
+                <a:ea typeface="+mj-ea"/>
+              </a:rPr>
+            </a:br>
+            <a:r>
+              <a:rPr kumimoji="1" lang="en-US" altLang="ja-JP" sz="2000" i="0" u="none" strike="noStrike" cap="none" normalizeH="0" baseline="0" smtClean="0">
+                <a:ln>
+                  <a:noFill/>
+                </a:ln>
+                <a:solidFill>
+                  <a:schemeClr val="bg1"/>
+                </a:solidFill>
+                <a:effectLst/>
+                <a:ea typeface="+mj-ea"/>
+              </a:rPr>
+              <a:t>API</a:t>
+            </a:r>
+          </a:p>
+        </p:txBody>
+      </p:sp>
+      <p:sp>
+        <p:nvSpPr>
+          <p:cNvPr id="37" name="角丸四角形 21"/>
+          <p:cNvSpPr/>
+          <p:nvPr/>
+        </p:nvSpPr>
+        <p:spPr bwMode="auto">
+          <a:xfrm>
+            <a:off x="7200292" y="4365104"/>
+            <a:ext cx="864096" cy="576064"/>
+          </a:xfrm>
+          <a:prstGeom prst="roundRect">
+            <a:avLst>
+              <a:gd name="adj" fmla="val 0"/>
+            </a:avLst>
+          </a:prstGeom>
+          <a:solidFill>
+            <a:srgbClr val="7030A0"/>
+          </a:solidFill>
+          <a:ln w="25400" cap="flat" cmpd="sng" algn="ctr">
+            <a:solidFill>
+              <a:schemeClr val="tx1"/>
+            </a:solidFill>
+            <a:prstDash val="solid"/>
+            <a:round/>
+            <a:headEnd type="none" w="med" len="med"/>
+            <a:tailEnd type="none" w="med" len="med"/>
+          </a:ln>
+          <a:effectLst/>
+          <a:extLst/>
+        </p:spPr>
+        <p:txBody>
+          <a:bodyPr vert="horz" wrap="square" lIns="91440" tIns="45720" rIns="91440" bIns="45720" numCol="1" rtlCol="0" anchor="ctr" anchorCtr="0" compatLnSpc="1">
+            <a:prstTxWarp prst="textNoShape">
+              <a:avLst/>
+            </a:prstTxWarp>
+          </a:bodyPr>
+          <a:lstStyle/>
+          <a:p>
+            <a:pPr marL="0" marR="0" indent="0" algn="ctr" defTabSz="914400" rtl="0" eaLnBrk="1" fontAlgn="ctr" latinLnBrk="0" hangingPunct="1">
+              <a:lnSpc>
+                <a:spcPct val="100000"/>
+              </a:lnSpc>
+              <a:spcBef>
+                <a:spcPct val="0"/>
+              </a:spcBef>
+              <a:spcAft>
+                <a:spcPct val="0"/>
+              </a:spcAft>
+              <a:buClrTx/>
+              <a:buSzTx/>
+              <a:buFontTx/>
+              <a:buNone/>
+              <a:tabLst/>
+            </a:pPr>
+            <a:r>
+              <a:rPr kumimoji="1" lang="en-US" altLang="ja-JP" sz="2000" i="0" u="none" strike="noStrike" cap="none" normalizeH="0" baseline="0" smtClean="0">
+                <a:ln>
+                  <a:noFill/>
+                </a:ln>
+                <a:solidFill>
+                  <a:schemeClr val="bg1"/>
+                </a:solidFill>
+                <a:effectLst/>
+                <a:ea typeface="+mj-ea"/>
+              </a:rPr>
+              <a:t>Client</a:t>
+            </a:r>
+            <a:br>
+              <a:rPr kumimoji="1" lang="en-US" altLang="ja-JP" sz="2000" i="0" u="none" strike="noStrike" cap="none" normalizeH="0" baseline="0" smtClean="0">
+                <a:ln>
+                  <a:noFill/>
+                </a:ln>
+                <a:solidFill>
+                  <a:schemeClr val="bg1"/>
+                </a:solidFill>
+                <a:effectLst/>
+                <a:ea typeface="+mj-ea"/>
+              </a:rPr>
+            </a:br>
+            <a:r>
+              <a:rPr kumimoji="1" lang="en-US" altLang="ja-JP" sz="2000" i="0" u="none" strike="noStrike" cap="none" normalizeH="0" baseline="0" smtClean="0">
+                <a:ln>
+                  <a:noFill/>
+                </a:ln>
+                <a:solidFill>
+                  <a:schemeClr val="bg1"/>
+                </a:solidFill>
+                <a:effectLst/>
+                <a:ea typeface="+mj-ea"/>
+              </a:rPr>
+              <a:t>API</a:t>
+            </a:r>
+          </a:p>
+        </p:txBody>
+      </p:sp>
+      <p:sp>
+        <p:nvSpPr>
+          <p:cNvPr id="38" name="角丸四角形 21"/>
+          <p:cNvSpPr/>
+          <p:nvPr/>
+        </p:nvSpPr>
+        <p:spPr bwMode="auto">
+          <a:xfrm>
+            <a:off x="5256076" y="4365104"/>
+            <a:ext cx="906306" cy="576064"/>
+          </a:xfrm>
+          <a:prstGeom prst="roundRect">
+            <a:avLst>
+              <a:gd name="adj" fmla="val 0"/>
+            </a:avLst>
+          </a:prstGeom>
+          <a:solidFill>
+            <a:srgbClr val="7030A0"/>
+          </a:solidFill>
+          <a:ln w="25400" cap="flat" cmpd="sng" algn="ctr">
+            <a:solidFill>
+              <a:schemeClr val="tx1"/>
+            </a:solidFill>
+            <a:prstDash val="solid"/>
+            <a:round/>
+            <a:headEnd type="none" w="med" len="med"/>
+            <a:tailEnd type="none" w="med" len="med"/>
+          </a:ln>
+          <a:effectLst/>
+          <a:extLst/>
+        </p:spPr>
+        <p:txBody>
+          <a:bodyPr vert="horz" wrap="square" lIns="91440" tIns="45720" rIns="91440" bIns="45720" numCol="1" rtlCol="0" anchor="ctr" anchorCtr="0" compatLnSpc="1">
+            <a:prstTxWarp prst="textNoShape">
+              <a:avLst/>
+            </a:prstTxWarp>
+          </a:bodyPr>
+          <a:lstStyle/>
+          <a:p>
+            <a:pPr marL="0" marR="0" indent="0" algn="ctr" defTabSz="914400" rtl="0" eaLnBrk="1" fontAlgn="ctr" latinLnBrk="0" hangingPunct="1">
+              <a:lnSpc>
+                <a:spcPct val="100000"/>
+              </a:lnSpc>
+              <a:spcBef>
+                <a:spcPct val="0"/>
+              </a:spcBef>
+              <a:spcAft>
+                <a:spcPct val="0"/>
+              </a:spcAft>
+              <a:buClrTx/>
+              <a:buSzTx/>
+              <a:buFontTx/>
+              <a:buNone/>
+              <a:tabLst/>
+            </a:pPr>
+            <a:r>
+              <a:rPr kumimoji="1" lang="en-US" altLang="ja-JP" sz="2000" i="0" u="none" strike="noStrike" cap="none" normalizeH="0" baseline="0" dirty="0" smtClean="0">
+                <a:ln>
+                  <a:noFill/>
+                </a:ln>
+                <a:solidFill>
+                  <a:schemeClr val="bg1"/>
+                </a:solidFill>
+                <a:effectLst/>
+                <a:ea typeface="+mj-ea"/>
+              </a:rPr>
+              <a:t>Disc.</a:t>
+            </a:r>
+            <a:r>
+              <a:rPr kumimoji="1" lang="en-US" altLang="ja-JP" sz="2000" dirty="0" smtClean="0">
+                <a:solidFill>
+                  <a:schemeClr val="bg1"/>
+                </a:solidFill>
+                <a:ea typeface="+mj-ea"/>
+              </a:rPr>
+              <a:t/>
+            </a:r>
+            <a:br>
+              <a:rPr kumimoji="1" lang="en-US" altLang="ja-JP" sz="2000" dirty="0" smtClean="0">
+                <a:solidFill>
+                  <a:schemeClr val="bg1"/>
+                </a:solidFill>
+                <a:ea typeface="+mj-ea"/>
+              </a:rPr>
+            </a:br>
+            <a:r>
+              <a:rPr kumimoji="1" lang="en-US" altLang="ja-JP" sz="2000" i="0" u="none" strike="noStrike" cap="none" normalizeH="0" baseline="0" dirty="0" smtClean="0">
+                <a:ln>
+                  <a:noFill/>
+                </a:ln>
+                <a:solidFill>
+                  <a:schemeClr val="bg1"/>
+                </a:solidFill>
+                <a:effectLst/>
+                <a:ea typeface="+mj-ea"/>
+              </a:rPr>
+              <a:t>API</a:t>
             </a:r>
           </a:p>
         </p:txBody>
@@ -28847,7 +29169,7 @@
     </p:spTree>
     <p:extLst>
       <p:ext uri="{BB962C8B-B14F-4D97-AF65-F5344CB8AC3E}">
-        <p14:creationId xmlns:p14="http://schemas.microsoft.com/office/powerpoint/2010/main" xmlns="" val="4179839243"/>
+        <p14:creationId xmlns="" xmlns:p14="http://schemas.microsoft.com/office/powerpoint/2010/main" val="4179839243"/>
       </p:ext>
     </p:extLst>
   </p:cSld>
@@ -30739,14 +31061,14 @@
           </a:ln>
           <a:extLst>
             <a:ext uri="{909E8E84-426E-40DD-AFC4-6F175D3DCCD1}">
-              <a14:hiddenFill xmlns:a14="http://schemas.microsoft.com/office/drawing/2010/main" xmlns="">
+              <a14:hiddenFill xmlns="" xmlns:a14="http://schemas.microsoft.com/office/drawing/2010/main">
                 <a:solidFill>
                   <a:srgbClr val="FFFFFF"/>
                 </a:solidFill>
               </a14:hiddenFill>
             </a:ext>
             <a:ext uri="{91240B29-F687-4F45-9708-019B960494DF}">
-              <a14:hiddenLine xmlns:a14="http://schemas.microsoft.com/office/drawing/2010/main" xmlns="" w="12700" algn="ctr">
+              <a14:hiddenLine xmlns="" xmlns:a14="http://schemas.microsoft.com/office/drawing/2010/main" w="12700" algn="ctr">
                 <a:solidFill>
                   <a:srgbClr val="000000"/>
                 </a:solidFill>
@@ -32788,8 +33110,8 @@
         </p:nvSpPr>
         <p:spPr bwMode="auto">
           <a:xfrm>
-            <a:off x="2748292" y="4754297"/>
-            <a:ext cx="1185920" cy="579611"/>
+            <a:off x="2631460" y="4754297"/>
+            <a:ext cx="1302752" cy="579611"/>
           </a:xfrm>
           <a:prstGeom prst="roundRect">
             <a:avLst/>
@@ -32826,7 +33148,17 @@
                 <a:latin typeface="Gill Sans MT"/>
                 <a:ea typeface="HG明朝E" panose="02020909000000000000" pitchFamily="17" charset="-128"/>
               </a:rPr>
-              <a:t>Server</a:t>
+              <a:t>Client</a:t>
+            </a:r>
+            <a:r>
+              <a:rPr lang="en-US" altLang="ja-JP" sz="1200" dirty="0" smtClean="0">
+                <a:solidFill>
+                  <a:prstClr val="black"/>
+                </a:solidFill>
+                <a:latin typeface="Gill Sans MT"/>
+                <a:ea typeface="HG明朝E" panose="02020909000000000000" pitchFamily="17" charset="-128"/>
+              </a:rPr>
+              <a:t/>
             </a:r>
             <a:br>
               <a:rPr lang="en-US" altLang="ja-JP" sz="1200" dirty="0" smtClean="0">
@@ -32858,8 +33190,8 @@
         </p:nvSpPr>
         <p:spPr bwMode="auto">
           <a:xfrm>
-            <a:off x="1564119" y="4754297"/>
-            <a:ext cx="1183812" cy="579612"/>
+            <a:off x="1331640" y="4754297"/>
+            <a:ext cx="1300436" cy="579612"/>
           </a:xfrm>
           <a:prstGeom prst="roundRect">
             <a:avLst/>
@@ -32896,7 +33228,17 @@
                 <a:latin typeface="Gill Sans MT"/>
                 <a:ea typeface="HG明朝E" panose="02020909000000000000" pitchFamily="17" charset="-128"/>
               </a:rPr>
-              <a:t>Client</a:t>
+              <a:t>Server</a:t>
+            </a:r>
+            <a:r>
+              <a:rPr lang="en-US" altLang="ja-JP" sz="1200" dirty="0" smtClean="0">
+                <a:solidFill>
+                  <a:prstClr val="black"/>
+                </a:solidFill>
+                <a:latin typeface="Gill Sans MT"/>
+                <a:ea typeface="HG明朝E" panose="02020909000000000000" pitchFamily="17" charset="-128"/>
+              </a:rPr>
+              <a:t/>
             </a:r>
             <a:br>
               <a:rPr lang="en-US" altLang="ja-JP" sz="1200" dirty="0" smtClean="0">
@@ -32928,8 +33270,8 @@
         </p:nvSpPr>
         <p:spPr bwMode="auto">
           <a:xfrm>
-            <a:off x="1593410" y="4172187"/>
-            <a:ext cx="2318716" cy="527573"/>
+            <a:off x="1331640" y="4172187"/>
+            <a:ext cx="2592287" cy="527573"/>
           </a:xfrm>
           <a:prstGeom prst="roundRect">
             <a:avLst/>
@@ -32986,8 +33328,8 @@
         </p:nvSpPr>
         <p:spPr bwMode="auto">
           <a:xfrm>
-            <a:off x="1619672" y="3590078"/>
-            <a:ext cx="2292454" cy="527573"/>
+            <a:off x="1331641" y="3590078"/>
+            <a:ext cx="2592287" cy="527573"/>
           </a:xfrm>
           <a:prstGeom prst="roundRect">
             <a:avLst/>
@@ -33151,7 +33493,7 @@
         <p:spPr bwMode="auto">
           <a:xfrm>
             <a:off x="445629" y="3594295"/>
-            <a:ext cx="1118490" cy="1739614"/>
+            <a:ext cx="741995" cy="1739614"/>
           </a:xfrm>
           <a:prstGeom prst="roundRect">
             <a:avLst>
@@ -33197,7 +33539,19 @@
                 <a:latin typeface="Gill Sans MT"/>
                 <a:ea typeface="HG明朝E" panose="02020909000000000000" pitchFamily="17" charset="-128"/>
               </a:rPr>
-              <a:t>Legacy communication</a:t>
+              <a:t>Legacy </a:t>
+            </a:r>
+            <a:r>
+              <a:rPr lang="en-US" altLang="ja-JP" sz="1200" dirty="0" err="1" smtClean="0">
+                <a:solidFill>
+                  <a:schemeClr val="bg1">
+                    <a:lumMod val="85000"/>
+                  </a:schemeClr>
+                </a:solidFill>
+                <a:latin typeface="Gill Sans MT"/>
+                <a:ea typeface="HG明朝E" panose="02020909000000000000" pitchFamily="17" charset="-128"/>
+              </a:rPr>
+              <a:t>comm-unication</a:t>
             </a:r>
             <a:endParaRPr lang="ja-JP" altLang="en-US" sz="1200" dirty="0" smtClean="0">
               <a:solidFill>
@@ -33208,82 +33562,6 @@
               <a:latin typeface="Gill Sans MT"/>
               <a:ea typeface="HG明朝E" panose="02020909000000000000" pitchFamily="17" charset="-128"/>
             </a:endParaRPr>
-          </a:p>
-        </p:txBody>
-      </p:sp>
-      <p:cxnSp>
-        <p:nvCxnSpPr>
-          <p:cNvPr id="11" name="直線矢印コネクタ 10"/>
-          <p:cNvCxnSpPr/>
-          <p:nvPr/>
-        </p:nvCxnSpPr>
-        <p:spPr bwMode="auto">
-          <a:xfrm>
-            <a:off x="1261174" y="2526066"/>
-            <a:ext cx="0" cy="484315"/>
-          </a:xfrm>
-          <a:prstGeom prst="straightConnector1">
-            <a:avLst/>
-          </a:prstGeom>
-          <a:noFill/>
-          <a:ln w="19050" cap="flat" cmpd="sng" algn="ctr">
-            <a:solidFill>
-              <a:sysClr val="windowText" lastClr="000000"/>
-            </a:solidFill>
-            <a:prstDash val="solid"/>
-            <a:headEnd type="arrow"/>
-            <a:tailEnd type="arrow"/>
-          </a:ln>
-          <a:effectLst>
-            <a:outerShdw blurRad="38100" dist="25400" dir="5400000" rotWithShape="0">
-              <a:srgbClr val="000000">
-                <a:alpha val="40000"/>
-              </a:srgbClr>
-            </a:outerShdw>
-          </a:effectLst>
-          <a:extLst/>
-        </p:spPr>
-      </p:cxnSp>
-      <p:sp>
-        <p:nvSpPr>
-          <p:cNvPr id="12" name="テキスト ボックス 11"/>
-          <p:cNvSpPr txBox="1"/>
-          <p:nvPr/>
-        </p:nvSpPr>
-        <p:spPr>
-          <a:xfrm>
-            <a:off x="368529" y="2658946"/>
-            <a:ext cx="1194716" cy="276999"/>
-          </a:xfrm>
-          <a:prstGeom prst="rect">
-            <a:avLst/>
-          </a:prstGeom>
-          <a:noFill/>
-        </p:spPr>
-        <p:txBody>
-          <a:bodyPr wrap="square" rtlCol="0">
-            <a:spAutoFit/>
-          </a:bodyPr>
-          <a:lstStyle/>
-          <a:p>
-            <a:pPr fontAlgn="auto">
-              <a:spcBef>
-                <a:spcPts val="0"/>
-              </a:spcBef>
-              <a:spcAft>
-                <a:spcPts val="0"/>
-              </a:spcAft>
-            </a:pPr>
-            <a:r>
-              <a:rPr lang="en-US" altLang="ja-JP" sz="1200" dirty="0" smtClean="0">
-                <a:solidFill>
-                  <a:prstClr val="black"/>
-                </a:solidFill>
-                <a:latin typeface="Gill Sans MT"/>
-                <a:ea typeface="HG明朝E" panose="02020909000000000000" pitchFamily="17" charset="-128"/>
-              </a:rPr>
-              <a:t>Extra API</a:t>
-            </a:r>
           </a:p>
         </p:txBody>
       </p:sp>
@@ -33295,7 +33573,7 @@
         </p:nvCxnSpPr>
         <p:spPr bwMode="auto">
           <a:xfrm>
-            <a:off x="2341294" y="2526066"/>
+            <a:off x="2807726" y="2526066"/>
             <a:ext cx="0" cy="484315"/>
           </a:xfrm>
           <a:prstGeom prst="straightConnector1">
@@ -33328,8 +33606,8 @@
         </p:nvSpPr>
         <p:spPr>
           <a:xfrm>
-            <a:off x="1563245" y="2658946"/>
-            <a:ext cx="994644" cy="276999"/>
+            <a:off x="1979712" y="2658946"/>
+            <a:ext cx="864096" cy="276999"/>
           </a:xfrm>
           <a:prstGeom prst="rect">
             <a:avLst/>
@@ -33358,8 +33636,15 @@
                 <a:latin typeface="Gill Sans MT"/>
                 <a:ea typeface="HG明朝E" panose="02020909000000000000" pitchFamily="17" charset="-128"/>
               </a:rPr>
-              <a:t>Client API</a:t>
-            </a:r>
+              <a:t>Server API</a:t>
+            </a:r>
+            <a:endParaRPr lang="en-US" altLang="ja-JP" sz="1200" dirty="0" smtClean="0">
+              <a:solidFill>
+                <a:prstClr val="black"/>
+              </a:solidFill>
+              <a:latin typeface="Gill Sans MT"/>
+              <a:ea typeface="HG明朝E" panose="02020909000000000000" pitchFamily="17" charset="-128"/>
+            </a:endParaRPr>
           </a:p>
         </p:txBody>
       </p:sp>
@@ -33371,7 +33656,7 @@
         </p:nvCxnSpPr>
         <p:spPr bwMode="auto">
           <a:xfrm>
-            <a:off x="3421413" y="2526066"/>
+            <a:off x="3724185" y="2526066"/>
             <a:ext cx="0" cy="484315"/>
           </a:xfrm>
           <a:prstGeom prst="straightConnector1">
@@ -33404,8 +33689,8 @@
         </p:nvSpPr>
         <p:spPr>
           <a:xfrm>
-            <a:off x="2613044" y="2658946"/>
-            <a:ext cx="1056950" cy="276999"/>
+            <a:off x="2915816" y="2658946"/>
+            <a:ext cx="878836" cy="276999"/>
           </a:xfrm>
           <a:prstGeom prst="rect">
             <a:avLst/>
@@ -33434,8 +33719,15 @@
                 <a:latin typeface="Gill Sans MT"/>
                 <a:ea typeface="HG明朝E" panose="02020909000000000000" pitchFamily="17" charset="-128"/>
               </a:rPr>
-              <a:t>Server API</a:t>
-            </a:r>
+              <a:t>Client API</a:t>
+            </a:r>
+            <a:endParaRPr lang="en-US" altLang="ja-JP" sz="1200" dirty="0" smtClean="0">
+              <a:solidFill>
+                <a:prstClr val="black"/>
+              </a:solidFill>
+              <a:latin typeface="Gill Sans MT"/>
+              <a:ea typeface="HG明朝E" panose="02020909000000000000" pitchFamily="17" charset="-128"/>
+            </a:endParaRPr>
           </a:p>
         </p:txBody>
       </p:sp>
@@ -33520,7 +33812,7 @@
         <p:spPr bwMode="gray">
           <a:xfrm>
             <a:off x="445630" y="5947501"/>
-            <a:ext cx="1118490" cy="457035"/>
+            <a:ext cx="741994" cy="457035"/>
           </a:xfrm>
           <a:prstGeom prst="roundRect">
             <a:avLst/>
@@ -33687,7 +33979,7 @@
         </p:nvSpPr>
         <p:spPr bwMode="gray">
           <a:xfrm>
-            <a:off x="1564120" y="5947501"/>
+            <a:off x="1403648" y="5949280"/>
             <a:ext cx="1183813" cy="478193"/>
           </a:xfrm>
           <a:prstGeom prst="roundRect">
@@ -33760,70 +34052,25 @@
           </a:bodyPr>
           <a:lstStyle/>
           <a:p>
-            <a:pPr marL="0" marR="0" lvl="0" indent="0" algn="ctr" defTabSz="914400" eaLnBrk="1" fontAlgn="ctr" latinLnBrk="0" hangingPunct="1">
-              <a:lnSpc>
-                <a:spcPct val="100000"/>
-              </a:lnSpc>
-              <a:spcBef>
-                <a:spcPts val="0"/>
-              </a:spcBef>
-              <a:spcAft>
-                <a:spcPts val="0"/>
-              </a:spcAft>
-              <a:buClrTx/>
-              <a:buSzTx/>
-              <a:buFontTx/>
-              <a:buNone/>
-              <a:tabLst/>
+            <a:pPr lvl="0" algn="ctr" fontAlgn="ctr">
               <a:defRPr/>
             </a:pPr>
             <a:r>
-              <a:rPr kumimoji="0" lang="en-US" altLang="ja-JP" sz="1200" b="0" i="0" u="none" strike="noStrike" kern="0" cap="none" spc="0" normalizeH="0" baseline="0" noProof="0" dirty="0" err="1" smtClean="0">
-                <a:ln>
-                  <a:noFill/>
-                </a:ln>
+              <a:rPr lang="en-US" altLang="ja-JP" sz="1200" kern="0" dirty="0" smtClean="0">
                 <a:solidFill>
                   <a:prstClr val="black"/>
                 </a:solidFill>
-                <a:effectLst/>
-                <a:uLnTx/>
-                <a:uFillTx/>
                 <a:latin typeface="Gill Sans MT"/>
                 <a:ea typeface="HG明朝E" panose="02020909000000000000" pitchFamily="17" charset="-128"/>
-                <a:cs typeface="+mn-cs"/>
-              </a:rPr>
-              <a:t>WoT</a:t>
-            </a:r>
-            <a:r>
-              <a:rPr kumimoji="0" lang="en-US" altLang="ja-JP" sz="1200" b="0" i="0" u="none" strike="noStrike" kern="0" cap="none" spc="0" normalizeH="0" baseline="0" noProof="0" dirty="0" smtClean="0">
-                <a:ln>
-                  <a:noFill/>
-                </a:ln>
-                <a:solidFill>
-                  <a:prstClr val="black"/>
-                </a:solidFill>
-                <a:effectLst/>
-                <a:uLnTx/>
-                <a:uFillTx/>
-                <a:latin typeface="Gill Sans MT"/>
-                <a:ea typeface="HG明朝E" panose="02020909000000000000" pitchFamily="17" charset="-128"/>
-                <a:cs typeface="+mn-cs"/>
-              </a:rPr>
-              <a:t> Servient</a:t>
-            </a:r>
-            <a:endParaRPr kumimoji="0" lang="ja-JP" altLang="en-US" sz="1200" b="0" i="0" u="none" strike="noStrike" kern="0" cap="none" spc="0" normalizeH="0" baseline="0" noProof="0" dirty="0" err="1" smtClean="0">
-              <a:ln>
-                <a:noFill/>
-              </a:ln>
+              </a:rPr>
+              <a:t>Web Server</a:t>
+            </a:r>
+            <a:endParaRPr lang="ja-JP" altLang="en-US" sz="1200" kern="0" dirty="0" err="1" smtClean="0">
               <a:solidFill>
                 <a:prstClr val="black"/>
               </a:solidFill>
-              <a:effectLst/>
-              <a:uLnTx/>
-              <a:uFillTx/>
               <a:latin typeface="Gill Sans MT"/>
               <a:ea typeface="HG明朝E" panose="02020909000000000000" pitchFamily="17" charset="-128"/>
-              <a:cs typeface="+mn-cs"/>
             </a:endParaRPr>
           </a:p>
         </p:txBody>
@@ -33836,7 +34083,7 @@
         </p:nvSpPr>
         <p:spPr bwMode="gray">
           <a:xfrm>
-            <a:off x="2748293" y="5947501"/>
+            <a:off x="2691408" y="5947501"/>
             <a:ext cx="1186769" cy="478193"/>
           </a:xfrm>
           <a:prstGeom prst="roundRect">
@@ -33927,7 +34174,7 @@
               <a:defRPr/>
             </a:pPr>
             <a:r>
-              <a:rPr kumimoji="0" lang="en-US" altLang="ja-JP" sz="1200" b="0" i="0" u="none" strike="noStrike" kern="0" cap="none" spc="0" normalizeH="0" baseline="0" noProof="0" dirty="0" err="1" smtClean="0">
+              <a:rPr kumimoji="0" lang="en-US" altLang="ja-JP" sz="1200" b="0" i="0" u="none" strike="noStrike" kern="0" cap="none" spc="0" normalizeH="0" baseline="0" noProof="0" dirty="0" smtClean="0">
                 <a:ln>
                   <a:noFill/>
                 </a:ln>
@@ -33941,25 +34188,22 @@
                 <a:ea typeface="HG明朝E" panose="02020909000000000000" pitchFamily="17" charset="-128"/>
                 <a:cs typeface="+mn-cs"/>
               </a:rPr>
-              <a:t>WoT</a:t>
-            </a:r>
-            <a:r>
-              <a:rPr kumimoji="0" lang="en-US" altLang="ja-JP" sz="1200" b="0" i="0" u="none" strike="noStrike" kern="0" cap="none" spc="0" normalizeH="0" baseline="0" noProof="0" dirty="0" smtClean="0">
-                <a:ln>
-                  <a:noFill/>
-                </a:ln>
-                <a:solidFill>
-                  <a:prstClr val="black"/>
-                </a:solidFill>
-                <a:effectLst/>
-                <a:uLnTx/>
-                <a:uFillTx/>
-                <a:latin typeface="Gill Sans MT"/>
-                <a:ea typeface="HG明朝E" panose="02020909000000000000" pitchFamily="17" charset="-128"/>
-                <a:cs typeface="+mn-cs"/>
-              </a:rPr>
-              <a:t> Servient</a:t>
-            </a:r>
+              <a:t>Web Client</a:t>
+            </a:r>
+            <a:endParaRPr kumimoji="0" lang="en-US" altLang="ja-JP" sz="1200" b="0" i="0" u="none" strike="noStrike" kern="0" cap="none" spc="0" normalizeH="0" baseline="0" noProof="0" dirty="0" smtClean="0">
+              <a:ln>
+                <a:noFill/>
+              </a:ln>
+              <a:solidFill>
+                <a:prstClr val="black"/>
+              </a:solidFill>
+              <a:effectLst/>
+              <a:uLnTx/>
+              <a:uFillTx/>
+              <a:latin typeface="Gill Sans MT"/>
+              <a:ea typeface="HG明朝E" panose="02020909000000000000" pitchFamily="17" charset="-128"/>
+              <a:cs typeface="+mn-cs"/>
+            </a:endParaRPr>
           </a:p>
         </p:txBody>
       </p:sp>
@@ -33974,8 +34218,8 @@
         </p:nvCxnSpPr>
         <p:spPr bwMode="auto">
           <a:xfrm>
-            <a:off x="1004874" y="5333909"/>
-            <a:ext cx="1" cy="613592"/>
+            <a:off x="816627" y="5333909"/>
+            <a:ext cx="0" cy="613592"/>
           </a:xfrm>
           <a:prstGeom prst="straightConnector1">
             <a:avLst/>
@@ -34010,8 +34254,8 @@
         </p:nvCxnSpPr>
         <p:spPr bwMode="auto">
           <a:xfrm>
-            <a:off x="2156025" y="5333909"/>
-            <a:ext cx="2" cy="613592"/>
+            <a:off x="1981858" y="5333909"/>
+            <a:ext cx="13697" cy="615371"/>
           </a:xfrm>
           <a:prstGeom prst="straightConnector1">
             <a:avLst/>
@@ -34046,8 +34290,8 @@
         </p:nvCxnSpPr>
         <p:spPr bwMode="auto">
           <a:xfrm>
-            <a:off x="3341252" y="5333908"/>
-            <a:ext cx="426" cy="613593"/>
+            <a:off x="3282836" y="5333908"/>
+            <a:ext cx="1957" cy="613593"/>
           </a:xfrm>
           <a:prstGeom prst="straightConnector1">
             <a:avLst/>
@@ -34079,8 +34323,8 @@
         </p:nvSpPr>
         <p:spPr bwMode="gray">
           <a:xfrm>
-            <a:off x="35496" y="5563061"/>
-            <a:ext cx="865637" cy="344589"/>
+            <a:off x="0" y="5557436"/>
+            <a:ext cx="685109" cy="288032"/>
           </a:xfrm>
           <a:prstGeom prst="wedgeRoundRectCallout">
             <a:avLst>
@@ -34156,41 +34400,20 @@
           </a:bodyPr>
           <a:lstStyle/>
           <a:p>
-            <a:pPr marL="0" marR="0" lvl="0" indent="0" defTabSz="914400" eaLnBrk="1" fontAlgn="ctr" latinLnBrk="0" hangingPunct="1">
-              <a:lnSpc>
-                <a:spcPct val="100000"/>
-              </a:lnSpc>
-              <a:spcBef>
-                <a:spcPts val="0"/>
-              </a:spcBef>
-              <a:spcAft>
-                <a:spcPts val="0"/>
-              </a:spcAft>
-              <a:buClrTx/>
-              <a:buSzTx/>
-              <a:buFontTx/>
-              <a:buNone/>
-              <a:tabLst/>
+            <a:pPr lvl="0" fontAlgn="ctr">
               <a:defRPr/>
             </a:pPr>
             <a:r>
-              <a:rPr kumimoji="0" lang="en-US" altLang="ja-JP" sz="1050" b="0" i="0" u="none" strike="noStrike" kern="0" cap="none" spc="0" normalizeH="0" baseline="0" noProof="0" dirty="0" smtClean="0">
-                <a:ln>
-                  <a:noFill/>
-                </a:ln>
+              <a:rPr lang="en-US" altLang="ja-JP" sz="800" kern="0" dirty="0" smtClean="0">
                 <a:solidFill>
                   <a:prstClr val="black"/>
                 </a:solidFill>
-                <a:effectLst/>
-                <a:uLnTx/>
-                <a:uFillTx/>
                 <a:latin typeface="Gill Sans MT"/>
                 <a:ea typeface="ＭＳ Ｐゴシック" panose="020B0600070205080204" pitchFamily="50" charset="-128"/>
-                <a:cs typeface="+mn-cs"/>
-              </a:rPr>
-              <a:t>Propriety interface</a:t>
-            </a:r>
-            <a:endParaRPr kumimoji="0" lang="ja-JP" altLang="en-US" sz="1050" b="0" i="0" u="none" strike="noStrike" kern="0" cap="none" spc="0" normalizeH="0" baseline="0" noProof="0" dirty="0" smtClean="0">
+              </a:rPr>
+              <a:t>Proprietary interface</a:t>
+            </a:r>
+            <a:endParaRPr kumimoji="0" lang="ja-JP" altLang="en-US" sz="800" b="0" i="0" u="none" strike="noStrike" kern="0" cap="none" spc="0" normalizeH="0" baseline="0" noProof="0" dirty="0" smtClean="0">
               <a:ln>
                 <a:noFill/>
               </a:ln>
@@ -34319,66 +34542,14 @@
       </p:sp>
       <p:cxnSp>
         <p:nvCxnSpPr>
-          <p:cNvPr id="32" name="直線コネクタ 31"/>
-          <p:cNvCxnSpPr/>
-          <p:nvPr/>
-        </p:nvCxnSpPr>
-        <p:spPr bwMode="auto">
-          <a:xfrm flipV="1">
-            <a:off x="469085" y="2874972"/>
-            <a:ext cx="936104" cy="1"/>
-          </a:xfrm>
-          <a:prstGeom prst="line">
-            <a:avLst/>
-          </a:prstGeom>
-          <a:noFill/>
-          <a:ln w="25400" cap="flat" cmpd="sng" algn="ctr">
-            <a:solidFill>
-              <a:srgbClr val="9FB8CD"/>
-            </a:solidFill>
-            <a:prstDash val="sysDash"/>
-            <a:headEnd type="none" w="med" len="med"/>
-            <a:tailEnd type="none" w="med" len="med"/>
-          </a:ln>
-          <a:effectLst>
-            <a:outerShdw blurRad="50800" dist="43000" dir="5400000" rotWithShape="0">
-              <a:srgbClr val="000000">
-                <a:alpha val="40000"/>
-              </a:srgbClr>
-            </a:outerShdw>
-          </a:effectLst>
-          <a:scene3d>
-            <a:camera prst="orthographicFront" fov="0">
-              <a:rot lat="0" lon="0" rev="0"/>
-            </a:camera>
-            <a:lightRig rig="balanced" dir="t">
-              <a:rot lat="0" lon="0" rev="0"/>
-            </a:lightRig>
-          </a:scene3d>
-          <a:sp3d prstMaterial="matte">
-            <a:bevelT w="0" h="0"/>
-            <a:contourClr>
-              <a:srgbClr val="9FB8CD">
-                <a:tint val="100000"/>
-                <a:shade val="100000"/>
-                <a:hueMod val="100000"/>
-                <a:satMod val="100000"/>
-              </a:srgbClr>
-            </a:contourClr>
-          </a:sp3d>
-          <a:extLst/>
-        </p:spPr>
-      </p:cxnSp>
-      <p:cxnSp>
-        <p:nvCxnSpPr>
           <p:cNvPr id="33" name="直線コネクタ 32"/>
           <p:cNvCxnSpPr/>
           <p:nvPr/>
         </p:nvCxnSpPr>
         <p:spPr bwMode="auto">
           <a:xfrm flipV="1">
-            <a:off x="1621213" y="2874970"/>
-            <a:ext cx="936104" cy="1"/>
+            <a:off x="2103226" y="2874972"/>
+            <a:ext cx="699578" cy="1"/>
           </a:xfrm>
           <a:prstGeom prst="line">
             <a:avLst/>
@@ -34429,8 +34600,8 @@
         </p:nvCxnSpPr>
         <p:spPr bwMode="auto">
           <a:xfrm flipV="1">
-            <a:off x="2773341" y="2874968"/>
-            <a:ext cx="936104" cy="1"/>
+            <a:off x="3004105" y="2874970"/>
+            <a:ext cx="720080" cy="1"/>
           </a:xfrm>
           <a:prstGeom prst="line">
             <a:avLst/>
@@ -34481,7 +34652,7 @@
         </p:nvSpPr>
         <p:spPr bwMode="gray">
           <a:xfrm>
-            <a:off x="1716520" y="6191167"/>
+            <a:off x="1556048" y="6192946"/>
             <a:ext cx="1183813" cy="478193"/>
           </a:xfrm>
           <a:prstGeom prst="roundRect">
@@ -34554,53 +34725,45 @@
           </a:bodyPr>
           <a:lstStyle/>
           <a:p>
-            <a:pPr marL="0" marR="0" lvl="0" indent="0" algn="ctr" defTabSz="914400" eaLnBrk="1" fontAlgn="ctr" latinLnBrk="0" hangingPunct="1">
-              <a:lnSpc>
-                <a:spcPct val="100000"/>
-              </a:lnSpc>
-              <a:spcBef>
-                <a:spcPts val="0"/>
-              </a:spcBef>
-              <a:spcAft>
-                <a:spcPts val="0"/>
-              </a:spcAft>
-              <a:buClrTx/>
-              <a:buSzTx/>
-              <a:buFontTx/>
-              <a:buNone/>
-              <a:tabLst/>
+            <a:pPr lvl="0" algn="ctr" fontAlgn="ctr">
               <a:defRPr/>
             </a:pPr>
             <a:r>
-              <a:rPr kumimoji="0" lang="en-US" altLang="ja-JP" sz="1200" b="0" i="0" u="none" strike="noStrike" kern="0" cap="none" spc="0" normalizeH="0" baseline="0" noProof="0" dirty="0" smtClean="0">
-                <a:ln>
-                  <a:noFill/>
-                </a:ln>
+              <a:rPr lang="en-US" altLang="ja-JP" sz="1200" kern="0" dirty="0" err="1" smtClean="0">
                 <a:solidFill>
                   <a:prstClr val="black"/>
                 </a:solidFill>
-                <a:effectLst/>
-                <a:uLnTx/>
-                <a:uFillTx/>
                 <a:latin typeface="Gill Sans MT"/>
                 <a:ea typeface="HG明朝E" panose="02020909000000000000" pitchFamily="17" charset="-128"/>
-                <a:cs typeface="+mn-cs"/>
-              </a:rPr>
-              <a:t>Web Server</a:t>
-            </a:r>
-            <a:endParaRPr kumimoji="0" lang="ja-JP" altLang="en-US" sz="1200" b="0" i="0" u="none" strike="noStrike" kern="0" cap="none" spc="0" normalizeH="0" baseline="0" noProof="0" dirty="0" err="1" smtClean="0">
-              <a:ln>
-                <a:noFill/>
-              </a:ln>
+              </a:rPr>
+              <a:t>WoT</a:t>
+            </a:r>
+            <a:r>
+              <a:rPr lang="en-US" altLang="ja-JP" sz="1200" kern="0" dirty="0" smtClean="0">
+                <a:solidFill>
+                  <a:prstClr val="black"/>
+                </a:solidFill>
+                <a:latin typeface="Gill Sans MT"/>
+                <a:ea typeface="HG明朝E" panose="02020909000000000000" pitchFamily="17" charset="-128"/>
+              </a:rPr>
+              <a:t> </a:t>
+            </a:r>
+            <a:r>
+              <a:rPr lang="en-US" altLang="ja-JP" sz="1200" kern="0" dirty="0" err="1" smtClean="0">
+                <a:solidFill>
+                  <a:prstClr val="black"/>
+                </a:solidFill>
+                <a:latin typeface="Gill Sans MT"/>
+                <a:ea typeface="HG明朝E" panose="02020909000000000000" pitchFamily="17" charset="-128"/>
+              </a:rPr>
+              <a:t>Servient</a:t>
+            </a:r>
+            <a:endParaRPr lang="en-US" altLang="ja-JP" sz="1200" kern="0" dirty="0" smtClean="0">
               <a:solidFill>
                 <a:prstClr val="black"/>
               </a:solidFill>
-              <a:effectLst/>
-              <a:uLnTx/>
-              <a:uFillTx/>
               <a:latin typeface="Gill Sans MT"/>
               <a:ea typeface="HG明朝E" panose="02020909000000000000" pitchFamily="17" charset="-128"/>
-              <a:cs typeface="+mn-cs"/>
             </a:endParaRPr>
           </a:p>
         </p:txBody>
@@ -34613,7 +34776,7 @@
         </p:nvSpPr>
         <p:spPr bwMode="gray">
           <a:xfrm>
-            <a:off x="2900693" y="6191167"/>
+            <a:off x="2843808" y="6191167"/>
             <a:ext cx="1186769" cy="478193"/>
           </a:xfrm>
           <a:prstGeom prst="roundRect">
@@ -34686,40 +34849,46 @@
           </a:bodyPr>
           <a:lstStyle/>
           <a:p>
-            <a:pPr marL="0" marR="0" lvl="0" indent="0" algn="ctr" defTabSz="914400" eaLnBrk="1" fontAlgn="ctr" latinLnBrk="0" hangingPunct="1">
-              <a:lnSpc>
-                <a:spcPct val="100000"/>
-              </a:lnSpc>
-              <a:spcBef>
-                <a:spcPts val="0"/>
-              </a:spcBef>
-              <a:spcAft>
-                <a:spcPts val="0"/>
-              </a:spcAft>
-              <a:buClrTx/>
-              <a:buSzTx/>
-              <a:buFontTx/>
-              <a:buNone/>
-              <a:tabLst/>
+            <a:pPr lvl="0" algn="ctr" fontAlgn="ctr">
               <a:defRPr/>
             </a:pPr>
             <a:r>
-              <a:rPr kumimoji="0" lang="en-US" altLang="ja-JP" sz="1200" b="0" i="0" u="none" strike="noStrike" kern="0" cap="none" spc="0" normalizeH="0" baseline="0" noProof="0" dirty="0" smtClean="0">
-                <a:ln>
-                  <a:noFill/>
-                </a:ln>
+              <a:rPr lang="en-US" altLang="ja-JP" sz="1200" kern="0" dirty="0" err="1" smtClean="0">
                 <a:solidFill>
                   <a:prstClr val="black"/>
                 </a:solidFill>
-                <a:effectLst/>
-                <a:uLnTx/>
-                <a:uFillTx/>
                 <a:latin typeface="Gill Sans MT"/>
                 <a:ea typeface="HG明朝E" panose="02020909000000000000" pitchFamily="17" charset="-128"/>
-                <a:cs typeface="+mn-cs"/>
-              </a:rPr>
-              <a:t>Web Client</a:t>
-            </a:r>
+              </a:rPr>
+              <a:t>WoT</a:t>
+            </a:r>
+            <a:r>
+              <a:rPr lang="en-US" altLang="ja-JP" sz="1200" kern="0" dirty="0" smtClean="0">
+                <a:solidFill>
+                  <a:prstClr val="black"/>
+                </a:solidFill>
+                <a:latin typeface="Gill Sans MT"/>
+                <a:ea typeface="HG明朝E" panose="02020909000000000000" pitchFamily="17" charset="-128"/>
+              </a:rPr>
+              <a:t> </a:t>
+            </a:r>
+            <a:r>
+              <a:rPr lang="en-US" altLang="ja-JP" sz="1200" kern="0" dirty="0" err="1" smtClean="0">
+                <a:solidFill>
+                  <a:prstClr val="black"/>
+                </a:solidFill>
+                <a:latin typeface="Gill Sans MT"/>
+                <a:ea typeface="HG明朝E" panose="02020909000000000000" pitchFamily="17" charset="-128"/>
+              </a:rPr>
+              <a:t>Servient</a:t>
+            </a:r>
+            <a:endParaRPr lang="en-US" altLang="ja-JP" sz="1200" kern="0" dirty="0" smtClean="0">
+              <a:solidFill>
+                <a:prstClr val="black"/>
+              </a:solidFill>
+              <a:latin typeface="Gill Sans MT"/>
+              <a:ea typeface="HG明朝E" panose="02020909000000000000" pitchFamily="17" charset="-128"/>
+            </a:endParaRPr>
           </a:p>
         </p:txBody>
       </p:sp>
@@ -35229,8 +35398,8 @@
         </p:nvCxnSpPr>
         <p:spPr>
           <a:xfrm rot="5400000">
-            <a:off x="3173930" y="5075232"/>
-            <a:ext cx="2268564" cy="441500"/>
+            <a:off x="3145488" y="5046790"/>
+            <a:ext cx="2268564" cy="498385"/>
           </a:xfrm>
           <a:prstGeom prst="bentConnector2">
             <a:avLst/>
@@ -35258,10 +35427,287 @@
           </a:fontRef>
         </p:style>
       </p:cxnSp>
+      <p:cxnSp>
+        <p:nvCxnSpPr>
+          <p:cNvPr id="39" name="直線矢印コネクタ 12"/>
+          <p:cNvCxnSpPr/>
+          <p:nvPr/>
+        </p:nvCxnSpPr>
+        <p:spPr bwMode="auto">
+          <a:xfrm>
+            <a:off x="1863261" y="2532168"/>
+            <a:ext cx="0" cy="484315"/>
+          </a:xfrm>
+          <a:prstGeom prst="straightConnector1">
+            <a:avLst/>
+          </a:prstGeom>
+          <a:noFill/>
+          <a:ln w="19050" cap="flat" cmpd="sng" algn="ctr">
+            <a:solidFill>
+              <a:sysClr val="windowText" lastClr="000000"/>
+            </a:solidFill>
+            <a:prstDash val="solid"/>
+            <a:headEnd type="arrow"/>
+            <a:tailEnd type="arrow"/>
+          </a:ln>
+          <a:effectLst>
+            <a:outerShdw blurRad="38100" dist="25400" dir="5400000" rotWithShape="0">
+              <a:srgbClr val="000000">
+                <a:alpha val="40000"/>
+              </a:srgbClr>
+            </a:outerShdw>
+          </a:effectLst>
+          <a:extLst/>
+        </p:spPr>
+      </p:cxnSp>
+      <p:sp>
+        <p:nvSpPr>
+          <p:cNvPr id="45" name="テキスト ボックス 13"/>
+          <p:cNvSpPr txBox="1"/>
+          <p:nvPr/>
+        </p:nvSpPr>
+        <p:spPr>
+          <a:xfrm>
+            <a:off x="827584" y="2665048"/>
+            <a:ext cx="1080120" cy="276999"/>
+          </a:xfrm>
+          <a:prstGeom prst="rect">
+            <a:avLst/>
+          </a:prstGeom>
+          <a:noFill/>
+        </p:spPr>
+        <p:txBody>
+          <a:bodyPr wrap="square" rtlCol="0">
+            <a:spAutoFit/>
+          </a:bodyPr>
+          <a:lstStyle/>
+          <a:p>
+            <a:pPr fontAlgn="auto">
+              <a:spcBef>
+                <a:spcPts val="0"/>
+              </a:spcBef>
+              <a:spcAft>
+                <a:spcPts val="0"/>
+              </a:spcAft>
+            </a:pPr>
+            <a:r>
+              <a:rPr lang="en-US" altLang="ja-JP" sz="1200" dirty="0" smtClean="0">
+                <a:solidFill>
+                  <a:prstClr val="black"/>
+                </a:solidFill>
+                <a:latin typeface="Gill Sans MT"/>
+                <a:ea typeface="HG明朝E" panose="02020909000000000000" pitchFamily="17" charset="-128"/>
+              </a:rPr>
+              <a:t>Discovery API</a:t>
+            </a:r>
+            <a:endParaRPr lang="en-US" altLang="ja-JP" sz="1200" dirty="0" smtClean="0">
+              <a:solidFill>
+                <a:prstClr val="black"/>
+              </a:solidFill>
+              <a:latin typeface="Gill Sans MT"/>
+              <a:ea typeface="HG明朝E" panose="02020909000000000000" pitchFamily="17" charset="-128"/>
+            </a:endParaRPr>
+          </a:p>
+        </p:txBody>
+      </p:sp>
+      <p:cxnSp>
+        <p:nvCxnSpPr>
+          <p:cNvPr id="46" name="直線コネクタ 32"/>
+          <p:cNvCxnSpPr/>
+          <p:nvPr/>
+        </p:nvCxnSpPr>
+        <p:spPr bwMode="auto">
+          <a:xfrm flipV="1">
+            <a:off x="927728" y="2881074"/>
+            <a:ext cx="936104" cy="1"/>
+          </a:xfrm>
+          <a:prstGeom prst="line">
+            <a:avLst/>
+          </a:prstGeom>
+          <a:noFill/>
+          <a:ln w="25400" cap="flat" cmpd="sng" algn="ctr">
+            <a:solidFill>
+              <a:srgbClr val="9FB8CD"/>
+            </a:solidFill>
+            <a:prstDash val="sysDash"/>
+            <a:headEnd type="none" w="med" len="med"/>
+            <a:tailEnd type="none" w="med" len="med"/>
+          </a:ln>
+          <a:effectLst>
+            <a:outerShdw blurRad="50800" dist="43000" dir="5400000" rotWithShape="0">
+              <a:srgbClr val="000000">
+                <a:alpha val="40000"/>
+              </a:srgbClr>
+            </a:outerShdw>
+          </a:effectLst>
+          <a:scene3d>
+            <a:camera prst="orthographicFront" fov="0">
+              <a:rot lat="0" lon="0" rev="0"/>
+            </a:camera>
+            <a:lightRig rig="balanced" dir="t">
+              <a:rot lat="0" lon="0" rev="0"/>
+            </a:lightRig>
+          </a:scene3d>
+          <a:sp3d prstMaterial="matte">
+            <a:bevelT w="0" h="0"/>
+            <a:contourClr>
+              <a:srgbClr val="9FB8CD">
+                <a:tint val="100000"/>
+                <a:shade val="100000"/>
+                <a:hueMod val="100000"/>
+                <a:satMod val="100000"/>
+              </a:srgbClr>
+            </a:contourClr>
+          </a:sp3d>
+          <a:extLst/>
+        </p:spPr>
+      </p:cxnSp>
+      <p:cxnSp>
+        <p:nvCxnSpPr>
+          <p:cNvPr id="61" name="直線矢印コネクタ 12"/>
+          <p:cNvCxnSpPr/>
+          <p:nvPr/>
+        </p:nvCxnSpPr>
+        <p:spPr bwMode="auto">
+          <a:xfrm>
+            <a:off x="783141" y="2524700"/>
+            <a:ext cx="0" cy="484315"/>
+          </a:xfrm>
+          <a:prstGeom prst="straightConnector1">
+            <a:avLst/>
+          </a:prstGeom>
+          <a:noFill/>
+          <a:ln w="19050" cap="flat" cmpd="sng" algn="ctr">
+            <a:solidFill>
+              <a:schemeClr val="bg2">
+                <a:lumMod val="25000"/>
+              </a:schemeClr>
+            </a:solidFill>
+            <a:prstDash val="solid"/>
+            <a:headEnd type="arrow"/>
+            <a:tailEnd type="arrow"/>
+          </a:ln>
+          <a:effectLst>
+            <a:outerShdw blurRad="38100" dist="25400" dir="5400000" rotWithShape="0">
+              <a:srgbClr val="000000">
+                <a:alpha val="40000"/>
+              </a:srgbClr>
+            </a:outerShdw>
+          </a:effectLst>
+          <a:extLst/>
+        </p:spPr>
+      </p:cxnSp>
+      <p:sp>
+        <p:nvSpPr>
+          <p:cNvPr id="62" name="テキスト ボックス 13"/>
+          <p:cNvSpPr txBox="1"/>
+          <p:nvPr/>
+        </p:nvSpPr>
+        <p:spPr>
+          <a:xfrm>
+            <a:off x="-47708" y="2657580"/>
+            <a:ext cx="939349" cy="276999"/>
+          </a:xfrm>
+          <a:prstGeom prst="rect">
+            <a:avLst/>
+          </a:prstGeom>
+          <a:noFill/>
+          <a:ln>
+            <a:noFill/>
+          </a:ln>
+        </p:spPr>
+        <p:txBody>
+          <a:bodyPr wrap="square" rtlCol="0">
+            <a:spAutoFit/>
+          </a:bodyPr>
+          <a:lstStyle/>
+          <a:p>
+            <a:pPr fontAlgn="auto">
+              <a:spcBef>
+                <a:spcPts val="0"/>
+              </a:spcBef>
+              <a:spcAft>
+                <a:spcPts val="0"/>
+              </a:spcAft>
+            </a:pPr>
+            <a:r>
+              <a:rPr lang="en-US" altLang="ja-JP" sz="1200" dirty="0" smtClean="0">
+                <a:solidFill>
+                  <a:prstClr val="black"/>
+                </a:solidFill>
+                <a:latin typeface="Gill Sans MT"/>
+                <a:ea typeface="HG明朝E" panose="02020909000000000000" pitchFamily="17" charset="-128"/>
+              </a:rPr>
+              <a:t>(Propr. API)</a:t>
+            </a:r>
+            <a:endParaRPr lang="en-US" altLang="ja-JP" sz="1200" dirty="0" smtClean="0">
+              <a:solidFill>
+                <a:prstClr val="black"/>
+              </a:solidFill>
+              <a:latin typeface="Gill Sans MT"/>
+              <a:ea typeface="HG明朝E" panose="02020909000000000000" pitchFamily="17" charset="-128"/>
+            </a:endParaRPr>
+          </a:p>
+        </p:txBody>
+      </p:sp>
+      <p:cxnSp>
+        <p:nvCxnSpPr>
+          <p:cNvPr id="63" name="直線コネクタ 32"/>
+          <p:cNvCxnSpPr/>
+          <p:nvPr/>
+        </p:nvCxnSpPr>
+        <p:spPr bwMode="auto">
+          <a:xfrm>
+            <a:off x="79368" y="2873606"/>
+            <a:ext cx="676208" cy="1"/>
+          </a:xfrm>
+          <a:prstGeom prst="line">
+            <a:avLst/>
+          </a:prstGeom>
+          <a:noFill/>
+          <a:ln w="25400" cap="flat" cmpd="sng" algn="ctr">
+            <a:solidFill>
+              <a:schemeClr val="bg2">
+                <a:lumMod val="25000"/>
+              </a:schemeClr>
+            </a:solidFill>
+            <a:prstDash val="sysDash"/>
+            <a:headEnd type="none" w="med" len="med"/>
+            <a:tailEnd type="none" w="med" len="med"/>
+          </a:ln>
+          <a:effectLst>
+            <a:outerShdw blurRad="50800" dist="43000" dir="5400000" rotWithShape="0">
+              <a:srgbClr val="000000">
+                <a:alpha val="40000"/>
+              </a:srgbClr>
+            </a:outerShdw>
+          </a:effectLst>
+          <a:scene3d>
+            <a:camera prst="orthographicFront" fov="0">
+              <a:rot lat="0" lon="0" rev="0"/>
+            </a:camera>
+            <a:lightRig rig="balanced" dir="t">
+              <a:rot lat="0" lon="0" rev="0"/>
+            </a:lightRig>
+          </a:scene3d>
+          <a:sp3d prstMaterial="matte">
+            <a:bevelT w="0" h="0"/>
+            <a:contourClr>
+              <a:srgbClr val="9FB8CD">
+                <a:tint val="100000"/>
+                <a:shade val="100000"/>
+                <a:hueMod val="100000"/>
+                <a:satMod val="100000"/>
+              </a:srgbClr>
+            </a:contourClr>
+          </a:sp3d>
+          <a:extLst/>
+        </p:spPr>
+      </p:cxnSp>
     </p:spTree>
     <p:extLst>
       <p:ext uri="{BB962C8B-B14F-4D97-AF65-F5344CB8AC3E}">
-        <p14:creationId xmlns:p14="http://schemas.microsoft.com/office/powerpoint/2010/main" xmlns="" val="1066001244"/>
+        <p14:creationId xmlns="" xmlns:p14="http://schemas.microsoft.com/office/powerpoint/2010/main" val="1066001244"/>
       </p:ext>
     </p:extLst>
   </p:cSld>
@@ -39270,8 +39716,8 @@
         </p:nvSpPr>
         <p:spPr bwMode="gray">
           <a:xfrm>
-            <a:off x="4704513" y="6384610"/>
-            <a:ext cx="908595" cy="375173"/>
+            <a:off x="4644008" y="6381328"/>
+            <a:ext cx="731583" cy="375173"/>
           </a:xfrm>
           <a:prstGeom prst="roundRect">
             <a:avLst/>
@@ -39554,8 +40000,8 @@
         </p:nvSpPr>
         <p:spPr bwMode="auto">
           <a:xfrm>
-            <a:off x="1925366" y="5764188"/>
-            <a:ext cx="911944" cy="356125"/>
+            <a:off x="1736404" y="5764188"/>
+            <a:ext cx="1251420" cy="356125"/>
           </a:xfrm>
           <a:prstGeom prst="roundRect">
             <a:avLst/>
@@ -39734,8 +40180,8 @@
         </p:nvSpPr>
         <p:spPr bwMode="auto">
           <a:xfrm>
-            <a:off x="6526002" y="5764188"/>
-            <a:ext cx="921702" cy="359791"/>
+            <a:off x="6372200" y="5764188"/>
+            <a:ext cx="1055862" cy="359791"/>
           </a:xfrm>
           <a:prstGeom prst="roundRect">
             <a:avLst/>
@@ -39799,8 +40245,8 @@
         </p:nvSpPr>
         <p:spPr bwMode="auto">
           <a:xfrm>
-            <a:off x="5616456" y="5764188"/>
-            <a:ext cx="904419" cy="359792"/>
+            <a:off x="5364088" y="5764188"/>
+            <a:ext cx="1008112" cy="359792"/>
           </a:xfrm>
           <a:prstGeom prst="roundRect">
             <a:avLst/>
@@ -39864,8 +40310,8 @@
         </p:nvSpPr>
         <p:spPr bwMode="auto">
           <a:xfrm>
-            <a:off x="5652120" y="5351655"/>
-            <a:ext cx="1795584" cy="364002"/>
+            <a:off x="5364088" y="5351655"/>
+            <a:ext cx="2047952" cy="364002"/>
           </a:xfrm>
           <a:prstGeom prst="roundRect">
             <a:avLst/>
@@ -39929,8 +40375,8 @@
         </p:nvSpPr>
         <p:spPr bwMode="auto">
           <a:xfrm>
-            <a:off x="5652119" y="4915505"/>
-            <a:ext cx="1795585" cy="375174"/>
+            <a:off x="5364088" y="4915505"/>
+            <a:ext cx="2047953" cy="375174"/>
           </a:xfrm>
           <a:prstGeom prst="roundRect">
             <a:avLst/>
@@ -40075,7 +40521,7 @@
         <p:spPr bwMode="auto">
           <a:xfrm>
             <a:off x="4704514" y="4930726"/>
-            <a:ext cx="911942" cy="1193255"/>
+            <a:ext cx="587566" cy="1193255"/>
           </a:xfrm>
           <a:prstGeom prst="roundRect">
             <a:avLst>
@@ -40236,8 +40682,8 @@
         </p:nvSpPr>
         <p:spPr bwMode="auto">
           <a:xfrm>
-            <a:off x="4704513" y="4479356"/>
-            <a:ext cx="911943" cy="375173"/>
+            <a:off x="4704513" y="4407348"/>
+            <a:ext cx="2675799" cy="375173"/>
           </a:xfrm>
           <a:prstGeom prst="roundRect">
             <a:avLst/>
@@ -40265,6 +40711,64 @@
           </a:bodyPr>
           <a:lstStyle/>
           <a:p>
+            <a:pPr algn="ctr" fontAlgn="ctr"/>
+            <a:r>
+              <a:rPr lang="en-US" altLang="ja-JP" sz="1050" dirty="0" smtClean="0">
+                <a:solidFill>
+                  <a:schemeClr val="bg1"/>
+                </a:solidFill>
+                <a:latin typeface="Gill Sans MT"/>
+                <a:ea typeface="HG明朝E" panose="02020909000000000000" pitchFamily="17" charset="-128"/>
+              </a:rPr>
+              <a:t>Runtime Environment</a:t>
+            </a:r>
+            <a:endParaRPr lang="ja-JP" altLang="en-US" sz="1050" dirty="0" smtClean="0">
+              <a:solidFill>
+                <a:schemeClr val="bg1"/>
+              </a:solidFill>
+              <a:latin typeface="Gill Sans MT"/>
+              <a:ea typeface="HG明朝E" panose="02020909000000000000" pitchFamily="17" charset="-128"/>
+            </a:endParaRPr>
+          </a:p>
+        </p:txBody>
+      </p:sp>
+      <p:sp>
+        <p:nvSpPr>
+          <p:cNvPr id="69" name="角丸四角形 24"/>
+          <p:cNvSpPr/>
+          <p:nvPr/>
+        </p:nvSpPr>
+        <p:spPr bwMode="auto">
+          <a:xfrm>
+            <a:off x="1736404" y="5351655"/>
+            <a:ext cx="1251422" cy="353528"/>
+          </a:xfrm>
+          <a:prstGeom prst="roundRect">
+            <a:avLst/>
+          </a:prstGeom>
+          <a:solidFill>
+            <a:srgbClr val="92D050"/>
+          </a:solidFill>
+          <a:ln w="25400" cap="flat" cmpd="sng" algn="ctr">
+            <a:solidFill>
+              <a:srgbClr val="1BA12B"/>
+            </a:solidFill>
+            <a:prstDash val="solid"/>
+            <a:round/>
+            <a:headEnd type="none" w="med" len="med"/>
+            <a:tailEnd type="none" w="med" len="med"/>
+          </a:ln>
+          <a:effectLst/>
+          <a:extLst/>
+        </p:spPr>
+        <p:txBody>
+          <a:bodyPr vert="horz" wrap="square" lIns="91440" tIns="45720" rIns="91440" bIns="45720" numCol="1" rtlCol="0" anchor="ctr" anchorCtr="0" compatLnSpc="1">
+            <a:prstTxWarp prst="textNoShape">
+              <a:avLst/>
+            </a:prstTxWarp>
+          </a:bodyPr>
+          <a:lstStyle/>
+          <a:p>
             <a:pPr algn="ctr" fontAlgn="ctr">
               <a:spcBef>
                 <a:spcPct val="0"/>
@@ -40276,26 +40780,118 @@
             <a:r>
               <a:rPr kumimoji="1" lang="en-US" altLang="ja-JP" sz="1050" dirty="0" smtClean="0">
                 <a:solidFill>
-                  <a:schemeClr val="bg1"/>
+                  <a:prstClr val="black"/>
                 </a:solidFill>
                 <a:latin typeface="Gill Sans MT"/>
                 <a:ea typeface="HG明朝E" panose="02020909000000000000" pitchFamily="17" charset="-128"/>
               </a:rPr>
-              <a:t>Physical API</a:t>
-            </a:r>
+              <a:t>Protocol Binding</a:t>
+            </a:r>
+            <a:endParaRPr kumimoji="1" lang="ja-JP" altLang="en-US" sz="1050" dirty="0" smtClean="0">
+              <a:solidFill>
+                <a:prstClr val="black"/>
+              </a:solidFill>
+              <a:latin typeface="Gill Sans MT"/>
+              <a:ea typeface="HG明朝E" panose="02020909000000000000" pitchFamily="17" charset="-128"/>
+            </a:endParaRPr>
           </a:p>
         </p:txBody>
       </p:sp>
       <p:sp>
         <p:nvSpPr>
-          <p:cNvPr id="64" name="角丸四角形 21"/>
+          <p:cNvPr id="70" name="角丸四角形 21"/>
           <p:cNvSpPr/>
           <p:nvPr/>
         </p:nvSpPr>
         <p:spPr bwMode="auto">
           <a:xfrm>
-            <a:off x="5613108" y="4479355"/>
-            <a:ext cx="907767" cy="375173"/>
+            <a:off x="1736404" y="4913413"/>
+            <a:ext cx="1251420" cy="375173"/>
+          </a:xfrm>
+          <a:prstGeom prst="roundRect">
+            <a:avLst/>
+          </a:prstGeom>
+          <a:solidFill>
+            <a:srgbClr val="0070C0"/>
+          </a:solidFill>
+          <a:ln w="25400" cap="flat" cmpd="sng" algn="ctr">
+            <a:solidFill>
+              <a:srgbClr val="0000FF"/>
+            </a:solidFill>
+            <a:prstDash val="solid"/>
+            <a:round/>
+            <a:headEnd type="none" w="med" len="med"/>
+            <a:tailEnd type="none" w="med" len="med"/>
+          </a:ln>
+          <a:effectLst/>
+          <a:extLst/>
+        </p:spPr>
+        <p:txBody>
+          <a:bodyPr vert="horz" wrap="square" lIns="91440" tIns="45720" rIns="91440" bIns="45720" numCol="1" rtlCol="0" anchor="ctr" anchorCtr="0" compatLnSpc="1">
+            <a:prstTxWarp prst="textNoShape">
+              <a:avLst/>
+            </a:prstTxWarp>
+          </a:bodyPr>
+          <a:lstStyle/>
+          <a:p>
+            <a:pPr algn="ctr" fontAlgn="ctr">
+              <a:spcBef>
+                <a:spcPct val="0"/>
+              </a:spcBef>
+              <a:spcAft>
+                <a:spcPct val="0"/>
+              </a:spcAft>
+            </a:pPr>
+            <a:r>
+              <a:rPr kumimoji="1" lang="en-US" altLang="ja-JP" sz="1050" dirty="0" smtClean="0">
+                <a:solidFill>
+                  <a:schemeClr val="bg1"/>
+                </a:solidFill>
+                <a:latin typeface="Gill Sans MT"/>
+                <a:ea typeface="HG明朝E" panose="02020909000000000000" pitchFamily="17" charset="-128"/>
+              </a:rPr>
+              <a:t>Resource</a:t>
+            </a:r>
+            <a:r>
+              <a:rPr kumimoji="1" lang="ja-JP" altLang="en-US" sz="1050">
+                <a:solidFill>
+                  <a:schemeClr val="bg1"/>
+                </a:solidFill>
+                <a:latin typeface="Gill Sans MT"/>
+                <a:ea typeface="HG明朝E" panose="02020909000000000000" pitchFamily="17" charset="-128"/>
+              </a:rPr>
+              <a:t> </a:t>
+            </a:r>
+            <a:r>
+              <a:rPr kumimoji="1" lang="en-US" altLang="ja-JP" sz="1050" dirty="0" smtClean="0">
+                <a:solidFill>
+                  <a:schemeClr val="bg1"/>
+                </a:solidFill>
+                <a:latin typeface="Gill Sans MT"/>
+                <a:ea typeface="HG明朝E" panose="02020909000000000000" pitchFamily="17" charset="-128"/>
+              </a:rPr>
+              <a:t>Model</a:t>
+            </a:r>
+            <a:endParaRPr kumimoji="1" lang="ja-JP" altLang="en-US" sz="1050" dirty="0" smtClean="0">
+              <a:solidFill>
+                <a:schemeClr val="bg1"/>
+              </a:solidFill>
+              <a:latin typeface="Gill Sans MT"/>
+              <a:ea typeface="HG明朝E" panose="02020909000000000000" pitchFamily="17" charset="-128"/>
+            </a:endParaRPr>
+          </a:p>
+        </p:txBody>
+      </p:sp>
+      <p:sp>
+        <p:nvSpPr>
+          <p:cNvPr id="71" name="角丸四角形 21"/>
+          <p:cNvSpPr/>
+          <p:nvPr/>
+        </p:nvSpPr>
+        <p:spPr bwMode="auto">
+          <a:xfrm>
+            <a:off x="1736404" y="4437112"/>
+            <a:ext cx="1251422" cy="375173"/>
           </a:xfrm>
           <a:prstGeom prst="roundRect">
             <a:avLst/>
@@ -40323,226 +40919,38 @@
           </a:bodyPr>
           <a:lstStyle/>
           <a:p>
-            <a:pPr algn="ctr" fontAlgn="ctr">
-              <a:spcBef>
-                <a:spcPct val="0"/>
-              </a:spcBef>
-              <a:spcAft>
-                <a:spcPct val="0"/>
-              </a:spcAft>
-            </a:pPr>
-            <a:r>
-              <a:rPr kumimoji="1" lang="en-US" altLang="ja-JP" sz="1050" dirty="0" smtClean="0">
+            <a:pPr algn="ctr" fontAlgn="ctr"/>
+            <a:r>
+              <a:rPr lang="en-US" altLang="ja-JP" sz="1050" dirty="0" smtClean="0">
                 <a:solidFill>
                   <a:schemeClr val="bg1"/>
                 </a:solidFill>
                 <a:latin typeface="Gill Sans MT"/>
                 <a:ea typeface="HG明朝E" panose="02020909000000000000" pitchFamily="17" charset="-128"/>
               </a:rPr>
-              <a:t>Server API</a:t>
-            </a:r>
-          </a:p>
-        </p:txBody>
-      </p:sp>
-      <p:sp>
-        <p:nvSpPr>
-          <p:cNvPr id="65" name="角丸四角形 21"/>
-          <p:cNvSpPr/>
-          <p:nvPr/>
-        </p:nvSpPr>
-        <p:spPr bwMode="auto">
-          <a:xfrm>
-            <a:off x="6520875" y="4479354"/>
-            <a:ext cx="926829" cy="375173"/>
-          </a:xfrm>
-          <a:prstGeom prst="roundRect">
-            <a:avLst/>
-          </a:prstGeom>
-          <a:solidFill>
-            <a:srgbClr val="7030A0"/>
-          </a:solidFill>
-          <a:ln w="25400" cap="flat" cmpd="sng" algn="ctr">
-            <a:solidFill>
-              <a:schemeClr val="tx1"/>
-            </a:solidFill>
-            <a:prstDash val="solid"/>
-            <a:round/>
-            <a:headEnd type="none" w="med" len="med"/>
-            <a:tailEnd type="none" w="med" len="med"/>
-          </a:ln>
-          <a:effectLst/>
-          <a:extLst/>
-        </p:spPr>
-        <p:txBody>
-          <a:bodyPr vert="horz" wrap="square" lIns="91440" tIns="45720" rIns="91440" bIns="45720" numCol="1" rtlCol="0" anchor="ctr" anchorCtr="0" compatLnSpc="1">
-            <a:prstTxWarp prst="textNoShape">
-              <a:avLst/>
-            </a:prstTxWarp>
-          </a:bodyPr>
-          <a:lstStyle/>
-          <a:p>
-            <a:pPr algn="ctr" fontAlgn="ctr">
-              <a:spcBef>
-                <a:spcPct val="0"/>
-              </a:spcBef>
-              <a:spcAft>
-                <a:spcPct val="0"/>
-              </a:spcAft>
-            </a:pPr>
-            <a:r>
-              <a:rPr kumimoji="1" lang="en-US" altLang="ja-JP" sz="1050" dirty="0" smtClean="0">
+              <a:t>Runtime </a:t>
+            </a:r>
+            <a:r>
+              <a:rPr lang="en-US" altLang="ja-JP" sz="1050" dirty="0" err="1" smtClean="0">
                 <a:solidFill>
                   <a:schemeClr val="bg1"/>
                 </a:solidFill>
                 <a:latin typeface="Gill Sans MT"/>
                 <a:ea typeface="HG明朝E" panose="02020909000000000000" pitchFamily="17" charset="-128"/>
               </a:rPr>
-              <a:t>Client API</a:t>
-            </a:r>
-          </a:p>
-        </p:txBody>
-      </p:sp>
-      <p:sp>
-        <p:nvSpPr>
-          <p:cNvPr id="69" name="角丸四角形 24"/>
-          <p:cNvSpPr/>
-          <p:nvPr/>
-        </p:nvSpPr>
-        <p:spPr bwMode="auto">
-          <a:xfrm>
-            <a:off x="1906142" y="5351655"/>
-            <a:ext cx="911945" cy="353528"/>
-          </a:xfrm>
-          <a:prstGeom prst="roundRect">
-            <a:avLst/>
-          </a:prstGeom>
-          <a:solidFill>
-            <a:srgbClr val="92D050"/>
-          </a:solidFill>
-          <a:ln w="25400" cap="flat" cmpd="sng" algn="ctr">
-            <a:solidFill>
-              <a:srgbClr val="1BA12B"/>
-            </a:solidFill>
-            <a:prstDash val="solid"/>
-            <a:round/>
-            <a:headEnd type="none" w="med" len="med"/>
-            <a:tailEnd type="none" w="med" len="med"/>
-          </a:ln>
-          <a:effectLst/>
-          <a:extLst/>
-        </p:spPr>
-        <p:txBody>
-          <a:bodyPr vert="horz" wrap="square" lIns="91440" tIns="45720" rIns="91440" bIns="45720" numCol="1" rtlCol="0" anchor="ctr" anchorCtr="0" compatLnSpc="1">
-            <a:prstTxWarp prst="textNoShape">
-              <a:avLst/>
-            </a:prstTxWarp>
-          </a:bodyPr>
-          <a:lstStyle/>
-          <a:p>
-            <a:pPr algn="ctr" fontAlgn="ctr">
-              <a:spcBef>
-                <a:spcPct val="0"/>
-              </a:spcBef>
-              <a:spcAft>
-                <a:spcPct val="0"/>
-              </a:spcAft>
-            </a:pPr>
-            <a:r>
-              <a:rPr kumimoji="1" lang="en-US" altLang="ja-JP" sz="1050" dirty="0" smtClean="0">
-                <a:solidFill>
-                  <a:prstClr val="black"/>
+              <a:t>Env</a:t>
+            </a:r>
+            <a:r>
+              <a:rPr lang="en-US" altLang="ja-JP" sz="1050" dirty="0" smtClean="0">
+                <a:solidFill>
+                  <a:schemeClr val="bg1"/>
                 </a:solidFill>
                 <a:latin typeface="Gill Sans MT"/>
                 <a:ea typeface="HG明朝E" panose="02020909000000000000" pitchFamily="17" charset="-128"/>
               </a:rPr>
-              <a:t>Protocol Binding</a:t>
-            </a:r>
-            <a:endParaRPr kumimoji="1" lang="ja-JP" altLang="en-US" sz="1050" dirty="0" smtClean="0">
-              <a:solidFill>
-                <a:prstClr val="black"/>
-              </a:solidFill>
-              <a:latin typeface="Gill Sans MT"/>
-              <a:ea typeface="HG明朝E" panose="02020909000000000000" pitchFamily="17" charset="-128"/>
-            </a:endParaRPr>
-          </a:p>
-        </p:txBody>
-      </p:sp>
-      <p:sp>
-        <p:nvSpPr>
-          <p:cNvPr id="70" name="角丸四角形 21"/>
-          <p:cNvSpPr/>
-          <p:nvPr/>
-        </p:nvSpPr>
-        <p:spPr bwMode="auto">
-          <a:xfrm>
-            <a:off x="1906143" y="4913413"/>
-            <a:ext cx="911944" cy="375173"/>
-          </a:xfrm>
-          <a:prstGeom prst="roundRect">
-            <a:avLst/>
-          </a:prstGeom>
-          <a:solidFill>
-            <a:srgbClr val="0070C0"/>
-          </a:solidFill>
-          <a:ln w="25400" cap="flat" cmpd="sng" algn="ctr">
-            <a:solidFill>
-              <a:srgbClr val="0000FF"/>
-            </a:solidFill>
-            <a:prstDash val="solid"/>
-            <a:round/>
-            <a:headEnd type="none" w="med" len="med"/>
-            <a:tailEnd type="none" w="med" len="med"/>
-          </a:ln>
-          <a:effectLst/>
-          <a:extLst/>
-        </p:spPr>
-        <p:txBody>
-          <a:bodyPr vert="horz" wrap="square" lIns="91440" tIns="45720" rIns="91440" bIns="45720" numCol="1" rtlCol="0" anchor="ctr" anchorCtr="0" compatLnSpc="1">
-            <a:prstTxWarp prst="textNoShape">
-              <a:avLst/>
-            </a:prstTxWarp>
-          </a:bodyPr>
-          <a:lstStyle/>
-          <a:p>
-            <a:pPr algn="ctr" fontAlgn="ctr">
-              <a:spcBef>
-                <a:spcPct val="0"/>
-              </a:spcBef>
-              <a:spcAft>
-                <a:spcPct val="0"/>
-              </a:spcAft>
-            </a:pPr>
-            <a:r>
-              <a:rPr kumimoji="1" lang="en-US" altLang="ja-JP" sz="1050" dirty="0" smtClean="0">
-                <a:solidFill>
-                  <a:schemeClr val="bg1"/>
-                </a:solidFill>
-                <a:latin typeface="Gill Sans MT"/>
-                <a:ea typeface="HG明朝E" panose="02020909000000000000" pitchFamily="17" charset="-128"/>
-              </a:rPr>
-              <a:t>Resource</a:t>
-            </a:r>
-            <a:r>
-              <a:rPr kumimoji="1" lang="ja-JP" altLang="en-US" sz="1050">
-                <a:solidFill>
-                  <a:schemeClr val="bg1"/>
-                </a:solidFill>
-                <a:latin typeface="Gill Sans MT"/>
-                <a:ea typeface="HG明朝E" panose="02020909000000000000" pitchFamily="17" charset="-128"/>
-              </a:rPr>
-              <a:t> </a:t>
-            </a:r>
-            <a:r>
-              <a:rPr kumimoji="1" lang="en-US" altLang="ja-JP" sz="1050" dirty="0" smtClean="0">
-                <a:solidFill>
-                  <a:schemeClr val="bg1"/>
-                </a:solidFill>
-                <a:latin typeface="Gill Sans MT"/>
-                <a:ea typeface="HG明朝E" panose="02020909000000000000" pitchFamily="17" charset="-128"/>
-              </a:rPr>
-              <a:t>Model</a:t>
-            </a:r>
-            <a:endParaRPr kumimoji="1" lang="ja-JP" altLang="en-US" sz="1050" dirty="0" smtClean="0">
+              <a:t>.</a:t>
+            </a:r>
+            <a:endParaRPr lang="ja-JP" altLang="en-US" sz="1050" dirty="0" smtClean="0">
               <a:solidFill>
                 <a:schemeClr val="bg1"/>
               </a:solidFill>
@@ -40552,76 +40960,19 @@
           </a:p>
         </p:txBody>
       </p:sp>
-      <p:sp>
-        <p:nvSpPr>
-          <p:cNvPr id="71" name="角丸四角形 21"/>
-          <p:cNvSpPr/>
-          <p:nvPr/>
-        </p:nvSpPr>
-        <p:spPr bwMode="auto">
-          <a:xfrm>
-            <a:off x="1906142" y="4482370"/>
-            <a:ext cx="911945" cy="375173"/>
-          </a:xfrm>
-          <a:prstGeom prst="roundRect">
-            <a:avLst/>
-          </a:prstGeom>
-          <a:solidFill>
-            <a:srgbClr val="7030A0"/>
-          </a:solidFill>
-          <a:ln w="25400" cap="flat" cmpd="sng" algn="ctr">
-            <a:solidFill>
-              <a:schemeClr val="tx1"/>
-            </a:solidFill>
-            <a:prstDash val="solid"/>
-            <a:round/>
-            <a:headEnd type="none" w="med" len="med"/>
-            <a:tailEnd type="none" w="med" len="med"/>
-          </a:ln>
-          <a:effectLst/>
-          <a:extLst/>
-        </p:spPr>
-        <p:txBody>
-          <a:bodyPr vert="horz" wrap="square" lIns="91440" tIns="45720" rIns="91440" bIns="45720" numCol="1" rtlCol="0" anchor="ctr" anchorCtr="0" compatLnSpc="1">
-            <a:prstTxWarp prst="textNoShape">
-              <a:avLst/>
-            </a:prstTxWarp>
-          </a:bodyPr>
-          <a:lstStyle/>
-          <a:p>
-            <a:pPr algn="ctr" fontAlgn="ctr">
-              <a:spcBef>
-                <a:spcPct val="0"/>
-              </a:spcBef>
-              <a:spcAft>
-                <a:spcPct val="0"/>
-              </a:spcAft>
-            </a:pPr>
-            <a:r>
-              <a:rPr kumimoji="1" lang="en-US" altLang="ja-JP" sz="1050" dirty="0" smtClean="0">
-                <a:solidFill>
-                  <a:schemeClr val="bg1"/>
-                </a:solidFill>
-                <a:latin typeface="Gill Sans MT"/>
-                <a:ea typeface="HG明朝E" panose="02020909000000000000" pitchFamily="17" charset="-128"/>
-              </a:rPr>
-              <a:t>Client API</a:t>
-            </a:r>
-          </a:p>
-        </p:txBody>
-      </p:sp>
       <p:cxnSp>
         <p:nvCxnSpPr>
           <p:cNvPr id="72" name="直線矢印コネクタ 71"/>
           <p:cNvCxnSpPr>
+            <a:stCxn id="54" idx="2"/>
             <a:endCxn id="44" idx="0"/>
           </p:cNvCxnSpPr>
           <p:nvPr/>
         </p:nvCxnSpPr>
         <p:spPr bwMode="auto">
-          <a:xfrm flipH="1">
-            <a:off x="5158811" y="6123979"/>
-            <a:ext cx="12423" cy="260631"/>
+          <a:xfrm>
+            <a:off x="4998297" y="6123981"/>
+            <a:ext cx="11503" cy="257347"/>
           </a:xfrm>
           <a:prstGeom prst="straightConnector1">
             <a:avLst/>
@@ -40648,13 +40999,16 @@
       <p:cxnSp>
         <p:nvCxnSpPr>
           <p:cNvPr id="75" name="直線矢印コネクタ 74"/>
-          <p:cNvCxnSpPr/>
+          <p:cNvCxnSpPr>
+            <a:stCxn id="46" idx="2"/>
+            <a:endCxn id="71" idx="0"/>
+          </p:cNvCxnSpPr>
           <p:nvPr/>
         </p:nvCxnSpPr>
         <p:spPr bwMode="auto">
           <a:xfrm>
-            <a:off x="2411760" y="4077072"/>
-            <a:ext cx="0" cy="399690"/>
+            <a:off x="2362114" y="4077072"/>
+            <a:ext cx="1" cy="360040"/>
           </a:xfrm>
           <a:prstGeom prst="straightConnector1">
             <a:avLst/>
@@ -40951,79 +41305,13 @@
       </p:sp>
       <p:cxnSp>
         <p:nvCxnSpPr>
-          <p:cNvPr id="59" name="直線矢印コネクタ 58"/>
-          <p:cNvCxnSpPr/>
-          <p:nvPr/>
-        </p:nvCxnSpPr>
-        <p:spPr bwMode="auto">
-          <a:xfrm>
-            <a:off x="7020272" y="4149080"/>
-            <a:ext cx="0" cy="399690"/>
-          </a:xfrm>
-          <a:prstGeom prst="straightConnector1">
-            <a:avLst/>
-          </a:prstGeom>
-          <a:noFill/>
-          <a:ln w="19050" cap="flat" cmpd="sng" algn="ctr">
-            <a:solidFill>
-              <a:sysClr val="windowText" lastClr="000000"/>
-            </a:solidFill>
-            <a:prstDash val="solid"/>
-            <a:headEnd type="arrow"/>
-            <a:tailEnd type="arrow"/>
-          </a:ln>
-          <a:effectLst>
-            <a:outerShdw blurRad="38100" dist="25400" dir="5400000" rotWithShape="0">
-              <a:srgbClr val="000000">
-                <a:alpha val="40000"/>
-              </a:srgbClr>
-            </a:outerShdw>
-          </a:effectLst>
-          <a:extLst/>
-        </p:spPr>
-      </p:cxnSp>
-      <p:cxnSp>
-        <p:nvCxnSpPr>
-          <p:cNvPr id="55" name="直線矢印コネクタ 54"/>
-          <p:cNvCxnSpPr/>
-          <p:nvPr/>
-        </p:nvCxnSpPr>
-        <p:spPr bwMode="auto">
-          <a:xfrm>
-            <a:off x="5220072" y="4149080"/>
-            <a:ext cx="0" cy="399690"/>
-          </a:xfrm>
-          <a:prstGeom prst="straightConnector1">
-            <a:avLst/>
-          </a:prstGeom>
-          <a:noFill/>
-          <a:ln w="19050" cap="flat" cmpd="sng" algn="ctr">
-            <a:solidFill>
-              <a:sysClr val="windowText" lastClr="000000"/>
-            </a:solidFill>
-            <a:prstDash val="solid"/>
-            <a:headEnd type="arrow"/>
-            <a:tailEnd type="arrow"/>
-          </a:ln>
-          <a:effectLst>
-            <a:outerShdw blurRad="38100" dist="25400" dir="5400000" rotWithShape="0">
-              <a:srgbClr val="000000">
-                <a:alpha val="40000"/>
-              </a:srgbClr>
-            </a:outerShdw>
-          </a:effectLst>
-          <a:extLst/>
-        </p:spPr>
-      </p:cxnSp>
-      <p:cxnSp>
-        <p:nvCxnSpPr>
           <p:cNvPr id="57" name="直線矢印コネクタ 56"/>
           <p:cNvCxnSpPr/>
           <p:nvPr/>
         </p:nvCxnSpPr>
         <p:spPr bwMode="auto">
           <a:xfrm>
-            <a:off x="6084168" y="4149080"/>
+            <a:off x="5868144" y="4037422"/>
             <a:ext cx="0" cy="399690"/>
           </a:xfrm>
           <a:prstGeom prst="straightConnector1">
@@ -41184,10 +41472,43 @@
           </a:fontRef>
         </p:style>
       </p:cxnSp>
+      <p:cxnSp>
+        <p:nvCxnSpPr>
+          <p:cNvPr id="74" name="直線矢印コネクタ 74"/>
+          <p:cNvCxnSpPr/>
+          <p:nvPr/>
+        </p:nvCxnSpPr>
+        <p:spPr bwMode="auto">
+          <a:xfrm>
+            <a:off x="1979712" y="4077072"/>
+            <a:ext cx="1" cy="360040"/>
+          </a:xfrm>
+          <a:prstGeom prst="straightConnector1">
+            <a:avLst/>
+          </a:prstGeom>
+          <a:noFill/>
+          <a:ln w="19050" cap="flat" cmpd="sng" algn="ctr">
+            <a:solidFill>
+              <a:sysClr val="windowText" lastClr="000000"/>
+            </a:solidFill>
+            <a:prstDash val="solid"/>
+            <a:headEnd type="arrow"/>
+            <a:tailEnd type="arrow"/>
+          </a:ln>
+          <a:effectLst>
+            <a:outerShdw blurRad="38100" dist="25400" dir="5400000" rotWithShape="0">
+              <a:srgbClr val="000000">
+                <a:alpha val="40000"/>
+              </a:srgbClr>
+            </a:outerShdw>
+          </a:effectLst>
+          <a:extLst/>
+        </p:spPr>
+      </p:cxnSp>
     </p:spTree>
     <p:extLst>
       <p:ext uri="{BB962C8B-B14F-4D97-AF65-F5344CB8AC3E}">
-        <p14:creationId xmlns:p14="http://schemas.microsoft.com/office/powerpoint/2010/main" xmlns="" val="983776140"/>
+        <p14:creationId xmlns="" xmlns:p14="http://schemas.microsoft.com/office/powerpoint/2010/main" val="983776140"/>
       </p:ext>
     </p:extLst>
   </p:cSld>
@@ -42284,8 +42605,8 @@
         </p:nvSpPr>
         <p:spPr bwMode="gray">
           <a:xfrm rot="10800000">
-            <a:off x="2611770" y="5827024"/>
-            <a:ext cx="2968341" cy="770325"/>
+            <a:off x="2611769" y="5827023"/>
+            <a:ext cx="2890533" cy="770325"/>
           </a:xfrm>
           <a:custGeom>
             <a:avLst/>
@@ -42547,39 +42868,6 @@
           </a:p>
         </p:txBody>
       </p:sp>
-      <p:cxnSp>
-        <p:nvCxnSpPr>
-          <p:cNvPr id="123" name="直線矢印コネクタ 122"/>
-          <p:cNvCxnSpPr/>
-          <p:nvPr/>
-        </p:nvCxnSpPr>
-        <p:spPr bwMode="auto">
-          <a:xfrm>
-            <a:off x="7014566" y="4144108"/>
-            <a:ext cx="0" cy="266041"/>
-          </a:xfrm>
-          <a:prstGeom prst="straightConnector1">
-            <a:avLst/>
-          </a:prstGeom>
-          <a:noFill/>
-          <a:ln w="19050" cap="flat" cmpd="sng" algn="ctr">
-            <a:solidFill>
-              <a:sysClr val="windowText" lastClr="000000"/>
-            </a:solidFill>
-            <a:prstDash val="solid"/>
-            <a:headEnd type="arrow"/>
-            <a:tailEnd type="arrow"/>
-          </a:ln>
-          <a:effectLst>
-            <a:outerShdw blurRad="38100" dist="25400" dir="5400000" rotWithShape="0">
-              <a:srgbClr val="000000">
-                <a:alpha val="40000"/>
-              </a:srgbClr>
-            </a:outerShdw>
-          </a:effectLst>
-          <a:extLst/>
-        </p:spPr>
-      </p:cxnSp>
       <p:sp>
         <p:nvSpPr>
           <p:cNvPr id="124" name="角丸四角形 21"/>
@@ -42589,7 +42877,7 @@
         <p:spPr bwMode="auto">
           <a:xfrm>
             <a:off x="4782318" y="4432142"/>
-            <a:ext cx="911943" cy="317313"/>
+            <a:ext cx="2742010" cy="317313"/>
           </a:xfrm>
           <a:prstGeom prst="roundRect">
             <a:avLst/>
@@ -42617,141 +42905,18 @@
           </a:bodyPr>
           <a:lstStyle/>
           <a:p>
-            <a:pPr algn="ctr" fontAlgn="ctr">
-              <a:spcBef>
-                <a:spcPct val="0"/>
-              </a:spcBef>
-              <a:spcAft>
-                <a:spcPct val="0"/>
-              </a:spcAft>
-            </a:pPr>
-            <a:r>
-              <a:rPr kumimoji="1" lang="en-US" altLang="ja-JP" sz="1050" dirty="0" smtClean="0">
+            <a:pPr algn="ctr" fontAlgn="ctr"/>
+            <a:r>
+              <a:rPr lang="en-US" altLang="ja-JP" sz="1050" dirty="0" smtClean="0">
                 <a:solidFill>
                   <a:schemeClr val="bg1"/>
                 </a:solidFill>
                 <a:latin typeface="Gill Sans MT"/>
                 <a:ea typeface="HG明朝E" panose="02020909000000000000" pitchFamily="17" charset="-128"/>
               </a:rPr>
-              <a:t>Physical API</a:t>
-            </a:r>
-          </a:p>
-        </p:txBody>
-      </p:sp>
-      <p:sp>
-        <p:nvSpPr>
-          <p:cNvPr id="125" name="角丸四角形 21"/>
-          <p:cNvSpPr/>
-          <p:nvPr/>
-        </p:nvSpPr>
-        <p:spPr bwMode="auto">
-          <a:xfrm>
-            <a:off x="5690913" y="4432141"/>
-            <a:ext cx="907767" cy="317313"/>
-          </a:xfrm>
-          <a:prstGeom prst="roundRect">
-            <a:avLst/>
-          </a:prstGeom>
-          <a:solidFill>
-            <a:srgbClr val="7030A0"/>
-          </a:solidFill>
-          <a:ln w="25400" cap="flat" cmpd="sng" algn="ctr">
-            <a:solidFill>
-              <a:schemeClr val="tx1"/>
-            </a:solidFill>
-            <a:prstDash val="solid"/>
-            <a:round/>
-            <a:headEnd type="none" w="med" len="med"/>
-            <a:tailEnd type="none" w="med" len="med"/>
-          </a:ln>
-          <a:effectLst/>
-          <a:extLst/>
-        </p:spPr>
-        <p:txBody>
-          <a:bodyPr vert="horz" wrap="square" lIns="91440" tIns="45720" rIns="91440" bIns="45720" numCol="1" rtlCol="0" anchor="ctr" anchorCtr="0" compatLnSpc="1">
-            <a:prstTxWarp prst="textNoShape">
-              <a:avLst/>
-            </a:prstTxWarp>
-          </a:bodyPr>
-          <a:lstStyle/>
-          <a:p>
-            <a:pPr algn="ctr" fontAlgn="ctr">
-              <a:spcBef>
-                <a:spcPct val="0"/>
-              </a:spcBef>
-              <a:spcAft>
-                <a:spcPct val="0"/>
-              </a:spcAft>
-            </a:pPr>
-            <a:r>
-              <a:rPr kumimoji="1" lang="en-US" altLang="ja-JP" sz="1050" dirty="0" smtClean="0">
-                <a:solidFill>
-                  <a:schemeClr val="bg1"/>
-                </a:solidFill>
-                <a:latin typeface="Gill Sans MT"/>
-                <a:ea typeface="HG明朝E" panose="02020909000000000000" pitchFamily="17" charset="-128"/>
-              </a:rPr>
-              <a:t>Server API</a:t>
-            </a:r>
-          </a:p>
-        </p:txBody>
-      </p:sp>
-      <p:sp>
-        <p:nvSpPr>
-          <p:cNvPr id="126" name="角丸四角形 21"/>
-          <p:cNvSpPr/>
-          <p:nvPr/>
-        </p:nvSpPr>
-        <p:spPr bwMode="auto">
-          <a:xfrm>
-            <a:off x="6598680" y="4432140"/>
-            <a:ext cx="926829" cy="317313"/>
-          </a:xfrm>
-          <a:prstGeom prst="roundRect">
-            <a:avLst/>
-          </a:prstGeom>
-          <a:solidFill>
-            <a:srgbClr val="7030A0"/>
-          </a:solidFill>
-          <a:ln w="25400" cap="flat" cmpd="sng" algn="ctr">
-            <a:solidFill>
-              <a:schemeClr val="tx1"/>
-            </a:solidFill>
-            <a:prstDash val="solid"/>
-            <a:round/>
-            <a:headEnd type="none" w="med" len="med"/>
-            <a:tailEnd type="none" w="med" len="med"/>
-          </a:ln>
-          <a:effectLst/>
-          <a:extLst/>
-        </p:spPr>
-        <p:txBody>
-          <a:bodyPr vert="horz" wrap="square" lIns="91440" tIns="45720" rIns="91440" bIns="45720" numCol="1" rtlCol="0" anchor="ctr" anchorCtr="0" compatLnSpc="1">
-            <a:prstTxWarp prst="textNoShape">
-              <a:avLst/>
-            </a:prstTxWarp>
-          </a:bodyPr>
-          <a:lstStyle/>
-          <a:p>
-            <a:pPr algn="ctr" fontAlgn="ctr">
-              <a:spcBef>
-                <a:spcPct val="0"/>
-              </a:spcBef>
-              <a:spcAft>
-                <a:spcPct val="0"/>
-              </a:spcAft>
-            </a:pPr>
-            <a:r>
-              <a:rPr kumimoji="1" lang="en-US" altLang="ja-JP" sz="1050" dirty="0" smtClean="0">
-                <a:solidFill>
-                  <a:schemeClr val="bg1"/>
-                </a:solidFill>
-                <a:latin typeface="Gill Sans MT"/>
-                <a:ea typeface="HG明朝E" panose="02020909000000000000" pitchFamily="17" charset="-128"/>
-              </a:rPr>
-              <a:t>Client API</a:t>
-            </a:r>
-            <a:endParaRPr kumimoji="1" lang="ja-JP" altLang="en-US" sz="1050" dirty="0" smtClean="0">
+              <a:t>Runtime Environment</a:t>
+            </a:r>
+            <a:endParaRPr lang="ja-JP" altLang="en-US" sz="1050" dirty="0" smtClean="0">
               <a:solidFill>
                 <a:schemeClr val="bg1"/>
               </a:solidFill>
@@ -42761,72 +42926,6 @@
           </a:p>
         </p:txBody>
       </p:sp>
-      <p:cxnSp>
-        <p:nvCxnSpPr>
-          <p:cNvPr id="127" name="直線矢印コネクタ 126"/>
-          <p:cNvCxnSpPr/>
-          <p:nvPr/>
-        </p:nvCxnSpPr>
-        <p:spPr bwMode="auto">
-          <a:xfrm>
-            <a:off x="6150470" y="4166099"/>
-            <a:ext cx="0" cy="266041"/>
-          </a:xfrm>
-          <a:prstGeom prst="straightConnector1">
-            <a:avLst/>
-          </a:prstGeom>
-          <a:noFill/>
-          <a:ln w="19050" cap="flat" cmpd="sng" algn="ctr">
-            <a:solidFill>
-              <a:sysClr val="windowText" lastClr="000000"/>
-            </a:solidFill>
-            <a:prstDash val="solid"/>
-            <a:headEnd type="arrow"/>
-            <a:tailEnd type="arrow"/>
-          </a:ln>
-          <a:effectLst>
-            <a:outerShdw blurRad="38100" dist="25400" dir="5400000" rotWithShape="0">
-              <a:srgbClr val="000000">
-                <a:alpha val="40000"/>
-              </a:srgbClr>
-            </a:outerShdw>
-          </a:effectLst>
-          <a:extLst/>
-        </p:spPr>
-      </p:cxnSp>
-      <p:cxnSp>
-        <p:nvCxnSpPr>
-          <p:cNvPr id="128" name="直線矢印コネクタ 127"/>
-          <p:cNvCxnSpPr/>
-          <p:nvPr/>
-        </p:nvCxnSpPr>
-        <p:spPr bwMode="auto">
-          <a:xfrm>
-            <a:off x="5286374" y="4238107"/>
-            <a:ext cx="0" cy="266041"/>
-          </a:xfrm>
-          <a:prstGeom prst="straightConnector1">
-            <a:avLst/>
-          </a:prstGeom>
-          <a:noFill/>
-          <a:ln w="19050" cap="flat" cmpd="sng" algn="ctr">
-            <a:solidFill>
-              <a:sysClr val="windowText" lastClr="000000"/>
-            </a:solidFill>
-            <a:prstDash val="solid"/>
-            <a:headEnd type="arrow"/>
-            <a:tailEnd type="arrow"/>
-          </a:ln>
-          <a:effectLst>
-            <a:outerShdw blurRad="38100" dist="25400" dir="5400000" rotWithShape="0">
-              <a:srgbClr val="000000">
-                <a:alpha val="40000"/>
-              </a:srgbClr>
-            </a:outerShdw>
-          </a:effectLst>
-          <a:extLst/>
-        </p:spPr>
-      </p:cxnSp>
       <p:sp>
         <p:nvSpPr>
           <p:cNvPr id="129" name="角丸四角形 21"/>
@@ -42864,24 +42963,44 @@
           </a:bodyPr>
           <a:lstStyle/>
           <a:p>
-            <a:pPr algn="ctr" fontAlgn="ctr">
-              <a:spcBef>
-                <a:spcPct val="0"/>
-              </a:spcBef>
-              <a:spcAft>
-                <a:spcPct val="0"/>
-              </a:spcAft>
-            </a:pPr>
-            <a:r>
-              <a:rPr kumimoji="1" lang="en-US" altLang="ja-JP" sz="1050" dirty="0" smtClean="0">
+            <a:pPr algn="ctr" fontAlgn="ctr"/>
+            <a:r>
+              <a:rPr lang="en-US" altLang="ja-JP" sz="1050" dirty="0" smtClean="0">
                 <a:solidFill>
                   <a:schemeClr val="bg1"/>
                 </a:solidFill>
                 <a:latin typeface="Gill Sans MT"/>
                 <a:ea typeface="HG明朝E" panose="02020909000000000000" pitchFamily="17" charset="-128"/>
               </a:rPr>
-              <a:t>Client API</a:t>
-            </a:r>
+              <a:t>Runtime </a:t>
+            </a:r>
+            <a:r>
+              <a:rPr lang="en-US" altLang="ja-JP" sz="1050" dirty="0" err="1" smtClean="0">
+                <a:solidFill>
+                  <a:schemeClr val="bg1"/>
+                </a:solidFill>
+                <a:latin typeface="Gill Sans MT"/>
+                <a:ea typeface="HG明朝E" panose="02020909000000000000" pitchFamily="17" charset="-128"/>
+              </a:rPr>
+              <a:t>Env</a:t>
+            </a:r>
+            <a:r>
+              <a:rPr lang="en-US" altLang="ja-JP" sz="1050" dirty="0" smtClean="0">
+                <a:solidFill>
+                  <a:schemeClr val="bg1"/>
+                </a:solidFill>
+                <a:latin typeface="Gill Sans MT"/>
+                <a:ea typeface="HG明朝E" panose="02020909000000000000" pitchFamily="17" charset="-128"/>
+              </a:rPr>
+              <a:t>.</a:t>
+            </a:r>
+            <a:endParaRPr lang="ja-JP" altLang="en-US" sz="1050" dirty="0" smtClean="0">
+              <a:solidFill>
+                <a:schemeClr val="bg1"/>
+              </a:solidFill>
+              <a:latin typeface="Gill Sans MT"/>
+              <a:ea typeface="HG明朝E" panose="02020909000000000000" pitchFamily="17" charset="-128"/>
+            </a:endParaRPr>
           </a:p>
         </p:txBody>
       </p:sp>
@@ -43016,7 +43135,7 @@
           <a:blip r:embed="rId2" cstate="print">
             <a:extLst>
               <a:ext uri="{28A0092B-C50C-407E-A947-70E740481C1C}">
-                <a14:useLocalDpi xmlns:a14="http://schemas.microsoft.com/office/drawing/2010/main" xmlns="" val="0"/>
+                <a14:useLocalDpi xmlns="" xmlns:a14="http://schemas.microsoft.com/office/drawing/2010/main" val="0"/>
               </a:ext>
             </a:extLst>
           </a:blip>
@@ -43046,7 +43165,7 @@
           <a:blip r:embed="rId3" cstate="print">
             <a:extLst>
               <a:ext uri="{28A0092B-C50C-407E-A947-70E740481C1C}">
-                <a14:useLocalDpi xmlns:a14="http://schemas.microsoft.com/office/drawing/2010/main" xmlns="" val="0"/>
+                <a14:useLocalDpi xmlns="" xmlns:a14="http://schemas.microsoft.com/office/drawing/2010/main" val="0"/>
               </a:ext>
             </a:extLst>
           </a:blip>
@@ -43127,10 +43246,43 @@
           </a:fontRef>
         </p:style>
       </p:cxnSp>
+      <p:cxnSp>
+        <p:nvCxnSpPr>
+          <p:cNvPr id="127" name="直線矢印コネクタ 126"/>
+          <p:cNvCxnSpPr/>
+          <p:nvPr/>
+        </p:nvCxnSpPr>
+        <p:spPr bwMode="auto">
+          <a:xfrm>
+            <a:off x="5472100" y="4235128"/>
+            <a:ext cx="0" cy="266041"/>
+          </a:xfrm>
+          <a:prstGeom prst="straightConnector1">
+            <a:avLst/>
+          </a:prstGeom>
+          <a:noFill/>
+          <a:ln w="19050" cap="flat" cmpd="sng" algn="ctr">
+            <a:solidFill>
+              <a:sysClr val="windowText" lastClr="000000"/>
+            </a:solidFill>
+            <a:prstDash val="solid"/>
+            <a:headEnd type="arrow"/>
+            <a:tailEnd type="arrow"/>
+          </a:ln>
+          <a:effectLst>
+            <a:outerShdw blurRad="38100" dist="25400" dir="5400000" rotWithShape="0">
+              <a:srgbClr val="000000">
+                <a:alpha val="40000"/>
+              </a:srgbClr>
+            </a:outerShdw>
+          </a:effectLst>
+          <a:extLst/>
+        </p:spPr>
+      </p:cxnSp>
     </p:spTree>
     <p:extLst>
       <p:ext uri="{BB962C8B-B14F-4D97-AF65-F5344CB8AC3E}">
-        <p14:creationId xmlns:p14="http://schemas.microsoft.com/office/powerpoint/2010/main" xmlns="" val="142274001"/>
+        <p14:creationId xmlns="" xmlns:p14="http://schemas.microsoft.com/office/powerpoint/2010/main" val="142274001"/>
       </p:ext>
     </p:extLst>
   </p:cSld>
@@ -44863,39 +45015,6 @@
           <a:extLst/>
         </p:spPr>
       </p:cxnSp>
-      <p:cxnSp>
-        <p:nvCxnSpPr>
-          <p:cNvPr id="48" name="直線矢印コネクタ 47"/>
-          <p:cNvCxnSpPr/>
-          <p:nvPr/>
-        </p:nvCxnSpPr>
-        <p:spPr bwMode="auto">
-          <a:xfrm>
-            <a:off x="4501784" y="3908557"/>
-            <a:ext cx="0" cy="266041"/>
-          </a:xfrm>
-          <a:prstGeom prst="straightConnector1">
-            <a:avLst/>
-          </a:prstGeom>
-          <a:noFill/>
-          <a:ln w="19050" cap="flat" cmpd="sng" algn="ctr">
-            <a:solidFill>
-              <a:sysClr val="windowText" lastClr="000000"/>
-            </a:solidFill>
-            <a:prstDash val="solid"/>
-            <a:headEnd type="arrow"/>
-            <a:tailEnd type="arrow"/>
-          </a:ln>
-          <a:effectLst>
-            <a:outerShdw blurRad="38100" dist="25400" dir="5400000" rotWithShape="0">
-              <a:srgbClr val="000000">
-                <a:alpha val="40000"/>
-              </a:srgbClr>
-            </a:outerShdw>
-          </a:effectLst>
-          <a:extLst/>
-        </p:spPr>
-      </p:cxnSp>
       <p:sp>
         <p:nvSpPr>
           <p:cNvPr id="49" name="角丸四角形 21"/>
@@ -44905,7 +45024,7 @@
         <p:spPr bwMode="auto">
           <a:xfrm>
             <a:off x="2269536" y="4196591"/>
-            <a:ext cx="911943" cy="317313"/>
+            <a:ext cx="2734512" cy="317313"/>
           </a:xfrm>
           <a:prstGeom prst="roundRect">
             <a:avLst/>
@@ -44942,110 +45061,15 @@
                 <a:latin typeface="Gill Sans MT"/>
                 <a:ea typeface="HG明朝E" panose="02020909000000000000" pitchFamily="17" charset="-128"/>
               </a:rPr>
-              <a:t>Physical API</a:t>
-            </a:r>
-          </a:p>
-        </p:txBody>
-      </p:sp>
-      <p:sp>
-        <p:nvSpPr>
-          <p:cNvPr id="50" name="角丸四角形 21"/>
-          <p:cNvSpPr/>
-          <p:nvPr/>
-        </p:nvSpPr>
-        <p:spPr bwMode="auto">
-          <a:xfrm>
-            <a:off x="3178131" y="4196590"/>
-            <a:ext cx="907767" cy="317313"/>
-          </a:xfrm>
-          <a:prstGeom prst="roundRect">
-            <a:avLst/>
-          </a:prstGeom>
-          <a:solidFill>
-            <a:srgbClr val="7030A0"/>
-          </a:solidFill>
-          <a:ln w="25400" cap="flat" cmpd="sng" algn="ctr">
-            <a:solidFill>
-              <a:schemeClr val="tx1"/>
-            </a:solidFill>
-            <a:prstDash val="solid"/>
-            <a:round/>
-            <a:headEnd type="none" w="med" len="med"/>
-            <a:tailEnd type="none" w="med" len="med"/>
-          </a:ln>
-          <a:effectLst/>
-          <a:extLst/>
-        </p:spPr>
-        <p:txBody>
-          <a:bodyPr vert="horz" wrap="square" lIns="91440" tIns="45720" rIns="91440" bIns="45720" numCol="1" rtlCol="0" anchor="ctr" anchorCtr="0" compatLnSpc="1">
-            <a:prstTxWarp prst="textNoShape">
-              <a:avLst/>
-            </a:prstTxWarp>
-          </a:bodyPr>
-          <a:lstStyle/>
-          <a:p>
-            <a:pPr algn="ctr" fontAlgn="ctr"/>
-            <a:r>
-              <a:rPr lang="en-US" altLang="ja-JP" sz="1050" dirty="0" smtClean="0">
-                <a:solidFill>
-                  <a:schemeClr val="bg1"/>
-                </a:solidFill>
-                <a:latin typeface="Gill Sans MT"/>
-                <a:ea typeface="HG明朝E" panose="02020909000000000000" pitchFamily="17" charset="-128"/>
-              </a:rPr>
-              <a:t>Server API</a:t>
-            </a:r>
-          </a:p>
-        </p:txBody>
-      </p:sp>
-      <p:sp>
-        <p:nvSpPr>
-          <p:cNvPr id="51" name="角丸四角形 21"/>
-          <p:cNvSpPr/>
-          <p:nvPr/>
-        </p:nvSpPr>
-        <p:spPr bwMode="auto">
-          <a:xfrm>
-            <a:off x="4085898" y="4196589"/>
-            <a:ext cx="926829" cy="317313"/>
-          </a:xfrm>
-          <a:prstGeom prst="roundRect">
-            <a:avLst/>
-          </a:prstGeom>
-          <a:solidFill>
-            <a:srgbClr val="7030A0"/>
-          </a:solidFill>
-          <a:ln w="25400" cap="flat" cmpd="sng" algn="ctr">
-            <a:solidFill>
-              <a:schemeClr val="tx1"/>
-            </a:solidFill>
-            <a:prstDash val="solid"/>
-            <a:round/>
-            <a:headEnd type="none" w="med" len="med"/>
-            <a:tailEnd type="none" w="med" len="med"/>
-          </a:ln>
-          <a:effectLst/>
-          <a:extLst/>
-        </p:spPr>
-        <p:txBody>
-          <a:bodyPr vert="horz" wrap="square" lIns="91440" tIns="45720" rIns="91440" bIns="45720" numCol="1" rtlCol="0" anchor="ctr" anchorCtr="0" compatLnSpc="1">
-            <a:prstTxWarp prst="textNoShape">
-              <a:avLst/>
-            </a:prstTxWarp>
-          </a:bodyPr>
-          <a:lstStyle/>
-          <a:p>
-            <a:pPr algn="ctr" fontAlgn="ctr"/>
-            <a:r>
-              <a:rPr lang="en-US" altLang="ja-JP" sz="1050" dirty="0" smtClean="0">
-                <a:solidFill>
-                  <a:schemeClr val="bg1"/>
-                </a:solidFill>
-                <a:latin typeface="Gill Sans MT"/>
-                <a:ea typeface="HG明朝E" panose="02020909000000000000" pitchFamily="17" charset="-128"/>
-              </a:rPr>
-              <a:t>Client API</a:t>
-            </a:r>
+              <a:t>Runtime Environment</a:t>
+            </a:r>
+            <a:endParaRPr lang="ja-JP" altLang="en-US" sz="1050" dirty="0" smtClean="0">
+              <a:solidFill>
+                <a:schemeClr val="bg1"/>
+              </a:solidFill>
+              <a:latin typeface="Gill Sans MT"/>
+              <a:ea typeface="HG明朝E" panose="02020909000000000000" pitchFamily="17" charset="-128"/>
+            </a:endParaRPr>
           </a:p>
         </p:txBody>
       </p:sp>
@@ -45057,7 +45081,7 @@
         </p:nvCxnSpPr>
         <p:spPr bwMode="auto">
           <a:xfrm>
-            <a:off x="3637688" y="3930548"/>
+            <a:off x="3563888" y="4005064"/>
             <a:ext cx="0" cy="266041"/>
           </a:xfrm>
           <a:prstGeom prst="straightConnector1">
@@ -45090,7 +45114,7 @@
         </p:nvCxnSpPr>
         <p:spPr bwMode="auto">
           <a:xfrm>
-            <a:off x="2773592" y="4002556"/>
+            <a:off x="2627784" y="4002556"/>
             <a:ext cx="0" cy="266041"/>
           </a:xfrm>
           <a:prstGeom prst="straightConnector1">
@@ -45504,7 +45528,7 @@
           <a:blip r:embed="rId2" cstate="print">
             <a:extLst>
               <a:ext uri="{28A0092B-C50C-407E-A947-70E740481C1C}">
-                <a14:useLocalDpi xmlns:a14="http://schemas.microsoft.com/office/drawing/2010/main" xmlns="" val="0"/>
+                <a14:useLocalDpi xmlns="" xmlns:a14="http://schemas.microsoft.com/office/drawing/2010/main" val="0"/>
               </a:ext>
             </a:extLst>
           </a:blip>
@@ -46334,39 +46358,6 @@
           </a:p>
         </p:txBody>
       </p:sp>
-      <p:cxnSp>
-        <p:nvCxnSpPr>
-          <p:cNvPr id="69" name="直線矢印コネクタ 68"/>
-          <p:cNvCxnSpPr/>
-          <p:nvPr/>
-        </p:nvCxnSpPr>
-        <p:spPr bwMode="auto">
-          <a:xfrm>
-            <a:off x="8254929" y="3545751"/>
-            <a:ext cx="21111" cy="641151"/>
-          </a:xfrm>
-          <a:prstGeom prst="straightConnector1">
-            <a:avLst/>
-          </a:prstGeom>
-          <a:noFill/>
-          <a:ln w="19050" cap="flat" cmpd="sng" algn="ctr">
-            <a:solidFill>
-              <a:sysClr val="windowText" lastClr="000000"/>
-            </a:solidFill>
-            <a:prstDash val="solid"/>
-            <a:headEnd type="arrow"/>
-            <a:tailEnd type="arrow"/>
-          </a:ln>
-          <a:effectLst>
-            <a:outerShdw blurRad="38100" dist="25400" dir="5400000" rotWithShape="0">
-              <a:srgbClr val="000000">
-                <a:alpha val="40000"/>
-              </a:srgbClr>
-            </a:outerShdw>
-          </a:effectLst>
-          <a:extLst/>
-        </p:spPr>
-      </p:cxnSp>
       <p:sp>
         <p:nvSpPr>
           <p:cNvPr id="70" name="角丸四角形 21"/>
@@ -46376,7 +46367,7 @@
         <p:spPr bwMode="auto">
           <a:xfrm>
             <a:off x="6043792" y="4208895"/>
-            <a:ext cx="911943" cy="317313"/>
+            <a:ext cx="2704672" cy="317313"/>
           </a:xfrm>
           <a:prstGeom prst="roundRect">
             <a:avLst/>
@@ -46413,148 +46404,18 @@
                 <a:latin typeface="Gill Sans MT"/>
                 <a:ea typeface="HG明朝E" panose="02020909000000000000" pitchFamily="17" charset="-128"/>
               </a:rPr>
-              <a:t>Physical API</a:t>
-            </a:r>
+              <a:t>Runtime Environment</a:t>
+            </a:r>
+            <a:endParaRPr lang="ja-JP" altLang="en-US" sz="1050" dirty="0" smtClean="0">
+              <a:solidFill>
+                <a:schemeClr val="bg1"/>
+              </a:solidFill>
+              <a:latin typeface="Gill Sans MT"/>
+              <a:ea typeface="HG明朝E" panose="02020909000000000000" pitchFamily="17" charset="-128"/>
+            </a:endParaRPr>
           </a:p>
         </p:txBody>
       </p:sp>
-      <p:sp>
-        <p:nvSpPr>
-          <p:cNvPr id="71" name="角丸四角形 21"/>
-          <p:cNvSpPr/>
-          <p:nvPr/>
-        </p:nvSpPr>
-        <p:spPr bwMode="auto">
-          <a:xfrm>
-            <a:off x="6952387" y="4208894"/>
-            <a:ext cx="907767" cy="317313"/>
-          </a:xfrm>
-          <a:prstGeom prst="roundRect">
-            <a:avLst/>
-          </a:prstGeom>
-          <a:solidFill>
-            <a:srgbClr val="7030A0"/>
-          </a:solidFill>
-          <a:ln w="25400" cap="flat" cmpd="sng" algn="ctr">
-            <a:solidFill>
-              <a:schemeClr val="tx1"/>
-            </a:solidFill>
-            <a:prstDash val="solid"/>
-            <a:round/>
-            <a:headEnd type="none" w="med" len="med"/>
-            <a:tailEnd type="none" w="med" len="med"/>
-          </a:ln>
-          <a:effectLst/>
-          <a:extLst/>
-        </p:spPr>
-        <p:txBody>
-          <a:bodyPr vert="horz" wrap="square" lIns="91440" tIns="45720" rIns="91440" bIns="45720" numCol="1" rtlCol="0" anchor="ctr" anchorCtr="0" compatLnSpc="1">
-            <a:prstTxWarp prst="textNoShape">
-              <a:avLst/>
-            </a:prstTxWarp>
-          </a:bodyPr>
-          <a:lstStyle/>
-          <a:p>
-            <a:pPr algn="ctr" fontAlgn="ctr"/>
-            <a:r>
-              <a:rPr lang="en-US" altLang="ja-JP" sz="1050" dirty="0" smtClean="0">
-                <a:solidFill>
-                  <a:schemeClr val="bg1"/>
-                </a:solidFill>
-                <a:latin typeface="Gill Sans MT"/>
-                <a:ea typeface="HG明朝E" panose="02020909000000000000" pitchFamily="17" charset="-128"/>
-              </a:rPr>
-              <a:t>Server API</a:t>
-            </a:r>
-          </a:p>
-        </p:txBody>
-      </p:sp>
-      <p:sp>
-        <p:nvSpPr>
-          <p:cNvPr id="72" name="角丸四角形 21"/>
-          <p:cNvSpPr/>
-          <p:nvPr/>
-        </p:nvSpPr>
-        <p:spPr bwMode="auto">
-          <a:xfrm>
-            <a:off x="7860154" y="4208893"/>
-            <a:ext cx="926829" cy="317313"/>
-          </a:xfrm>
-          <a:prstGeom prst="roundRect">
-            <a:avLst/>
-          </a:prstGeom>
-          <a:solidFill>
-            <a:srgbClr val="7030A0"/>
-          </a:solidFill>
-          <a:ln w="25400" cap="flat" cmpd="sng" algn="ctr">
-            <a:solidFill>
-              <a:schemeClr val="tx1"/>
-            </a:solidFill>
-            <a:prstDash val="solid"/>
-            <a:round/>
-            <a:headEnd type="none" w="med" len="med"/>
-            <a:tailEnd type="none" w="med" len="med"/>
-          </a:ln>
-          <a:effectLst/>
-          <a:extLst/>
-        </p:spPr>
-        <p:txBody>
-          <a:bodyPr vert="horz" wrap="square" lIns="91440" tIns="45720" rIns="91440" bIns="45720" numCol="1" rtlCol="0" anchor="ctr" anchorCtr="0" compatLnSpc="1">
-            <a:prstTxWarp prst="textNoShape">
-              <a:avLst/>
-            </a:prstTxWarp>
-          </a:bodyPr>
-          <a:lstStyle/>
-          <a:p>
-            <a:pPr algn="ctr" fontAlgn="ctr"/>
-            <a:r>
-              <a:rPr lang="en-US" altLang="ja-JP" sz="1050" dirty="0" smtClean="0">
-                <a:solidFill>
-                  <a:schemeClr val="bg1"/>
-                </a:solidFill>
-                <a:latin typeface="Gill Sans MT"/>
-                <a:ea typeface="HG明朝E" panose="02020909000000000000" pitchFamily="17" charset="-128"/>
-              </a:rPr>
-              <a:t>Client API</a:t>
-            </a:r>
-          </a:p>
-        </p:txBody>
-      </p:sp>
-      <p:cxnSp>
-        <p:nvCxnSpPr>
-          <p:cNvPr id="73" name="直線矢印コネクタ 72"/>
-          <p:cNvCxnSpPr>
-            <a:stCxn id="65" idx="2"/>
-          </p:cNvCxnSpPr>
-          <p:nvPr/>
-        </p:nvCxnSpPr>
-        <p:spPr bwMode="auto">
-          <a:xfrm>
-            <a:off x="7400602" y="3547762"/>
-            <a:ext cx="11342" cy="661131"/>
-          </a:xfrm>
-          <a:prstGeom prst="straightConnector1">
-            <a:avLst/>
-          </a:prstGeom>
-          <a:noFill/>
-          <a:ln w="19050" cap="flat" cmpd="sng" algn="ctr">
-            <a:solidFill>
-              <a:sysClr val="windowText" lastClr="000000"/>
-            </a:solidFill>
-            <a:prstDash val="solid"/>
-            <a:headEnd type="arrow"/>
-            <a:tailEnd type="arrow"/>
-          </a:ln>
-          <a:effectLst>
-            <a:outerShdw blurRad="38100" dist="25400" dir="5400000" rotWithShape="0">
-              <a:srgbClr val="000000">
-                <a:alpha val="40000"/>
-              </a:srgbClr>
-            </a:outerShdw>
-          </a:effectLst>
-          <a:extLst/>
-        </p:spPr>
-      </p:cxnSp>
       <p:cxnSp>
         <p:nvCxnSpPr>
           <p:cNvPr id="74" name="直線矢印コネクタ 73"/>
@@ -46563,8 +46424,8 @@
         </p:nvCxnSpPr>
         <p:spPr bwMode="auto">
           <a:xfrm>
-            <a:off x="6526737" y="3560490"/>
-            <a:ext cx="21111" cy="623646"/>
+            <a:off x="6423097" y="3560490"/>
+            <a:ext cx="1557" cy="621896"/>
           </a:xfrm>
           <a:prstGeom prst="straightConnector1">
             <a:avLst/>
@@ -46743,7 +46604,7 @@
           <a:blip r:embed="rId2" cstate="print">
             <a:extLst>
               <a:ext uri="{28A0092B-C50C-407E-A947-70E740481C1C}">
-                <a14:useLocalDpi xmlns:a14="http://schemas.microsoft.com/office/drawing/2010/main" xmlns="" val="0"/>
+                <a14:useLocalDpi xmlns="" xmlns:a14="http://schemas.microsoft.com/office/drawing/2010/main" val="0"/>
               </a:ext>
             </a:extLst>
           </a:blip>
@@ -46872,7 +46733,7 @@
     </p:spTree>
     <p:extLst>
       <p:ext uri="{BB962C8B-B14F-4D97-AF65-F5344CB8AC3E}">
-        <p14:creationId xmlns:p14="http://schemas.microsoft.com/office/powerpoint/2010/main" xmlns="" val="1845251556"/>
+        <p14:creationId xmlns="" xmlns:p14="http://schemas.microsoft.com/office/powerpoint/2010/main" val="1845251556"/>
       </p:ext>
     </p:extLst>
   </p:cSld>
@@ -48523,8 +48384,35 @@
                 <a:latin typeface="Gill Sans MT"/>
                 <a:ea typeface="HG明朝E" panose="02020909000000000000" pitchFamily="17" charset="-128"/>
               </a:rPr>
-              <a:t>Client API</a:t>
-            </a:r>
+              <a:t>Runtime </a:t>
+            </a:r>
+            <a:r>
+              <a:rPr lang="en-US" altLang="ja-JP" sz="1050" dirty="0" err="1" smtClean="0">
+                <a:solidFill>
+                  <a:schemeClr val="bg1"/>
+                </a:solidFill>
+                <a:latin typeface="Gill Sans MT"/>
+                <a:ea typeface="HG明朝E" panose="02020909000000000000" pitchFamily="17" charset="-128"/>
+              </a:rPr>
+              <a:t>Env</a:t>
+            </a:r>
+            <a:r>
+              <a:rPr lang="en-US" altLang="ja-JP" sz="1050" dirty="0" smtClean="0">
+                <a:solidFill>
+                  <a:schemeClr val="bg1"/>
+                </a:solidFill>
+                <a:latin typeface="Gill Sans MT"/>
+                <a:ea typeface="HG明朝E" panose="02020909000000000000" pitchFamily="17" charset="-128"/>
+              </a:rPr>
+              <a:t>.</a:t>
+            </a:r>
+            <a:endParaRPr lang="ja-JP" altLang="en-US" sz="1050" dirty="0" smtClean="0">
+              <a:solidFill>
+                <a:schemeClr val="bg1"/>
+              </a:solidFill>
+              <a:latin typeface="Gill Sans MT"/>
+              <a:ea typeface="HG明朝E" panose="02020909000000000000" pitchFamily="17" charset="-128"/>
+            </a:endParaRPr>
           </a:p>
         </p:txBody>
       </p:sp>
@@ -48536,40 +48424,7 @@
         </p:nvCxnSpPr>
         <p:spPr bwMode="auto">
           <a:xfrm>
-            <a:off x="2611772" y="4017518"/>
-            <a:ext cx="0" cy="266041"/>
-          </a:xfrm>
-          <a:prstGeom prst="straightConnector1">
-            <a:avLst/>
-          </a:prstGeom>
-          <a:noFill/>
-          <a:ln w="19050" cap="flat" cmpd="sng" algn="ctr">
-            <a:solidFill>
-              <a:sysClr val="windowText" lastClr="000000"/>
-            </a:solidFill>
-            <a:prstDash val="solid"/>
-            <a:headEnd type="arrow"/>
-            <a:tailEnd type="arrow"/>
-          </a:ln>
-          <a:effectLst>
-            <a:outerShdw blurRad="38100" dist="25400" dir="5400000" rotWithShape="0">
-              <a:srgbClr val="000000">
-                <a:alpha val="40000"/>
-              </a:srgbClr>
-            </a:outerShdw>
-          </a:effectLst>
-          <a:extLst/>
-        </p:spPr>
-      </p:cxnSp>
-      <p:cxnSp>
-        <p:nvCxnSpPr>
-          <p:cNvPr id="99" name="直線矢印コネクタ 98"/>
-          <p:cNvCxnSpPr/>
-          <p:nvPr/>
-        </p:nvCxnSpPr>
-        <p:spPr bwMode="auto">
-          <a:xfrm>
-            <a:off x="6940514" y="3995526"/>
+            <a:off x="2611772" y="4077072"/>
             <a:ext cx="0" cy="266041"/>
           </a:xfrm>
           <a:prstGeom prst="straightConnector1">
@@ -48603,7 +48458,7 @@
         <p:spPr bwMode="auto">
           <a:xfrm>
             <a:off x="4708266" y="4283560"/>
-            <a:ext cx="911943" cy="317313"/>
+            <a:ext cx="2744054" cy="317313"/>
           </a:xfrm>
           <a:prstGeom prst="roundRect">
             <a:avLst/>
@@ -48640,110 +48495,15 @@
                 <a:latin typeface="Gill Sans MT"/>
                 <a:ea typeface="HG明朝E" panose="02020909000000000000" pitchFamily="17" charset="-128"/>
               </a:rPr>
-              <a:t>Physical API</a:t>
-            </a:r>
-          </a:p>
-        </p:txBody>
-      </p:sp>
-      <p:sp>
-        <p:nvSpPr>
-          <p:cNvPr id="101" name="角丸四角形 21"/>
-          <p:cNvSpPr/>
-          <p:nvPr/>
-        </p:nvSpPr>
-        <p:spPr bwMode="auto">
-          <a:xfrm>
-            <a:off x="5616861" y="4283559"/>
-            <a:ext cx="907767" cy="317313"/>
-          </a:xfrm>
-          <a:prstGeom prst="roundRect">
-            <a:avLst/>
-          </a:prstGeom>
-          <a:solidFill>
-            <a:srgbClr val="7030A0"/>
-          </a:solidFill>
-          <a:ln w="25400" cap="flat" cmpd="sng" algn="ctr">
-            <a:solidFill>
-              <a:schemeClr val="tx1"/>
-            </a:solidFill>
-            <a:prstDash val="solid"/>
-            <a:round/>
-            <a:headEnd type="none" w="med" len="med"/>
-            <a:tailEnd type="none" w="med" len="med"/>
-          </a:ln>
-          <a:effectLst/>
-          <a:extLst/>
-        </p:spPr>
-        <p:txBody>
-          <a:bodyPr vert="horz" wrap="square" lIns="91440" tIns="45720" rIns="91440" bIns="45720" numCol="1" rtlCol="0" anchor="ctr" anchorCtr="0" compatLnSpc="1">
-            <a:prstTxWarp prst="textNoShape">
-              <a:avLst/>
-            </a:prstTxWarp>
-          </a:bodyPr>
-          <a:lstStyle/>
-          <a:p>
-            <a:pPr algn="ctr" fontAlgn="ctr"/>
-            <a:r>
-              <a:rPr lang="en-US" altLang="ja-JP" sz="1050" dirty="0" smtClean="0">
-                <a:solidFill>
-                  <a:schemeClr val="bg1"/>
-                </a:solidFill>
-                <a:latin typeface="Gill Sans MT"/>
-                <a:ea typeface="HG明朝E" panose="02020909000000000000" pitchFamily="17" charset="-128"/>
-              </a:rPr>
-              <a:t>Server API</a:t>
-            </a:r>
-          </a:p>
-        </p:txBody>
-      </p:sp>
-      <p:sp>
-        <p:nvSpPr>
-          <p:cNvPr id="102" name="角丸四角形 21"/>
-          <p:cNvSpPr/>
-          <p:nvPr/>
-        </p:nvSpPr>
-        <p:spPr bwMode="auto">
-          <a:xfrm>
-            <a:off x="6524628" y="4283558"/>
-            <a:ext cx="926829" cy="317313"/>
-          </a:xfrm>
-          <a:prstGeom prst="roundRect">
-            <a:avLst/>
-          </a:prstGeom>
-          <a:solidFill>
-            <a:srgbClr val="7030A0"/>
-          </a:solidFill>
-          <a:ln w="25400" cap="flat" cmpd="sng" algn="ctr">
-            <a:solidFill>
-              <a:schemeClr val="tx1"/>
-            </a:solidFill>
-            <a:prstDash val="solid"/>
-            <a:round/>
-            <a:headEnd type="none" w="med" len="med"/>
-            <a:tailEnd type="none" w="med" len="med"/>
-          </a:ln>
-          <a:effectLst/>
-          <a:extLst/>
-        </p:spPr>
-        <p:txBody>
-          <a:bodyPr vert="horz" wrap="square" lIns="91440" tIns="45720" rIns="91440" bIns="45720" numCol="1" rtlCol="0" anchor="ctr" anchorCtr="0" compatLnSpc="1">
-            <a:prstTxWarp prst="textNoShape">
-              <a:avLst/>
-            </a:prstTxWarp>
-          </a:bodyPr>
-          <a:lstStyle/>
-          <a:p>
-            <a:pPr algn="ctr" fontAlgn="ctr"/>
-            <a:r>
-              <a:rPr lang="en-US" altLang="ja-JP" sz="1050" dirty="0" smtClean="0">
-                <a:solidFill>
-                  <a:schemeClr val="bg1"/>
-                </a:solidFill>
-                <a:latin typeface="Gill Sans MT"/>
-                <a:ea typeface="HG明朝E" panose="02020909000000000000" pitchFamily="17" charset="-128"/>
-              </a:rPr>
-              <a:t>Client API</a:t>
-            </a:r>
+              <a:t>Runtime Environment</a:t>
+            </a:r>
+            <a:endParaRPr lang="ja-JP" altLang="en-US" sz="1050" dirty="0" smtClean="0">
+              <a:solidFill>
+                <a:schemeClr val="bg1"/>
+              </a:solidFill>
+              <a:latin typeface="Gill Sans MT"/>
+              <a:ea typeface="HG明朝E" panose="02020909000000000000" pitchFamily="17" charset="-128"/>
+            </a:endParaRPr>
           </a:p>
         </p:txBody>
       </p:sp>
@@ -48755,7 +48515,7 @@
         </p:nvCxnSpPr>
         <p:spPr bwMode="auto">
           <a:xfrm>
-            <a:off x="6076418" y="4017517"/>
+            <a:off x="5971956" y="4091112"/>
             <a:ext cx="0" cy="266041"/>
           </a:xfrm>
           <a:prstGeom prst="straightConnector1">
@@ -48788,7 +48548,7 @@
         </p:nvCxnSpPr>
         <p:spPr bwMode="auto">
           <a:xfrm>
-            <a:off x="5212322" y="4089525"/>
+            <a:off x="5076056" y="4089525"/>
             <a:ext cx="0" cy="266041"/>
           </a:xfrm>
           <a:prstGeom prst="straightConnector1">
@@ -48897,7 +48657,7 @@
           <a:blip r:embed="rId2" cstate="print">
             <a:extLst>
               <a:ext uri="{28A0092B-C50C-407E-A947-70E740481C1C}">
-                <a14:useLocalDpi xmlns:a14="http://schemas.microsoft.com/office/drawing/2010/main" xmlns="" val="0"/>
+                <a14:useLocalDpi xmlns="" xmlns:a14="http://schemas.microsoft.com/office/drawing/2010/main" val="0"/>
               </a:ext>
             </a:extLst>
           </a:blip>
@@ -48927,7 +48687,7 @@
           <a:blip r:embed="rId3" cstate="print">
             <a:extLst>
               <a:ext uri="{28A0092B-C50C-407E-A947-70E740481C1C}">
-                <a14:useLocalDpi xmlns:a14="http://schemas.microsoft.com/office/drawing/2010/main" xmlns="" val="0"/>
+                <a14:useLocalDpi xmlns="" xmlns:a14="http://schemas.microsoft.com/office/drawing/2010/main" val="0"/>
               </a:ext>
             </a:extLst>
           </a:blip>
@@ -48957,7 +48717,7 @@
           <a:blip r:embed="rId4" cstate="print">
             <a:extLst>
               <a:ext uri="{28A0092B-C50C-407E-A947-70E740481C1C}">
-                <a14:useLocalDpi xmlns:a14="http://schemas.microsoft.com/office/drawing/2010/main" xmlns="" val="0"/>
+                <a14:useLocalDpi xmlns="" xmlns:a14="http://schemas.microsoft.com/office/drawing/2010/main" val="0"/>
               </a:ext>
             </a:extLst>
           </a:blip>
@@ -49295,7 +49055,7 @@
     </p:spTree>
     <p:extLst>
       <p:ext uri="{BB962C8B-B14F-4D97-AF65-F5344CB8AC3E}">
-        <p14:creationId xmlns:p14="http://schemas.microsoft.com/office/powerpoint/2010/main" xmlns="" val="4283155808"/>
+        <p14:creationId xmlns="" xmlns:p14="http://schemas.microsoft.com/office/powerpoint/2010/main" val="4283155808"/>
       </p:ext>
     </p:extLst>
   </p:cSld>
